--- a/宣道詩/(宣道詩127) 在主裏喜樂.pptx
+++ b/宣道詩/(宣道詩127) 在主裏喜樂.pptx
@@ -5,20 +5,29 @@
     <p:sldMasterId id="2147483660" r:id="rId1"/>
   </p:sldMasterIdLst>
   <p:notesMasterIdLst>
-    <p:notesMasterId r:id="rId10"/>
+    <p:notesMasterId r:id="rId19"/>
   </p:notesMasterIdLst>
   <p:handoutMasterIdLst>
-    <p:handoutMasterId r:id="rId11"/>
+    <p:handoutMasterId r:id="rId20"/>
   </p:handoutMasterIdLst>
   <p:sldIdLst>
-    <p:sldId id="1611" r:id="rId2"/>
-    <p:sldId id="1612" r:id="rId3"/>
-    <p:sldId id="1613" r:id="rId4"/>
-    <p:sldId id="1614" r:id="rId5"/>
-    <p:sldId id="1615" r:id="rId6"/>
-    <p:sldId id="1616" r:id="rId7"/>
-    <p:sldId id="1617" r:id="rId8"/>
-    <p:sldId id="1618" r:id="rId9"/>
+    <p:sldId id="1619" r:id="rId2"/>
+    <p:sldId id="1620" r:id="rId3"/>
+    <p:sldId id="1621" r:id="rId4"/>
+    <p:sldId id="1622" r:id="rId5"/>
+    <p:sldId id="1623" r:id="rId6"/>
+    <p:sldId id="1624" r:id="rId7"/>
+    <p:sldId id="1625" r:id="rId8"/>
+    <p:sldId id="1626" r:id="rId9"/>
+    <p:sldId id="1627" r:id="rId10"/>
+    <p:sldId id="1628" r:id="rId11"/>
+    <p:sldId id="1629" r:id="rId12"/>
+    <p:sldId id="1630" r:id="rId13"/>
+    <p:sldId id="1631" r:id="rId14"/>
+    <p:sldId id="1632" r:id="rId15"/>
+    <p:sldId id="1633" r:id="rId16"/>
+    <p:sldId id="1634" r:id="rId17"/>
+    <p:sldId id="1635" r:id="rId18"/>
   </p:sldIdLst>
   <p:sldSz cx="12192000" cy="6858000"/>
   <p:notesSz cx="6858000" cy="9144000"/>
@@ -3724,7 +3733,7 @@
       </p:grpSpPr>
       <p:sp>
         <p:nvSpPr>
-          <p:cNvPr id="4" name="Title 3"/>
+          <p:cNvPr id="4" name="標題 3"/>
           <p:cNvSpPr>
             <a:spLocks noGrp="1"/>
           </p:cNvSpPr>
@@ -3732,297 +3741,1439 @@
             <p:ph type="title"/>
           </p:nvPr>
         </p:nvSpPr>
-        <p:spPr/>
+        <p:spPr>
+          <a:xfrm>
+            <a:off x="0" y="2756925"/>
+            <a:ext cx="12192000" cy="1143000"/>
+          </a:xfrm>
+        </p:spPr>
         <p:txBody>
           <a:bodyPr>
-            <a:normAutofit/>
+            <a:noAutofit/>
           </a:bodyPr>
           <a:lstStyle/>
           <a:p>
             <a:r>
-              <a:rPr lang="en-US" altLang="zh-CN" sz="4800" b="1" dirty="0">
-                <a:solidFill>
-                  <a:srgbClr val="002060"/>
-                </a:solidFill>
-                <a:latin typeface="Microsoft JhengHei" panose="020B0604030504040204" pitchFamily="34" charset="-120"/>
-                <a:ea typeface="Microsoft JhengHei" panose="020B0604030504040204" pitchFamily="34" charset="-120"/>
-              </a:rPr>
-              <a:t>【</a:t>
-            </a:r>
-            <a:r>
-              <a:rPr lang="zh-CN" altLang="en-US" sz="4800" b="1" dirty="0">
-                <a:solidFill>
-                  <a:srgbClr val="002060"/>
-                </a:solidFill>
-                <a:latin typeface="Microsoft JhengHei" panose="020B0604030504040204" pitchFamily="34" charset="-120"/>
-                <a:ea typeface="Microsoft JhengHei" panose="020B0604030504040204" pitchFamily="34" charset="-120"/>
-              </a:rPr>
-              <a:t>在主裏喜樂</a:t>
-            </a:r>
-            <a:r>
-              <a:rPr lang="en-US" altLang="zh-CN" sz="4800" b="1" dirty="0">
-                <a:solidFill>
-                  <a:srgbClr val="002060"/>
-                </a:solidFill>
-                <a:latin typeface="Microsoft JhengHei" panose="020B0604030504040204" pitchFamily="34" charset="-120"/>
-                <a:ea typeface="Microsoft JhengHei" panose="020B0604030504040204" pitchFamily="34" charset="-120"/>
-              </a:rPr>
-              <a:t>】</a:t>
-            </a:r>
-          </a:p>
-        </p:txBody>
-      </p:sp>
-      <p:sp>
-        <p:nvSpPr>
-          <p:cNvPr id="5" name="Content Placeholder 4"/>
-          <p:cNvSpPr>
-            <a:spLocks noGrp="1"/>
-          </p:cNvSpPr>
-          <p:nvPr>
-            <p:ph idx="1"/>
-          </p:nvPr>
-        </p:nvSpPr>
-        <p:spPr/>
-        <p:txBody>
-          <a:bodyPr>
-            <a:normAutofit/>
-          </a:bodyPr>
-          <a:lstStyle/>
-          <a:p>
-            <a:pPr marL="0" indent="0" algn="ctr">
-              <a:buNone/>
-            </a:pPr>
-            <a:r>
-              <a:rPr lang="zh-CN" altLang="zh-TW" sz="5400" b="1" dirty="0">
-                <a:solidFill>
-                  <a:srgbClr val="002060"/>
-                </a:solidFill>
-                <a:latin typeface="Microsoft JhengHei" panose="020B0604030504040204" pitchFamily="34" charset="-120"/>
-                <a:ea typeface="Microsoft JhengHei" panose="020B0604030504040204" pitchFamily="34" charset="-120"/>
-              </a:rPr>
-              <a:t>在主裏喜</a:t>
-            </a:r>
-            <a:r>
-              <a:rPr lang="zh-CN" altLang="zh-TW" sz="5400" b="1" dirty="0">
-                <a:solidFill>
-                  <a:srgbClr val="002060"/>
-                </a:solidFill>
-                <a:latin typeface="Microsoft JhengHei" panose="020B0604030504040204" pitchFamily="34" charset="-120"/>
-                <a:ea typeface="Microsoft JhengHei" panose="020B0604030504040204" pitchFamily="34" charset="-120"/>
-              </a:rPr>
-              <a:t>樂</a:t>
-            </a:r>
-            <a:r>
-              <a:rPr lang="en-US" altLang="zh-CN" sz="5400" b="1" dirty="0">
-                <a:solidFill>
-                  <a:srgbClr val="002060"/>
-                </a:solidFill>
-                <a:latin typeface="Microsoft JhengHei" panose="020B0604030504040204" pitchFamily="34" charset="-120"/>
-                <a:ea typeface="Microsoft JhengHei" panose="020B0604030504040204" pitchFamily="34" charset="-120"/>
-              </a:rPr>
-              <a:t>  </a:t>
-            </a:r>
-            <a:r>
-              <a:rPr lang="zh-CN" altLang="zh-TW" sz="5400" b="1" dirty="0">
-                <a:solidFill>
-                  <a:srgbClr val="002060"/>
-                </a:solidFill>
-                <a:latin typeface="Microsoft JhengHei" panose="020B0604030504040204" pitchFamily="34" charset="-120"/>
-                <a:ea typeface="Microsoft JhengHei" panose="020B0604030504040204" pitchFamily="34" charset="-120"/>
-              </a:rPr>
-              <a:t>因</a:t>
-            </a:r>
-            <a:r>
-              <a:rPr lang="zh-CN" altLang="zh-TW" sz="5400" b="1" dirty="0">
-                <a:solidFill>
-                  <a:srgbClr val="002060"/>
-                </a:solidFill>
-                <a:latin typeface="Microsoft JhengHei" panose="020B0604030504040204" pitchFamily="34" charset="-120"/>
-                <a:ea typeface="Microsoft JhengHei" panose="020B0604030504040204" pitchFamily="34" charset="-120"/>
-              </a:rPr>
-              <a:t>主恩愛歡呼</a:t>
-            </a:r>
-          </a:p>
-          <a:p>
-            <a:pPr marL="0" indent="0" algn="ctr">
-              <a:buNone/>
-            </a:pPr>
-            <a:r>
-              <a:rPr lang="zh-CN" altLang="zh-TW" sz="5400" b="1" dirty="0">
-                <a:solidFill>
-                  <a:srgbClr val="002060"/>
-                </a:solidFill>
-                <a:latin typeface="Microsoft JhengHei" panose="020B0604030504040204" pitchFamily="34" charset="-120"/>
-                <a:ea typeface="Microsoft JhengHei" panose="020B0604030504040204" pitchFamily="34" charset="-120"/>
-              </a:rPr>
-              <a:t>一切的罪惡主抹</a:t>
-            </a:r>
-            <a:r>
-              <a:rPr lang="zh-CN" altLang="zh-TW" sz="5400" b="1" dirty="0">
-                <a:solidFill>
-                  <a:srgbClr val="002060"/>
-                </a:solidFill>
-                <a:latin typeface="Microsoft JhengHei" panose="020B0604030504040204" pitchFamily="34" charset="-120"/>
-                <a:ea typeface="Microsoft JhengHei" panose="020B0604030504040204" pitchFamily="34" charset="-120"/>
-              </a:rPr>
-              <a:t>塗</a:t>
-            </a:r>
-            <a:endParaRPr lang="en-US" altLang="zh-CN" sz="5400" b="1" dirty="0">
+              <a:rPr lang="zh-CN" altLang="en-US" sz="5333" b="1" u="sng" dirty="0">
+                <a:solidFill>
+                  <a:srgbClr val="000066"/>
+                </a:solidFill>
+                <a:effectLst>
+                  <a:outerShdw blurRad="38100" dist="38100" dir="2700000" algn="tl">
+                    <a:srgbClr val="000000">
+                      <a:alpha val="43137"/>
+                    </a:srgbClr>
+                  </a:outerShdw>
+                </a:effectLst>
+                <a:latin typeface="微軟正黑體" pitchFamily="34" charset="-120"/>
+                <a:ea typeface="微軟正黑體" pitchFamily="34" charset="-120"/>
+              </a:rPr>
+              <a:t>宣道詩 </a:t>
+            </a:r>
+            <a:r>
+              <a:rPr lang="en-US" altLang="zh-CN" sz="5333" b="1" u="sng" dirty="0">
+                <a:solidFill>
+                  <a:srgbClr val="000066"/>
+                </a:solidFill>
+                <a:effectLst>
+                  <a:outerShdw blurRad="38100" dist="38100" dir="2700000" algn="tl">
+                    <a:srgbClr val="000000">
+                      <a:alpha val="43137"/>
+                    </a:srgbClr>
+                  </a:outerShdw>
+                </a:effectLst>
+                <a:latin typeface="微軟正黑體" pitchFamily="34" charset="-120"/>
+                <a:ea typeface="微軟正黑體" pitchFamily="34" charset="-120"/>
+              </a:rPr>
+              <a:t>127</a:t>
+            </a:r>
+            <a:r>
+              <a:rPr lang="en-US" altLang="zh-CN" sz="7200" b="1" i="1" dirty="0">
+                <a:solidFill>
+                  <a:schemeClr val="bg1"/>
+                </a:solidFill>
+                <a:effectLst>
+                  <a:outerShdw blurRad="38100" dist="38100" dir="2700000" algn="tl">
+                    <a:srgbClr val="000000">
+                      <a:alpha val="43137"/>
+                    </a:srgbClr>
+                  </a:outerShdw>
+                </a:effectLst>
+                <a:latin typeface="微軟正黑體" pitchFamily="34" charset="-120"/>
+                <a:ea typeface="微軟正黑體" pitchFamily="34" charset="-120"/>
+              </a:rPr>
+              <a:t/>
+            </a:r>
+            <a:br>
+              <a:rPr lang="en-US" altLang="zh-CN" sz="7200" b="1" i="1" dirty="0">
+                <a:solidFill>
+                  <a:schemeClr val="bg1"/>
+                </a:solidFill>
+                <a:effectLst>
+                  <a:outerShdw blurRad="38100" dist="38100" dir="2700000" algn="tl">
+                    <a:srgbClr val="000000">
+                      <a:alpha val="43137"/>
+                    </a:srgbClr>
+                  </a:outerShdw>
+                </a:effectLst>
+                <a:latin typeface="微軟正黑體" pitchFamily="34" charset="-120"/>
+                <a:ea typeface="微軟正黑體" pitchFamily="34" charset="-120"/>
+              </a:rPr>
+            </a:br>
+            <a:r>
+              <a:rPr lang="zh-CN" altLang="en-US" sz="8000" b="1" dirty="0">
+                <a:solidFill>
+                  <a:srgbClr val="660033"/>
+                </a:solidFill>
+                <a:effectLst>
+                  <a:outerShdw blurRad="38100" dist="38100" dir="2700000" algn="tl">
+                    <a:srgbClr val="000000">
+                      <a:alpha val="43137"/>
+                    </a:srgbClr>
+                  </a:outerShdw>
+                </a:effectLst>
+                <a:latin typeface="微軟正黑體" pitchFamily="34" charset="-120"/>
+                <a:ea typeface="微軟正黑體" pitchFamily="34" charset="-120"/>
+              </a:rPr>
+              <a:t>在</a:t>
+            </a:r>
+            <a:r>
+              <a:rPr lang="zh-CN" altLang="en-US" sz="8000" b="1" dirty="0">
+                <a:solidFill>
+                  <a:srgbClr val="660033"/>
+                </a:solidFill>
+                <a:effectLst>
+                  <a:outerShdw blurRad="38100" dist="38100" dir="2700000" algn="tl">
+                    <a:srgbClr val="000000">
+                      <a:alpha val="43137"/>
+                    </a:srgbClr>
+                  </a:outerShdw>
+                </a:effectLst>
+                <a:latin typeface="微軟正黑體" pitchFamily="34" charset="-120"/>
+                <a:ea typeface="微軟正黑體" pitchFamily="34" charset="-120"/>
+              </a:rPr>
+              <a:t>主裏喜樂</a:t>
+            </a:r>
+            <a:endParaRPr lang="zh-TW" altLang="en-US" sz="8000" b="1" dirty="0">
               <a:solidFill>
-                <a:srgbClr val="002060"/>
+                <a:srgbClr val="660033"/>
               </a:solidFill>
-              <a:latin typeface="Microsoft JhengHei" panose="020B0604030504040204" pitchFamily="34" charset="-120"/>
-              <a:ea typeface="Microsoft JhengHei" panose="020B0604030504040204" pitchFamily="34" charset="-120"/>
+              <a:effectLst>
+                <a:outerShdw blurRad="38100" dist="38100" dir="2700000" algn="tl">
+                  <a:srgbClr val="000000">
+                    <a:alpha val="43137"/>
+                  </a:srgbClr>
+                </a:outerShdw>
+              </a:effectLst>
+              <a:latin typeface="微軟正黑體" pitchFamily="34" charset="-120"/>
+              <a:ea typeface="微軟正黑體" pitchFamily="34" charset="-120"/>
             </a:endParaRPr>
-          </a:p>
-          <a:p>
-            <a:pPr marL="0" indent="0" algn="ctr">
-              <a:buNone/>
-            </a:pPr>
-            <a:r>
-              <a:rPr lang="zh-CN" altLang="zh-TW" sz="5400" b="1" dirty="0">
-                <a:solidFill>
-                  <a:srgbClr val="002060"/>
-                </a:solidFill>
-                <a:latin typeface="Microsoft JhengHei" panose="020B0604030504040204" pitchFamily="34" charset="-120"/>
-                <a:ea typeface="Microsoft JhengHei" panose="020B0604030504040204" pitchFamily="34" charset="-120"/>
-                <a:sym typeface="+mn-ea"/>
-              </a:rPr>
-              <a:t>寶血</a:t>
-            </a:r>
-            <a:r>
-              <a:rPr lang="zh-CN" altLang="zh-TW" sz="5400" b="1" dirty="0">
-                <a:solidFill>
-                  <a:srgbClr val="002060"/>
-                </a:solidFill>
-                <a:latin typeface="Microsoft JhengHei" panose="020B0604030504040204" pitchFamily="34" charset="-120"/>
-                <a:ea typeface="Microsoft JhengHei" panose="020B0604030504040204" pitchFamily="34" charset="-120"/>
-              </a:rPr>
-              <a:t>既贖</a:t>
-            </a:r>
-            <a:r>
-              <a:rPr lang="zh-CN" altLang="zh-TW" sz="5400" b="1" dirty="0">
-                <a:solidFill>
-                  <a:srgbClr val="002060"/>
-                </a:solidFill>
-                <a:latin typeface="Microsoft JhengHei" panose="020B0604030504040204" pitchFamily="34" charset="-120"/>
-                <a:ea typeface="Microsoft JhengHei" panose="020B0604030504040204" pitchFamily="34" charset="-120"/>
-              </a:rPr>
-              <a:t>我</a:t>
-            </a:r>
-            <a:r>
-              <a:rPr lang="en-US" altLang="zh-CN" sz="5400" b="1" dirty="0">
-                <a:solidFill>
-                  <a:srgbClr val="002060"/>
-                </a:solidFill>
-                <a:latin typeface="Microsoft JhengHei" panose="020B0604030504040204" pitchFamily="34" charset="-120"/>
-                <a:ea typeface="Microsoft JhengHei" panose="020B0604030504040204" pitchFamily="34" charset="-120"/>
-              </a:rPr>
-              <a:t>  </a:t>
-            </a:r>
-            <a:r>
-              <a:rPr lang="zh-CN" altLang="zh-TW" sz="5400" b="1" dirty="0">
-                <a:solidFill>
-                  <a:srgbClr val="002060"/>
-                </a:solidFill>
-                <a:latin typeface="Microsoft JhengHei" panose="020B0604030504040204" pitchFamily="34" charset="-120"/>
-                <a:ea typeface="Microsoft JhengHei" panose="020B0604030504040204" pitchFamily="34" charset="-120"/>
-              </a:rPr>
-              <a:t>有</a:t>
-            </a:r>
-            <a:r>
-              <a:rPr lang="zh-CN" altLang="zh-TW" sz="5400" b="1" dirty="0">
-                <a:solidFill>
-                  <a:srgbClr val="002060"/>
-                </a:solidFill>
-                <a:latin typeface="Microsoft JhengHei" panose="020B0604030504040204" pitchFamily="34" charset="-120"/>
-                <a:ea typeface="Microsoft JhengHei" panose="020B0604030504040204" pitchFamily="34" charset="-120"/>
-              </a:rPr>
-              <a:t>何憂懼歎吁</a:t>
-            </a:r>
-          </a:p>
-          <a:p>
-            <a:pPr marL="0" indent="0" algn="ctr">
-              <a:buNone/>
-            </a:pPr>
-            <a:r>
-              <a:rPr lang="zh-CN" altLang="zh-TW" sz="5400" b="1" dirty="0">
-                <a:solidFill>
-                  <a:srgbClr val="002060"/>
-                </a:solidFill>
-                <a:latin typeface="Microsoft JhengHei" panose="020B0604030504040204" pitchFamily="34" charset="-120"/>
-                <a:ea typeface="Microsoft JhengHei" panose="020B0604030504040204" pitchFamily="34" charset="-120"/>
-              </a:rPr>
-              <a:t>况基督為萬有主</a:t>
-            </a:r>
-            <a:r>
-              <a:rPr lang="zh-CN" altLang="zh-TW" sz="5400" b="1" dirty="0">
-                <a:solidFill>
-                  <a:srgbClr val="002060"/>
-                </a:solidFill>
-                <a:latin typeface="Microsoft JhengHei" panose="020B0604030504040204" pitchFamily="34" charset="-120"/>
-                <a:ea typeface="Microsoft JhengHei" panose="020B0604030504040204" pitchFamily="34" charset="-120"/>
-              </a:rPr>
-              <a:t>乎</a:t>
-            </a:r>
-            <a:endParaRPr lang="zh-CN" altLang="zh-TW" sz="5400" b="1" dirty="0">
-              <a:solidFill>
-                <a:srgbClr val="002060"/>
-              </a:solidFill>
-              <a:latin typeface="Microsoft JhengHei" panose="020B0604030504040204" pitchFamily="34" charset="-120"/>
-              <a:ea typeface="Microsoft JhengHei" panose="020B0604030504040204" pitchFamily="34" charset="-120"/>
-            </a:endParaRPr>
-          </a:p>
-        </p:txBody>
-      </p:sp>
-      <p:sp>
-        <p:nvSpPr>
-          <p:cNvPr id="6" name="Text Box 1"/>
-          <p:cNvSpPr txBox="1"/>
-          <p:nvPr/>
-        </p:nvSpPr>
-        <p:spPr>
-          <a:xfrm>
-            <a:off x="551384" y="1772816"/>
-            <a:ext cx="1380490" cy="769441"/>
-          </a:xfrm>
-          <a:prstGeom prst="rect">
-            <a:avLst/>
-          </a:prstGeom>
-          <a:noFill/>
-          <a:ln w="9525">
-            <a:noFill/>
-            <a:miter lim="800000"/>
-          </a:ln>
-        </p:spPr>
-        <p:txBody>
-          <a:bodyPr wrap="square">
-            <a:spAutoFit/>
-          </a:bodyPr>
-          <a:lstStyle/>
-          <a:p>
-            <a:pPr algn="ctr"/>
-            <a:r>
-              <a:rPr lang="en-US" sz="4400" b="1" dirty="0">
-                <a:solidFill>
-                  <a:srgbClr val="002060"/>
-                </a:solidFill>
-              </a:rPr>
-              <a:t>1.</a:t>
-            </a:r>
           </a:p>
         </p:txBody>
       </p:sp>
     </p:spTree>
     <p:extLst>
       <p:ext uri="{BB962C8B-B14F-4D97-AF65-F5344CB8AC3E}">
-        <p14:creationId xmlns:p14="http://schemas.microsoft.com/office/powerpoint/2010/main" val="2091543607"/>
+        <p14:creationId xmlns:p14="http://schemas.microsoft.com/office/powerpoint/2010/main" val="3827715669"/>
       </p:ext>
     </p:extLst>
   </p:cSld>
   <p:clrMapOvr>
     <a:masterClrMapping/>
   </p:clrMapOvr>
+  <p:timing>
+    <p:tnLst>
+      <p:par>
+        <p:cTn id="1" dur="indefinite" restart="never" nodeType="tmRoot"/>
+      </p:par>
+    </p:tnLst>
+  </p:timing>
+</p:sld>
+</file>
+
+<file path=ppt/slides/slide10.xml><?xml version="1.0" encoding="utf-8"?>
+<p:sld xmlns:a="http://schemas.openxmlformats.org/drawingml/2006/main" xmlns:r="http://schemas.openxmlformats.org/officeDocument/2006/relationships" xmlns:p="http://schemas.openxmlformats.org/presentationml/2006/main">
+  <p:cSld>
+    <p:spTree>
+      <p:nvGrpSpPr>
+        <p:cNvPr id="1" name=""/>
+        <p:cNvGrpSpPr/>
+        <p:nvPr/>
+      </p:nvGrpSpPr>
+      <p:grpSpPr>
+        <a:xfrm>
+          <a:off x="0" y="0"/>
+          <a:ext cx="0" cy="0"/>
+          <a:chOff x="0" y="0"/>
+          <a:chExt cx="0" cy="0"/>
+        </a:xfrm>
+      </p:grpSpPr>
+      <p:sp>
+        <p:nvSpPr>
+          <p:cNvPr id="5" name="內容版面配置區 4"/>
+          <p:cNvSpPr>
+            <a:spLocks noGrp="1"/>
+          </p:cNvSpPr>
+          <p:nvPr>
+            <p:ph idx="1"/>
+          </p:nvPr>
+        </p:nvSpPr>
+        <p:spPr>
+          <a:xfrm>
+            <a:off x="0" y="2084851"/>
+            <a:ext cx="12192000" cy="2404863"/>
+          </a:xfrm>
+        </p:spPr>
+        <p:txBody>
+          <a:bodyPr anchor="ctr">
+            <a:normAutofit/>
+          </a:bodyPr>
+          <a:lstStyle/>
+          <a:p>
+            <a:pPr marL="0" indent="0" algn="ctr">
+              <a:buNone/>
+            </a:pPr>
+            <a:r>
+              <a:rPr lang="zh-CN" altLang="zh-TW" sz="6400" b="1" dirty="0">
+                <a:solidFill>
+                  <a:srgbClr val="660033"/>
+                </a:solidFill>
+                <a:latin typeface="Microsoft JhengHei" panose="020B0604030504040204" pitchFamily="34" charset="-120"/>
+                <a:ea typeface="Microsoft JhengHei" panose="020B0604030504040204" pitchFamily="34" charset="-120"/>
+              </a:rPr>
+              <a:t>要信靠主話</a:t>
+            </a:r>
+            <a:r>
+              <a:rPr lang="en-US" altLang="zh-CN" sz="6400" b="1" dirty="0">
+                <a:solidFill>
+                  <a:srgbClr val="660033"/>
+                </a:solidFill>
+                <a:latin typeface="Microsoft JhengHei" panose="020B0604030504040204" pitchFamily="34" charset="-120"/>
+                <a:ea typeface="Microsoft JhengHei" panose="020B0604030504040204" pitchFamily="34" charset="-120"/>
+              </a:rPr>
+              <a:t>  </a:t>
+            </a:r>
+            <a:r>
+              <a:rPr lang="zh-CN" altLang="zh-TW" sz="6400" b="1" dirty="0">
+                <a:solidFill>
+                  <a:srgbClr val="660033"/>
+                </a:solidFill>
+                <a:latin typeface="Microsoft JhengHei" panose="020B0604030504040204" pitchFamily="34" charset="-120"/>
+                <a:ea typeface="Microsoft JhengHei" panose="020B0604030504040204" pitchFamily="34" charset="-120"/>
+              </a:rPr>
+              <a:t>他應許最誠實</a:t>
+            </a:r>
+          </a:p>
+          <a:p>
+            <a:pPr marL="0" indent="0" algn="ctr">
+              <a:buNone/>
+            </a:pPr>
+            <a:r>
+              <a:rPr lang="zh-CN" altLang="zh-TW" sz="6400" b="1" dirty="0">
+                <a:solidFill>
+                  <a:srgbClr val="660033"/>
+                </a:solidFill>
+                <a:latin typeface="Microsoft JhengHei" panose="020B0604030504040204" pitchFamily="34" charset="-120"/>
+                <a:ea typeface="Microsoft JhengHei" panose="020B0604030504040204" pitchFamily="34" charset="-120"/>
+              </a:rPr>
+              <a:t>仗著聖靈劍勝仇敵</a:t>
+            </a:r>
+            <a:endParaRPr lang="en-US" altLang="zh-CN" sz="6400" b="1" dirty="0">
+              <a:solidFill>
+                <a:srgbClr val="660033"/>
+              </a:solidFill>
+              <a:latin typeface="Microsoft JhengHei" panose="020B0604030504040204" pitchFamily="34" charset="-120"/>
+              <a:ea typeface="Microsoft JhengHei" panose="020B0604030504040204" pitchFamily="34" charset="-120"/>
+            </a:endParaRPr>
+          </a:p>
+        </p:txBody>
+      </p:sp>
+      <p:sp>
+        <p:nvSpPr>
+          <p:cNvPr id="3" name="TextBox 2"/>
+          <p:cNvSpPr txBox="1"/>
+          <p:nvPr/>
+        </p:nvSpPr>
+        <p:spPr>
+          <a:xfrm>
+            <a:off x="0" y="5061182"/>
+            <a:ext cx="12192000" cy="830997"/>
+          </a:xfrm>
+          <a:prstGeom prst="rect">
+            <a:avLst/>
+          </a:prstGeom>
+          <a:noFill/>
+        </p:spPr>
+        <p:txBody>
+          <a:bodyPr wrap="square" rtlCol="0">
+            <a:spAutoFit/>
+          </a:bodyPr>
+          <a:lstStyle/>
+          <a:p>
+            <a:pPr algn="ctr"/>
+            <a:r>
+              <a:rPr lang="en-US" sz="4800" b="1" dirty="0">
+                <a:solidFill>
+                  <a:srgbClr val="660033"/>
+                </a:solidFill>
+                <a:effectLst/>
+              </a:rPr>
+              <a:t>( </a:t>
+            </a:r>
+            <a:r>
+              <a:rPr lang="en-US" sz="4800" b="1" dirty="0">
+                <a:solidFill>
+                  <a:srgbClr val="660033"/>
+                </a:solidFill>
+                <a:effectLst/>
+              </a:rPr>
+              <a:t>3 </a:t>
+            </a:r>
+            <a:r>
+              <a:rPr lang="en-US" sz="4800" b="1" dirty="0">
+                <a:solidFill>
+                  <a:srgbClr val="660033"/>
+                </a:solidFill>
+                <a:effectLst/>
+              </a:rPr>
+              <a:t>)</a:t>
+            </a:r>
+            <a:endParaRPr lang="vi-VN" sz="4800" b="1" dirty="0">
+              <a:solidFill>
+                <a:srgbClr val="660033"/>
+              </a:solidFill>
+              <a:effectLst/>
+            </a:endParaRPr>
+          </a:p>
+        </p:txBody>
+      </p:sp>
+    </p:spTree>
+    <p:extLst>
+      <p:ext uri="{BB962C8B-B14F-4D97-AF65-F5344CB8AC3E}">
+        <p14:creationId xmlns:p14="http://schemas.microsoft.com/office/powerpoint/2010/main" val="3737925142"/>
+      </p:ext>
+    </p:extLst>
+  </p:cSld>
+  <p:clrMapOvr>
+    <a:masterClrMapping/>
+  </p:clrMapOvr>
+  <p:timing>
+    <p:tnLst>
+      <p:par>
+        <p:cTn id="1" dur="indefinite" restart="never" nodeType="tmRoot"/>
+      </p:par>
+    </p:tnLst>
+  </p:timing>
+</p:sld>
+</file>
+
+<file path=ppt/slides/slide11.xml><?xml version="1.0" encoding="utf-8"?>
+<p:sld xmlns:a="http://schemas.openxmlformats.org/drawingml/2006/main" xmlns:r="http://schemas.openxmlformats.org/officeDocument/2006/relationships" xmlns:p="http://schemas.openxmlformats.org/presentationml/2006/main">
+  <p:cSld>
+    <p:spTree>
+      <p:nvGrpSpPr>
+        <p:cNvPr id="1" name=""/>
+        <p:cNvGrpSpPr/>
+        <p:nvPr/>
+      </p:nvGrpSpPr>
+      <p:grpSpPr>
+        <a:xfrm>
+          <a:off x="0" y="0"/>
+          <a:ext cx="0" cy="0"/>
+          <a:chOff x="0" y="0"/>
+          <a:chExt cx="0" cy="0"/>
+        </a:xfrm>
+      </p:grpSpPr>
+      <p:sp>
+        <p:nvSpPr>
+          <p:cNvPr id="5" name="內容版面配置區 4"/>
+          <p:cNvSpPr>
+            <a:spLocks noGrp="1"/>
+          </p:cNvSpPr>
+          <p:nvPr>
+            <p:ph idx="1"/>
+          </p:nvPr>
+        </p:nvSpPr>
+        <p:spPr>
+          <a:xfrm>
+            <a:off x="0" y="2084851"/>
+            <a:ext cx="12192000" cy="2404863"/>
+          </a:xfrm>
+        </p:spPr>
+        <p:txBody>
+          <a:bodyPr anchor="ctr">
+            <a:normAutofit/>
+          </a:bodyPr>
+          <a:lstStyle/>
+          <a:p>
+            <a:pPr marL="0" indent="0" algn="ctr">
+              <a:buNone/>
+            </a:pPr>
+            <a:r>
+              <a:rPr lang="zh-CN" altLang="zh-TW" sz="6400" b="1" dirty="0">
+                <a:solidFill>
+                  <a:srgbClr val="660033"/>
+                </a:solidFill>
+                <a:latin typeface="Microsoft JhengHei" panose="020B0604030504040204" pitchFamily="34" charset="-120"/>
+                <a:ea typeface="Microsoft JhengHei" panose="020B0604030504040204" pitchFamily="34" charset="-120"/>
+                <a:sym typeface="+mn-ea"/>
+              </a:rPr>
+              <a:t>天地要廢去</a:t>
+            </a:r>
+            <a:r>
+              <a:rPr lang="en-US" altLang="zh-CN" sz="6400" b="1" dirty="0">
+                <a:solidFill>
+                  <a:srgbClr val="660033"/>
+                </a:solidFill>
+                <a:latin typeface="Microsoft JhengHei" panose="020B0604030504040204" pitchFamily="34" charset="-120"/>
+                <a:ea typeface="Microsoft JhengHei" panose="020B0604030504040204" pitchFamily="34" charset="-120"/>
+                <a:sym typeface="+mn-ea"/>
+              </a:rPr>
+              <a:t>  </a:t>
+            </a:r>
+            <a:r>
+              <a:rPr lang="zh-CN" altLang="zh-TW" sz="6400" b="1" dirty="0">
+                <a:solidFill>
+                  <a:srgbClr val="660033"/>
+                </a:solidFill>
+                <a:latin typeface="Microsoft JhengHei" panose="020B0604030504040204" pitchFamily="34" charset="-120"/>
+                <a:ea typeface="Microsoft JhengHei" panose="020B0604030504040204" pitchFamily="34" charset="-120"/>
+                <a:sym typeface="+mn-ea"/>
+              </a:rPr>
+              <a:t>山嶺也要遷移</a:t>
+            </a:r>
+          </a:p>
+          <a:p>
+            <a:pPr marL="0" indent="0" algn="ctr">
+              <a:buNone/>
+            </a:pPr>
+            <a:r>
+              <a:rPr lang="zh-CN" altLang="zh-TW" sz="6400" b="1" dirty="0">
+                <a:solidFill>
+                  <a:srgbClr val="660033"/>
+                </a:solidFill>
+                <a:latin typeface="Microsoft JhengHei" panose="020B0604030504040204" pitchFamily="34" charset="-120"/>
+                <a:ea typeface="Microsoft JhengHei" panose="020B0604030504040204" pitchFamily="34" charset="-120"/>
+                <a:sym typeface="+mn-ea"/>
+              </a:rPr>
+              <a:t>主言語卻永無更易</a:t>
+            </a:r>
+          </a:p>
+        </p:txBody>
+      </p:sp>
+      <p:sp>
+        <p:nvSpPr>
+          <p:cNvPr id="3" name="TextBox 2"/>
+          <p:cNvSpPr txBox="1"/>
+          <p:nvPr/>
+        </p:nvSpPr>
+        <p:spPr>
+          <a:xfrm>
+            <a:off x="0" y="5061182"/>
+            <a:ext cx="12192000" cy="830997"/>
+          </a:xfrm>
+          <a:prstGeom prst="rect">
+            <a:avLst/>
+          </a:prstGeom>
+          <a:noFill/>
+        </p:spPr>
+        <p:txBody>
+          <a:bodyPr wrap="square" rtlCol="0">
+            <a:spAutoFit/>
+          </a:bodyPr>
+          <a:lstStyle/>
+          <a:p>
+            <a:pPr algn="ctr"/>
+            <a:r>
+              <a:rPr lang="en-US" sz="4800" b="1" dirty="0">
+                <a:solidFill>
+                  <a:srgbClr val="660033"/>
+                </a:solidFill>
+                <a:effectLst/>
+              </a:rPr>
+              <a:t>( </a:t>
+            </a:r>
+            <a:r>
+              <a:rPr lang="en-US" sz="4800" b="1" dirty="0">
+                <a:solidFill>
+                  <a:srgbClr val="660033"/>
+                </a:solidFill>
+                <a:effectLst/>
+              </a:rPr>
+              <a:t>3 </a:t>
+            </a:r>
+            <a:r>
+              <a:rPr lang="en-US" sz="4800" b="1" dirty="0">
+                <a:solidFill>
+                  <a:srgbClr val="660033"/>
+                </a:solidFill>
+                <a:effectLst/>
+              </a:rPr>
+              <a:t>)</a:t>
+            </a:r>
+            <a:endParaRPr lang="vi-VN" sz="4800" b="1" dirty="0">
+              <a:solidFill>
+                <a:srgbClr val="660033"/>
+              </a:solidFill>
+              <a:effectLst/>
+            </a:endParaRPr>
+          </a:p>
+        </p:txBody>
+      </p:sp>
+    </p:spTree>
+    <p:extLst>
+      <p:ext uri="{BB962C8B-B14F-4D97-AF65-F5344CB8AC3E}">
+        <p14:creationId xmlns:p14="http://schemas.microsoft.com/office/powerpoint/2010/main" val="1885136611"/>
+      </p:ext>
+    </p:extLst>
+  </p:cSld>
+  <p:clrMapOvr>
+    <a:masterClrMapping/>
+  </p:clrMapOvr>
+  <p:timing>
+    <p:tnLst>
+      <p:par>
+        <p:cTn id="1" dur="indefinite" restart="never" nodeType="tmRoot"/>
+      </p:par>
+    </p:tnLst>
+  </p:timing>
+</p:sld>
+</file>
+
+<file path=ppt/slides/slide12.xml><?xml version="1.0" encoding="utf-8"?>
+<p:sld xmlns:a="http://schemas.openxmlformats.org/drawingml/2006/main" xmlns:r="http://schemas.openxmlformats.org/officeDocument/2006/relationships" xmlns:p="http://schemas.openxmlformats.org/presentationml/2006/main">
+  <p:cSld>
+    <p:spTree>
+      <p:nvGrpSpPr>
+        <p:cNvPr id="1" name=""/>
+        <p:cNvGrpSpPr/>
+        <p:nvPr/>
+      </p:nvGrpSpPr>
+      <p:grpSpPr>
+        <a:xfrm>
+          <a:off x="0" y="0"/>
+          <a:ext cx="0" cy="0"/>
+          <a:chOff x="0" y="0"/>
+          <a:chExt cx="0" cy="0"/>
+        </a:xfrm>
+      </p:grpSpPr>
+      <p:sp>
+        <p:nvSpPr>
+          <p:cNvPr id="5" name="內容版面配置區 4"/>
+          <p:cNvSpPr>
+            <a:spLocks noGrp="1"/>
+          </p:cNvSpPr>
+          <p:nvPr>
+            <p:ph idx="1"/>
+          </p:nvPr>
+        </p:nvSpPr>
+        <p:spPr>
+          <a:xfrm>
+            <a:off x="0" y="2084851"/>
+            <a:ext cx="12192000" cy="2404863"/>
+          </a:xfrm>
+        </p:spPr>
+        <p:txBody>
+          <a:bodyPr anchor="ctr">
+            <a:normAutofit/>
+          </a:bodyPr>
+          <a:lstStyle/>
+          <a:p>
+            <a:pPr marL="0" indent="0" algn="ctr">
+              <a:buNone/>
+            </a:pPr>
+            <a:r>
+              <a:rPr lang="zh-CN" altLang="zh-TW" sz="6400" b="1" dirty="0">
+                <a:solidFill>
+                  <a:srgbClr val="660033"/>
+                </a:solidFill>
+                <a:latin typeface="Microsoft JhengHei" panose="020B0604030504040204" pitchFamily="34" charset="-120"/>
+                <a:ea typeface="Microsoft JhengHei" panose="020B0604030504040204" pitchFamily="34" charset="-120"/>
+              </a:rPr>
+              <a:t>上主若為我</a:t>
+            </a:r>
+            <a:r>
+              <a:rPr lang="en-US" altLang="zh-CN" sz="6400" b="1" dirty="0">
+                <a:solidFill>
+                  <a:srgbClr val="660033"/>
+                </a:solidFill>
+                <a:latin typeface="Microsoft JhengHei" panose="020B0604030504040204" pitchFamily="34" charset="-120"/>
+                <a:ea typeface="Microsoft JhengHei" panose="020B0604030504040204" pitchFamily="34" charset="-120"/>
+              </a:rPr>
+              <a:t>  </a:t>
+            </a:r>
+            <a:r>
+              <a:rPr lang="zh-CN" altLang="zh-TW" sz="6400" b="1" dirty="0">
+                <a:solidFill>
+                  <a:srgbClr val="660033"/>
+                </a:solidFill>
+                <a:latin typeface="Microsoft JhengHei" panose="020B0604030504040204" pitchFamily="34" charset="-120"/>
+                <a:ea typeface="Microsoft JhengHei" panose="020B0604030504040204" pitchFamily="34" charset="-120"/>
+              </a:rPr>
+              <a:t>上主若為我</a:t>
+            </a:r>
+          </a:p>
+          <a:p>
+            <a:pPr marL="0" indent="0" algn="ctr">
+              <a:buNone/>
+            </a:pPr>
+            <a:r>
+              <a:rPr lang="zh-CN" altLang="zh-TW" sz="6400" b="1" dirty="0">
+                <a:solidFill>
+                  <a:srgbClr val="660033"/>
+                </a:solidFill>
+                <a:latin typeface="Microsoft JhengHei" panose="020B0604030504040204" pitchFamily="34" charset="-120"/>
+                <a:ea typeface="Microsoft JhengHei" panose="020B0604030504040204" pitchFamily="34" charset="-120"/>
+              </a:rPr>
+              <a:t>上主若為我</a:t>
+            </a:r>
+            <a:endParaRPr lang="en-US" altLang="zh-CN" sz="6400" b="1" dirty="0">
+              <a:solidFill>
+                <a:srgbClr val="660033"/>
+              </a:solidFill>
+              <a:latin typeface="Microsoft JhengHei" panose="020B0604030504040204" pitchFamily="34" charset="-120"/>
+              <a:ea typeface="Microsoft JhengHei" panose="020B0604030504040204" pitchFamily="34" charset="-120"/>
+            </a:endParaRPr>
+          </a:p>
+        </p:txBody>
+      </p:sp>
+    </p:spTree>
+    <p:extLst>
+      <p:ext uri="{BB962C8B-B14F-4D97-AF65-F5344CB8AC3E}">
+        <p14:creationId xmlns:p14="http://schemas.microsoft.com/office/powerpoint/2010/main" val="2040142974"/>
+      </p:ext>
+    </p:extLst>
+  </p:cSld>
+  <p:clrMapOvr>
+    <a:masterClrMapping/>
+  </p:clrMapOvr>
+  <p:timing>
+    <p:tnLst>
+      <p:par>
+        <p:cTn id="1" dur="indefinite" restart="never" nodeType="tmRoot"/>
+      </p:par>
+    </p:tnLst>
+  </p:timing>
+</p:sld>
+</file>
+
+<file path=ppt/slides/slide13.xml><?xml version="1.0" encoding="utf-8"?>
+<p:sld xmlns:a="http://schemas.openxmlformats.org/drawingml/2006/main" xmlns:r="http://schemas.openxmlformats.org/officeDocument/2006/relationships" xmlns:p="http://schemas.openxmlformats.org/presentationml/2006/main">
+  <p:cSld>
+    <p:spTree>
+      <p:nvGrpSpPr>
+        <p:cNvPr id="1" name=""/>
+        <p:cNvGrpSpPr/>
+        <p:nvPr/>
+      </p:nvGrpSpPr>
+      <p:grpSpPr>
+        <a:xfrm>
+          <a:off x="0" y="0"/>
+          <a:ext cx="0" cy="0"/>
+          <a:chOff x="0" y="0"/>
+          <a:chExt cx="0" cy="0"/>
+        </a:xfrm>
+      </p:grpSpPr>
+      <p:sp>
+        <p:nvSpPr>
+          <p:cNvPr id="5" name="內容版面配置區 4"/>
+          <p:cNvSpPr>
+            <a:spLocks noGrp="1"/>
+          </p:cNvSpPr>
+          <p:nvPr>
+            <p:ph idx="1"/>
+          </p:nvPr>
+        </p:nvSpPr>
+        <p:spPr>
+          <a:xfrm>
+            <a:off x="0" y="2084851"/>
+            <a:ext cx="12192000" cy="2404863"/>
+          </a:xfrm>
+        </p:spPr>
+        <p:txBody>
+          <a:bodyPr anchor="ctr">
+            <a:normAutofit/>
+          </a:bodyPr>
+          <a:lstStyle/>
+          <a:p>
+            <a:pPr marL="0" indent="0" algn="ctr">
+              <a:buNone/>
+            </a:pPr>
+            <a:r>
+              <a:rPr lang="zh-CN" altLang="zh-TW" sz="6400" b="1" dirty="0">
+                <a:solidFill>
+                  <a:srgbClr val="660033"/>
+                </a:solidFill>
+                <a:latin typeface="Microsoft JhengHei" panose="020B0604030504040204" pitchFamily="34" charset="-120"/>
+                <a:ea typeface="Microsoft JhengHei" panose="020B0604030504040204" pitchFamily="34" charset="-120"/>
+              </a:rPr>
+              <a:t>有誰能敵擋我</a:t>
+            </a:r>
+            <a:r>
+              <a:rPr lang="en-US" altLang="zh-CN" sz="6400" b="1" dirty="0">
+                <a:solidFill>
+                  <a:srgbClr val="660033"/>
+                </a:solidFill>
+                <a:latin typeface="Microsoft JhengHei" panose="020B0604030504040204" pitchFamily="34" charset="-120"/>
+                <a:ea typeface="Microsoft JhengHei" panose="020B0604030504040204" pitchFamily="34" charset="-120"/>
+              </a:rPr>
+              <a:t>  </a:t>
+            </a:r>
+            <a:r>
+              <a:rPr lang="zh-CN" altLang="zh-TW" sz="6400" b="1" dirty="0">
+                <a:solidFill>
+                  <a:srgbClr val="660033"/>
+                </a:solidFill>
+                <a:latin typeface="Microsoft JhengHei" panose="020B0604030504040204" pitchFamily="34" charset="-120"/>
+                <a:ea typeface="Microsoft JhengHei" panose="020B0604030504040204" pitchFamily="34" charset="-120"/>
+              </a:rPr>
+              <a:t>誰 </a:t>
+            </a:r>
+            <a:r>
+              <a:rPr lang="en-US" altLang="zh-CN" sz="6400" b="1" dirty="0">
+                <a:solidFill>
+                  <a:srgbClr val="660033"/>
+                </a:solidFill>
+                <a:latin typeface="Microsoft JhengHei" panose="020B0604030504040204" pitchFamily="34" charset="-120"/>
+                <a:ea typeface="Microsoft JhengHei" panose="020B0604030504040204" pitchFamily="34" charset="-120"/>
+              </a:rPr>
+              <a:t> </a:t>
+            </a:r>
+            <a:r>
+              <a:rPr lang="zh-CN" altLang="zh-TW" sz="6400" b="1" dirty="0">
+                <a:solidFill>
+                  <a:srgbClr val="660033"/>
+                </a:solidFill>
+                <a:latin typeface="Microsoft JhengHei" panose="020B0604030504040204" pitchFamily="34" charset="-120"/>
+                <a:ea typeface="Microsoft JhengHei" panose="020B0604030504040204" pitchFamily="34" charset="-120"/>
+              </a:rPr>
+              <a:t>誰</a:t>
+            </a:r>
+            <a:r>
+              <a:rPr lang="en-US" altLang="zh-CN" sz="6400" b="1" dirty="0">
+                <a:solidFill>
+                  <a:srgbClr val="660033"/>
+                </a:solidFill>
+                <a:latin typeface="Microsoft JhengHei" panose="020B0604030504040204" pitchFamily="34" charset="-120"/>
+                <a:ea typeface="Microsoft JhengHei" panose="020B0604030504040204" pitchFamily="34" charset="-120"/>
+              </a:rPr>
+              <a:t> </a:t>
+            </a:r>
+            <a:r>
+              <a:rPr lang="zh-CN" altLang="zh-TW" sz="6400" b="1" dirty="0">
+                <a:solidFill>
+                  <a:srgbClr val="660033"/>
+                </a:solidFill>
+                <a:latin typeface="Microsoft JhengHei" panose="020B0604030504040204" pitchFamily="34" charset="-120"/>
+                <a:ea typeface="Microsoft JhengHei" panose="020B0604030504040204" pitchFamily="34" charset="-120"/>
+              </a:rPr>
+              <a:t> 誰</a:t>
+            </a:r>
+          </a:p>
+          <a:p>
+            <a:pPr marL="0" indent="0" algn="ctr">
+              <a:buNone/>
+            </a:pPr>
+            <a:r>
+              <a:rPr lang="zh-CN" altLang="zh-TW" sz="6400" b="1" dirty="0">
+                <a:solidFill>
+                  <a:srgbClr val="660033"/>
+                </a:solidFill>
+                <a:latin typeface="Microsoft JhengHei" panose="020B0604030504040204" pitchFamily="34" charset="-120"/>
+                <a:ea typeface="Microsoft JhengHei" panose="020B0604030504040204" pitchFamily="34" charset="-120"/>
+              </a:rPr>
+              <a:t>有誰能敵擋我</a:t>
+            </a:r>
+            <a:r>
+              <a:rPr lang="en-US" altLang="zh-CN" sz="6400" b="1" dirty="0">
+                <a:solidFill>
+                  <a:srgbClr val="660033"/>
+                </a:solidFill>
+                <a:latin typeface="Microsoft JhengHei" panose="020B0604030504040204" pitchFamily="34" charset="-120"/>
+                <a:ea typeface="Microsoft JhengHei" panose="020B0604030504040204" pitchFamily="34" charset="-120"/>
+              </a:rPr>
+              <a:t>  </a:t>
+            </a:r>
+            <a:r>
+              <a:rPr lang="zh-CN" altLang="zh-TW" sz="6400" b="1" dirty="0">
+                <a:solidFill>
+                  <a:srgbClr val="660033"/>
+                </a:solidFill>
+                <a:latin typeface="Microsoft JhengHei" panose="020B0604030504040204" pitchFamily="34" charset="-120"/>
+                <a:ea typeface="Microsoft JhengHei" panose="020B0604030504040204" pitchFamily="34" charset="-120"/>
+              </a:rPr>
+              <a:t>害我哉</a:t>
+            </a:r>
+            <a:endParaRPr lang="zh-CN" altLang="zh-TW" sz="6400" b="1" dirty="0">
+              <a:solidFill>
+                <a:srgbClr val="660033"/>
+              </a:solidFill>
+              <a:latin typeface="Microsoft JhengHei" panose="020B0604030504040204" pitchFamily="34" charset="-120"/>
+              <a:ea typeface="Microsoft JhengHei" panose="020B0604030504040204" pitchFamily="34" charset="-120"/>
+            </a:endParaRPr>
+          </a:p>
+        </p:txBody>
+      </p:sp>
+    </p:spTree>
+    <p:extLst>
+      <p:ext uri="{BB962C8B-B14F-4D97-AF65-F5344CB8AC3E}">
+        <p14:creationId xmlns:p14="http://schemas.microsoft.com/office/powerpoint/2010/main" val="170764693"/>
+      </p:ext>
+    </p:extLst>
+  </p:cSld>
+  <p:clrMapOvr>
+    <a:masterClrMapping/>
+  </p:clrMapOvr>
+  <p:timing>
+    <p:tnLst>
+      <p:par>
+        <p:cTn id="1" dur="indefinite" restart="never" nodeType="tmRoot"/>
+      </p:par>
+    </p:tnLst>
+  </p:timing>
+</p:sld>
+</file>
+
+<file path=ppt/slides/slide14.xml><?xml version="1.0" encoding="utf-8"?>
+<p:sld xmlns:a="http://schemas.openxmlformats.org/drawingml/2006/main" xmlns:r="http://schemas.openxmlformats.org/officeDocument/2006/relationships" xmlns:p="http://schemas.openxmlformats.org/presentationml/2006/main">
+  <p:cSld>
+    <p:spTree>
+      <p:nvGrpSpPr>
+        <p:cNvPr id="1" name=""/>
+        <p:cNvGrpSpPr/>
+        <p:nvPr/>
+      </p:nvGrpSpPr>
+      <p:grpSpPr>
+        <a:xfrm>
+          <a:off x="0" y="0"/>
+          <a:ext cx="0" cy="0"/>
+          <a:chOff x="0" y="0"/>
+          <a:chExt cx="0" cy="0"/>
+        </a:xfrm>
+      </p:grpSpPr>
+      <p:sp>
+        <p:nvSpPr>
+          <p:cNvPr id="5" name="內容版面配置區 4"/>
+          <p:cNvSpPr>
+            <a:spLocks noGrp="1"/>
+          </p:cNvSpPr>
+          <p:nvPr>
+            <p:ph idx="1"/>
+          </p:nvPr>
+        </p:nvSpPr>
+        <p:spPr>
+          <a:xfrm>
+            <a:off x="0" y="2084851"/>
+            <a:ext cx="12192000" cy="2404863"/>
+          </a:xfrm>
+        </p:spPr>
+        <p:txBody>
+          <a:bodyPr anchor="ctr">
+            <a:normAutofit/>
+          </a:bodyPr>
+          <a:lstStyle/>
+          <a:p>
+            <a:pPr marL="0" indent="0" algn="ctr">
+              <a:buNone/>
+            </a:pPr>
+            <a:r>
+              <a:rPr lang="zh-CN" altLang="zh-TW" sz="6400" b="1" dirty="0">
+                <a:solidFill>
+                  <a:srgbClr val="660033"/>
+                </a:solidFill>
+                <a:latin typeface="Microsoft JhengHei" panose="020B0604030504040204" pitchFamily="34" charset="-120"/>
+                <a:ea typeface="Microsoft JhengHei" panose="020B0604030504040204" pitchFamily="34" charset="-120"/>
+              </a:rPr>
+              <a:t>常住在主内</a:t>
+            </a:r>
+            <a:r>
+              <a:rPr lang="en-US" altLang="zh-CN" sz="6400" b="1" dirty="0">
+                <a:solidFill>
+                  <a:srgbClr val="660033"/>
+                </a:solidFill>
+                <a:latin typeface="Microsoft JhengHei" panose="020B0604030504040204" pitchFamily="34" charset="-120"/>
+                <a:ea typeface="Microsoft JhengHei" panose="020B0604030504040204" pitchFamily="34" charset="-120"/>
+              </a:rPr>
+              <a:t>  </a:t>
+            </a:r>
+            <a:r>
+              <a:rPr lang="zh-CN" altLang="zh-TW" sz="6400" b="1" dirty="0">
+                <a:solidFill>
+                  <a:srgbClr val="660033"/>
+                </a:solidFill>
+                <a:latin typeface="Microsoft JhengHei" panose="020B0604030504040204" pitchFamily="34" charset="-120"/>
+                <a:ea typeface="Microsoft JhengHei" panose="020B0604030504040204" pitchFamily="34" charset="-120"/>
+              </a:rPr>
+              <a:t>心中滿有平安</a:t>
+            </a:r>
+          </a:p>
+          <a:p>
+            <a:pPr marL="0" indent="0" algn="ctr">
+              <a:buNone/>
+            </a:pPr>
+            <a:r>
+              <a:rPr lang="zh-CN" altLang="zh-TW" sz="6400" b="1" dirty="0">
+                <a:solidFill>
+                  <a:srgbClr val="660033"/>
+                </a:solidFill>
+                <a:latin typeface="Microsoft JhengHei" panose="020B0604030504040204" pitchFamily="34" charset="-120"/>
+                <a:ea typeface="Microsoft JhengHei" panose="020B0604030504040204" pitchFamily="34" charset="-120"/>
+              </a:rPr>
+              <a:t>不怕諸仇敵及苦難</a:t>
+            </a:r>
+            <a:endParaRPr lang="en-US" altLang="zh-CN" sz="6400" b="1" dirty="0">
+              <a:solidFill>
+                <a:srgbClr val="660033"/>
+              </a:solidFill>
+              <a:latin typeface="Microsoft JhengHei" panose="020B0604030504040204" pitchFamily="34" charset="-120"/>
+              <a:ea typeface="Microsoft JhengHei" panose="020B0604030504040204" pitchFamily="34" charset="-120"/>
+            </a:endParaRPr>
+          </a:p>
+        </p:txBody>
+      </p:sp>
+      <p:sp>
+        <p:nvSpPr>
+          <p:cNvPr id="3" name="TextBox 2"/>
+          <p:cNvSpPr txBox="1"/>
+          <p:nvPr/>
+        </p:nvSpPr>
+        <p:spPr>
+          <a:xfrm>
+            <a:off x="0" y="5061182"/>
+            <a:ext cx="12192000" cy="830997"/>
+          </a:xfrm>
+          <a:prstGeom prst="rect">
+            <a:avLst/>
+          </a:prstGeom>
+          <a:noFill/>
+        </p:spPr>
+        <p:txBody>
+          <a:bodyPr wrap="square" rtlCol="0">
+            <a:spAutoFit/>
+          </a:bodyPr>
+          <a:lstStyle/>
+          <a:p>
+            <a:pPr algn="ctr"/>
+            <a:r>
+              <a:rPr lang="en-US" sz="4800" b="1" dirty="0">
+                <a:solidFill>
+                  <a:srgbClr val="660033"/>
+                </a:solidFill>
+                <a:effectLst/>
+              </a:rPr>
+              <a:t>( </a:t>
+            </a:r>
+            <a:r>
+              <a:rPr lang="en-US" sz="4800" b="1" dirty="0">
+                <a:solidFill>
+                  <a:srgbClr val="660033"/>
+                </a:solidFill>
+                <a:effectLst/>
+              </a:rPr>
+              <a:t>4 </a:t>
+            </a:r>
+            <a:r>
+              <a:rPr lang="en-US" sz="4800" b="1" dirty="0">
+                <a:solidFill>
+                  <a:srgbClr val="660033"/>
+                </a:solidFill>
+                <a:effectLst/>
+              </a:rPr>
+              <a:t>)</a:t>
+            </a:r>
+            <a:endParaRPr lang="vi-VN" sz="4800" b="1" dirty="0">
+              <a:solidFill>
+                <a:srgbClr val="660033"/>
+              </a:solidFill>
+              <a:effectLst/>
+            </a:endParaRPr>
+          </a:p>
+        </p:txBody>
+      </p:sp>
+    </p:spTree>
+    <p:extLst>
+      <p:ext uri="{BB962C8B-B14F-4D97-AF65-F5344CB8AC3E}">
+        <p14:creationId xmlns:p14="http://schemas.microsoft.com/office/powerpoint/2010/main" val="460187360"/>
+      </p:ext>
+    </p:extLst>
+  </p:cSld>
+  <p:clrMapOvr>
+    <a:masterClrMapping/>
+  </p:clrMapOvr>
+  <p:timing>
+    <p:tnLst>
+      <p:par>
+        <p:cTn id="1" dur="indefinite" restart="never" nodeType="tmRoot"/>
+      </p:par>
+    </p:tnLst>
+  </p:timing>
+</p:sld>
+</file>
+
+<file path=ppt/slides/slide15.xml><?xml version="1.0" encoding="utf-8"?>
+<p:sld xmlns:a="http://schemas.openxmlformats.org/drawingml/2006/main" xmlns:r="http://schemas.openxmlformats.org/officeDocument/2006/relationships" xmlns:p="http://schemas.openxmlformats.org/presentationml/2006/main">
+  <p:cSld>
+    <p:spTree>
+      <p:nvGrpSpPr>
+        <p:cNvPr id="1" name=""/>
+        <p:cNvGrpSpPr/>
+        <p:nvPr/>
+      </p:nvGrpSpPr>
+      <p:grpSpPr>
+        <a:xfrm>
+          <a:off x="0" y="0"/>
+          <a:ext cx="0" cy="0"/>
+          <a:chOff x="0" y="0"/>
+          <a:chExt cx="0" cy="0"/>
+        </a:xfrm>
+      </p:grpSpPr>
+      <p:sp>
+        <p:nvSpPr>
+          <p:cNvPr id="5" name="內容版面配置區 4"/>
+          <p:cNvSpPr>
+            <a:spLocks noGrp="1"/>
+          </p:cNvSpPr>
+          <p:nvPr>
+            <p:ph idx="1"/>
+          </p:nvPr>
+        </p:nvSpPr>
+        <p:spPr>
+          <a:xfrm>
+            <a:off x="0" y="2084851"/>
+            <a:ext cx="12192000" cy="2404863"/>
+          </a:xfrm>
+        </p:spPr>
+        <p:txBody>
+          <a:bodyPr anchor="ctr">
+            <a:normAutofit/>
+          </a:bodyPr>
+          <a:lstStyle/>
+          <a:p>
+            <a:pPr marL="0" indent="0" algn="ctr">
+              <a:buNone/>
+            </a:pPr>
+            <a:r>
+              <a:rPr lang="zh-CN" altLang="zh-TW" sz="6400" b="1" dirty="0">
+                <a:solidFill>
+                  <a:srgbClr val="660033"/>
+                </a:solidFill>
+                <a:latin typeface="Microsoft JhengHei" panose="020B0604030504040204" pitchFamily="34" charset="-120"/>
+                <a:ea typeface="Microsoft JhengHei" panose="020B0604030504040204" pitchFamily="34" charset="-120"/>
+                <a:sym typeface="+mn-ea"/>
+              </a:rPr>
+              <a:t>誰也永不能</a:t>
+            </a:r>
+            <a:r>
+              <a:rPr lang="en-US" altLang="zh-CN" sz="6400" b="1" dirty="0">
+                <a:solidFill>
+                  <a:srgbClr val="660033"/>
+                </a:solidFill>
+                <a:latin typeface="Microsoft JhengHei" panose="020B0604030504040204" pitchFamily="34" charset="-120"/>
+                <a:ea typeface="Microsoft JhengHei" panose="020B0604030504040204" pitchFamily="34" charset="-120"/>
+                <a:sym typeface="+mn-ea"/>
+              </a:rPr>
+              <a:t>  </a:t>
+            </a:r>
+            <a:r>
+              <a:rPr lang="zh-CN" altLang="zh-TW" sz="6400" b="1" dirty="0">
+                <a:solidFill>
+                  <a:srgbClr val="660033"/>
+                </a:solidFill>
+                <a:latin typeface="Microsoft JhengHei" panose="020B0604030504040204" pitchFamily="34" charset="-120"/>
+                <a:ea typeface="Microsoft JhengHei" panose="020B0604030504040204" pitchFamily="34" charset="-120"/>
+                <a:sym typeface="+mn-ea"/>
+              </a:rPr>
+              <a:t>將最軟弱小羊</a:t>
+            </a:r>
+          </a:p>
+          <a:p>
+            <a:pPr marL="0" indent="0" algn="ctr">
+              <a:buNone/>
+            </a:pPr>
+            <a:r>
+              <a:rPr lang="zh-CN" altLang="zh-TW" sz="6400" b="1" dirty="0">
+                <a:solidFill>
+                  <a:srgbClr val="660033"/>
+                </a:solidFill>
+                <a:latin typeface="Microsoft JhengHei" panose="020B0604030504040204" pitchFamily="34" charset="-120"/>
+                <a:ea typeface="Microsoft JhengHei" panose="020B0604030504040204" pitchFamily="34" charset="-120"/>
+                <a:sym typeface="+mn-ea"/>
+              </a:rPr>
+              <a:t>從主手裏奪出羊欄</a:t>
+            </a:r>
+          </a:p>
+        </p:txBody>
+      </p:sp>
+      <p:sp>
+        <p:nvSpPr>
+          <p:cNvPr id="3" name="TextBox 2"/>
+          <p:cNvSpPr txBox="1"/>
+          <p:nvPr/>
+        </p:nvSpPr>
+        <p:spPr>
+          <a:xfrm>
+            <a:off x="0" y="5061182"/>
+            <a:ext cx="12192000" cy="830997"/>
+          </a:xfrm>
+          <a:prstGeom prst="rect">
+            <a:avLst/>
+          </a:prstGeom>
+          <a:noFill/>
+        </p:spPr>
+        <p:txBody>
+          <a:bodyPr wrap="square" rtlCol="0">
+            <a:spAutoFit/>
+          </a:bodyPr>
+          <a:lstStyle/>
+          <a:p>
+            <a:pPr algn="ctr"/>
+            <a:r>
+              <a:rPr lang="en-US" sz="4800" b="1" dirty="0">
+                <a:solidFill>
+                  <a:srgbClr val="660033"/>
+                </a:solidFill>
+                <a:effectLst/>
+              </a:rPr>
+              <a:t>( </a:t>
+            </a:r>
+            <a:r>
+              <a:rPr lang="en-US" sz="4800" b="1" dirty="0">
+                <a:solidFill>
+                  <a:srgbClr val="660033"/>
+                </a:solidFill>
+                <a:effectLst/>
+              </a:rPr>
+              <a:t>4 </a:t>
+            </a:r>
+            <a:r>
+              <a:rPr lang="en-US" sz="4800" b="1" dirty="0">
+                <a:solidFill>
+                  <a:srgbClr val="660033"/>
+                </a:solidFill>
+                <a:effectLst/>
+              </a:rPr>
+              <a:t>)</a:t>
+            </a:r>
+            <a:endParaRPr lang="vi-VN" sz="4800" b="1" dirty="0">
+              <a:solidFill>
+                <a:srgbClr val="660033"/>
+              </a:solidFill>
+              <a:effectLst/>
+            </a:endParaRPr>
+          </a:p>
+        </p:txBody>
+      </p:sp>
+    </p:spTree>
+    <p:extLst>
+      <p:ext uri="{BB962C8B-B14F-4D97-AF65-F5344CB8AC3E}">
+        <p14:creationId xmlns:p14="http://schemas.microsoft.com/office/powerpoint/2010/main" val="2785739041"/>
+      </p:ext>
+    </p:extLst>
+  </p:cSld>
+  <p:clrMapOvr>
+    <a:masterClrMapping/>
+  </p:clrMapOvr>
+  <p:timing>
+    <p:tnLst>
+      <p:par>
+        <p:cTn id="1" dur="indefinite" restart="never" nodeType="tmRoot"/>
+      </p:par>
+    </p:tnLst>
+  </p:timing>
+</p:sld>
+</file>
+
+<file path=ppt/slides/slide16.xml><?xml version="1.0" encoding="utf-8"?>
+<p:sld xmlns:a="http://schemas.openxmlformats.org/drawingml/2006/main" xmlns:r="http://schemas.openxmlformats.org/officeDocument/2006/relationships" xmlns:p="http://schemas.openxmlformats.org/presentationml/2006/main">
+  <p:cSld>
+    <p:spTree>
+      <p:nvGrpSpPr>
+        <p:cNvPr id="1" name=""/>
+        <p:cNvGrpSpPr/>
+        <p:nvPr/>
+      </p:nvGrpSpPr>
+      <p:grpSpPr>
+        <a:xfrm>
+          <a:off x="0" y="0"/>
+          <a:ext cx="0" cy="0"/>
+          <a:chOff x="0" y="0"/>
+          <a:chExt cx="0" cy="0"/>
+        </a:xfrm>
+      </p:grpSpPr>
+      <p:sp>
+        <p:nvSpPr>
+          <p:cNvPr id="5" name="內容版面配置區 4"/>
+          <p:cNvSpPr>
+            <a:spLocks noGrp="1"/>
+          </p:cNvSpPr>
+          <p:nvPr>
+            <p:ph idx="1"/>
+          </p:nvPr>
+        </p:nvSpPr>
+        <p:spPr>
+          <a:xfrm>
+            <a:off x="0" y="2084851"/>
+            <a:ext cx="12192000" cy="2404863"/>
+          </a:xfrm>
+        </p:spPr>
+        <p:txBody>
+          <a:bodyPr anchor="ctr">
+            <a:normAutofit/>
+          </a:bodyPr>
+          <a:lstStyle/>
+          <a:p>
+            <a:pPr marL="0" indent="0" algn="ctr">
+              <a:buNone/>
+            </a:pPr>
+            <a:r>
+              <a:rPr lang="zh-CN" altLang="zh-TW" sz="6400" b="1" dirty="0">
+                <a:solidFill>
+                  <a:srgbClr val="660033"/>
+                </a:solidFill>
+                <a:latin typeface="Microsoft JhengHei" panose="020B0604030504040204" pitchFamily="34" charset="-120"/>
+                <a:ea typeface="Microsoft JhengHei" panose="020B0604030504040204" pitchFamily="34" charset="-120"/>
+              </a:rPr>
+              <a:t>上主若為我</a:t>
+            </a:r>
+            <a:r>
+              <a:rPr lang="en-US" altLang="zh-CN" sz="6400" b="1" dirty="0">
+                <a:solidFill>
+                  <a:srgbClr val="660033"/>
+                </a:solidFill>
+                <a:latin typeface="Microsoft JhengHei" panose="020B0604030504040204" pitchFamily="34" charset="-120"/>
+                <a:ea typeface="Microsoft JhengHei" panose="020B0604030504040204" pitchFamily="34" charset="-120"/>
+              </a:rPr>
+              <a:t>  </a:t>
+            </a:r>
+            <a:r>
+              <a:rPr lang="zh-CN" altLang="zh-TW" sz="6400" b="1" dirty="0">
+                <a:solidFill>
+                  <a:srgbClr val="660033"/>
+                </a:solidFill>
+                <a:latin typeface="Microsoft JhengHei" panose="020B0604030504040204" pitchFamily="34" charset="-120"/>
+                <a:ea typeface="Microsoft JhengHei" panose="020B0604030504040204" pitchFamily="34" charset="-120"/>
+              </a:rPr>
+              <a:t>上主若為我</a:t>
+            </a:r>
+          </a:p>
+          <a:p>
+            <a:pPr marL="0" indent="0" algn="ctr">
+              <a:buNone/>
+            </a:pPr>
+            <a:r>
+              <a:rPr lang="zh-CN" altLang="zh-TW" sz="6400" b="1" dirty="0">
+                <a:solidFill>
+                  <a:srgbClr val="660033"/>
+                </a:solidFill>
+                <a:latin typeface="Microsoft JhengHei" panose="020B0604030504040204" pitchFamily="34" charset="-120"/>
+                <a:ea typeface="Microsoft JhengHei" panose="020B0604030504040204" pitchFamily="34" charset="-120"/>
+              </a:rPr>
+              <a:t>上主若為我</a:t>
+            </a:r>
+            <a:endParaRPr lang="en-US" altLang="zh-CN" sz="6400" b="1" dirty="0">
+              <a:solidFill>
+                <a:srgbClr val="660033"/>
+              </a:solidFill>
+              <a:latin typeface="Microsoft JhengHei" panose="020B0604030504040204" pitchFamily="34" charset="-120"/>
+              <a:ea typeface="Microsoft JhengHei" panose="020B0604030504040204" pitchFamily="34" charset="-120"/>
+            </a:endParaRPr>
+          </a:p>
+        </p:txBody>
+      </p:sp>
+    </p:spTree>
+    <p:extLst>
+      <p:ext uri="{BB962C8B-B14F-4D97-AF65-F5344CB8AC3E}">
+        <p14:creationId xmlns:p14="http://schemas.microsoft.com/office/powerpoint/2010/main" val="1002157750"/>
+      </p:ext>
+    </p:extLst>
+  </p:cSld>
+  <p:clrMapOvr>
+    <a:masterClrMapping/>
+  </p:clrMapOvr>
+  <p:timing>
+    <p:tnLst>
+      <p:par>
+        <p:cTn id="1" dur="indefinite" restart="never" nodeType="tmRoot"/>
+      </p:par>
+    </p:tnLst>
+  </p:timing>
+</p:sld>
+</file>
+
+<file path=ppt/slides/slide17.xml><?xml version="1.0" encoding="utf-8"?>
+<p:sld xmlns:a="http://schemas.openxmlformats.org/drawingml/2006/main" xmlns:r="http://schemas.openxmlformats.org/officeDocument/2006/relationships" xmlns:p="http://schemas.openxmlformats.org/presentationml/2006/main">
+  <p:cSld>
+    <p:spTree>
+      <p:nvGrpSpPr>
+        <p:cNvPr id="1" name=""/>
+        <p:cNvGrpSpPr/>
+        <p:nvPr/>
+      </p:nvGrpSpPr>
+      <p:grpSpPr>
+        <a:xfrm>
+          <a:off x="0" y="0"/>
+          <a:ext cx="0" cy="0"/>
+          <a:chOff x="0" y="0"/>
+          <a:chExt cx="0" cy="0"/>
+        </a:xfrm>
+      </p:grpSpPr>
+      <p:sp>
+        <p:nvSpPr>
+          <p:cNvPr id="5" name="內容版面配置區 4"/>
+          <p:cNvSpPr>
+            <a:spLocks noGrp="1"/>
+          </p:cNvSpPr>
+          <p:nvPr>
+            <p:ph idx="1"/>
+          </p:nvPr>
+        </p:nvSpPr>
+        <p:spPr>
+          <a:xfrm>
+            <a:off x="0" y="2084851"/>
+            <a:ext cx="12192000" cy="2404863"/>
+          </a:xfrm>
+        </p:spPr>
+        <p:txBody>
+          <a:bodyPr anchor="ctr">
+            <a:normAutofit/>
+          </a:bodyPr>
+          <a:lstStyle/>
+          <a:p>
+            <a:pPr marL="0" indent="0" algn="ctr">
+              <a:buNone/>
+            </a:pPr>
+            <a:r>
+              <a:rPr lang="zh-CN" altLang="zh-TW" sz="6400" b="1" dirty="0">
+                <a:solidFill>
+                  <a:srgbClr val="660033"/>
+                </a:solidFill>
+                <a:latin typeface="Microsoft JhengHei" panose="020B0604030504040204" pitchFamily="34" charset="-120"/>
+                <a:ea typeface="Microsoft JhengHei" panose="020B0604030504040204" pitchFamily="34" charset="-120"/>
+              </a:rPr>
+              <a:t>有誰能敵擋我</a:t>
+            </a:r>
+            <a:r>
+              <a:rPr lang="en-US" altLang="zh-CN" sz="6400" b="1" dirty="0">
+                <a:solidFill>
+                  <a:srgbClr val="660033"/>
+                </a:solidFill>
+                <a:latin typeface="Microsoft JhengHei" panose="020B0604030504040204" pitchFamily="34" charset="-120"/>
+                <a:ea typeface="Microsoft JhengHei" panose="020B0604030504040204" pitchFamily="34" charset="-120"/>
+              </a:rPr>
+              <a:t>  </a:t>
+            </a:r>
+            <a:r>
+              <a:rPr lang="zh-CN" altLang="zh-TW" sz="6400" b="1" dirty="0">
+                <a:solidFill>
+                  <a:srgbClr val="660033"/>
+                </a:solidFill>
+                <a:latin typeface="Microsoft JhengHei" panose="020B0604030504040204" pitchFamily="34" charset="-120"/>
+                <a:ea typeface="Microsoft JhengHei" panose="020B0604030504040204" pitchFamily="34" charset="-120"/>
+              </a:rPr>
+              <a:t>誰 </a:t>
+            </a:r>
+            <a:r>
+              <a:rPr lang="en-US" altLang="zh-CN" sz="6400" b="1" dirty="0">
+                <a:solidFill>
+                  <a:srgbClr val="660033"/>
+                </a:solidFill>
+                <a:latin typeface="Microsoft JhengHei" panose="020B0604030504040204" pitchFamily="34" charset="-120"/>
+                <a:ea typeface="Microsoft JhengHei" panose="020B0604030504040204" pitchFamily="34" charset="-120"/>
+              </a:rPr>
+              <a:t> </a:t>
+            </a:r>
+            <a:r>
+              <a:rPr lang="zh-CN" altLang="zh-TW" sz="6400" b="1" dirty="0">
+                <a:solidFill>
+                  <a:srgbClr val="660033"/>
+                </a:solidFill>
+                <a:latin typeface="Microsoft JhengHei" panose="020B0604030504040204" pitchFamily="34" charset="-120"/>
+                <a:ea typeface="Microsoft JhengHei" panose="020B0604030504040204" pitchFamily="34" charset="-120"/>
+              </a:rPr>
+              <a:t>誰</a:t>
+            </a:r>
+            <a:r>
+              <a:rPr lang="en-US" altLang="zh-CN" sz="6400" b="1" dirty="0">
+                <a:solidFill>
+                  <a:srgbClr val="660033"/>
+                </a:solidFill>
+                <a:latin typeface="Microsoft JhengHei" panose="020B0604030504040204" pitchFamily="34" charset="-120"/>
+                <a:ea typeface="Microsoft JhengHei" panose="020B0604030504040204" pitchFamily="34" charset="-120"/>
+              </a:rPr>
+              <a:t> </a:t>
+            </a:r>
+            <a:r>
+              <a:rPr lang="zh-CN" altLang="zh-TW" sz="6400" b="1" dirty="0">
+                <a:solidFill>
+                  <a:srgbClr val="660033"/>
+                </a:solidFill>
+                <a:latin typeface="Microsoft JhengHei" panose="020B0604030504040204" pitchFamily="34" charset="-120"/>
+                <a:ea typeface="Microsoft JhengHei" panose="020B0604030504040204" pitchFamily="34" charset="-120"/>
+              </a:rPr>
+              <a:t> 誰</a:t>
+            </a:r>
+          </a:p>
+          <a:p>
+            <a:pPr marL="0" indent="0" algn="ctr">
+              <a:buNone/>
+            </a:pPr>
+            <a:r>
+              <a:rPr lang="zh-CN" altLang="zh-TW" sz="6400" b="1" dirty="0">
+                <a:solidFill>
+                  <a:srgbClr val="660033"/>
+                </a:solidFill>
+                <a:latin typeface="Microsoft JhengHei" panose="020B0604030504040204" pitchFamily="34" charset="-120"/>
+                <a:ea typeface="Microsoft JhengHei" panose="020B0604030504040204" pitchFamily="34" charset="-120"/>
+              </a:rPr>
+              <a:t>有誰能敵擋我</a:t>
+            </a:r>
+            <a:r>
+              <a:rPr lang="en-US" altLang="zh-CN" sz="6400" b="1" dirty="0">
+                <a:solidFill>
+                  <a:srgbClr val="660033"/>
+                </a:solidFill>
+                <a:latin typeface="Microsoft JhengHei" panose="020B0604030504040204" pitchFamily="34" charset="-120"/>
+                <a:ea typeface="Microsoft JhengHei" panose="020B0604030504040204" pitchFamily="34" charset="-120"/>
+              </a:rPr>
+              <a:t>  </a:t>
+            </a:r>
+            <a:r>
+              <a:rPr lang="zh-CN" altLang="zh-TW" sz="6400" b="1" dirty="0">
+                <a:solidFill>
+                  <a:srgbClr val="660033"/>
+                </a:solidFill>
+                <a:latin typeface="Microsoft JhengHei" panose="020B0604030504040204" pitchFamily="34" charset="-120"/>
+                <a:ea typeface="Microsoft JhengHei" panose="020B0604030504040204" pitchFamily="34" charset="-120"/>
+              </a:rPr>
+              <a:t>害我哉</a:t>
+            </a:r>
+            <a:endParaRPr lang="zh-CN" altLang="zh-TW" sz="6400" b="1" dirty="0">
+              <a:solidFill>
+                <a:srgbClr val="660033"/>
+              </a:solidFill>
+              <a:latin typeface="Microsoft JhengHei" panose="020B0604030504040204" pitchFamily="34" charset="-120"/>
+              <a:ea typeface="Microsoft JhengHei" panose="020B0604030504040204" pitchFamily="34" charset="-120"/>
+            </a:endParaRPr>
+          </a:p>
+        </p:txBody>
+      </p:sp>
+    </p:spTree>
+    <p:extLst>
+      <p:ext uri="{BB962C8B-B14F-4D97-AF65-F5344CB8AC3E}">
+        <p14:creationId xmlns:p14="http://schemas.microsoft.com/office/powerpoint/2010/main" val="1858166443"/>
+      </p:ext>
+    </p:extLst>
+  </p:cSld>
+  <p:clrMapOvr>
+    <a:masterClrMapping/>
+  </p:clrMapOvr>
+  <p:timing>
+    <p:tnLst>
+      <p:par>
+        <p:cTn id="1" dur="indefinite" restart="never" nodeType="tmRoot"/>
+      </p:par>
+    </p:tnLst>
+  </p:timing>
 </p:sld>
 </file>
 
@@ -4045,35 +5196,33 @@
       </p:grpSpPr>
       <p:sp>
         <p:nvSpPr>
-          <p:cNvPr id="4" name="Title 3"/>
-          <p:cNvSpPr>
-            <a:spLocks noGrp="1"/>
-          </p:cNvSpPr>
-          <p:nvPr>
-            <p:ph type="title"/>
-          </p:nvPr>
-        </p:nvSpPr>
-        <p:spPr/>
-        <p:txBody>
-          <a:bodyPr>
+          <p:cNvPr id="5" name="內容版面配置區 4"/>
+          <p:cNvSpPr>
+            <a:spLocks noGrp="1"/>
+          </p:cNvSpPr>
+          <p:nvPr>
+            <p:ph idx="1"/>
+          </p:nvPr>
+        </p:nvSpPr>
+        <p:spPr>
+          <a:xfrm>
+            <a:off x="0" y="2084851"/>
+            <a:ext cx="12192000" cy="2404863"/>
+          </a:xfrm>
+        </p:spPr>
+        <p:txBody>
+          <a:bodyPr anchor="ctr">
             <a:normAutofit/>
           </a:bodyPr>
           <a:lstStyle/>
           <a:p>
-            <a:r>
-              <a:rPr lang="en-US" altLang="zh-CN" sz="4800" b="1" dirty="0">
-                <a:solidFill>
-                  <a:srgbClr val="002060"/>
-                </a:solidFill>
-                <a:latin typeface="Microsoft JhengHei" panose="020B0604030504040204" pitchFamily="34" charset="-120"/>
-                <a:ea typeface="Microsoft JhengHei" panose="020B0604030504040204" pitchFamily="34" charset="-120"/>
-              </a:rPr>
-              <a:t>【</a:t>
-            </a:r>
-            <a:r>
-              <a:rPr lang="zh-CN" altLang="en-US" sz="4800" b="1" dirty="0">
-                <a:solidFill>
-                  <a:srgbClr val="002060"/>
+            <a:pPr marL="0" indent="0" algn="ctr">
+              <a:buNone/>
+            </a:pPr>
+            <a:r>
+              <a:rPr lang="zh-CN" altLang="zh-TW" sz="6400" b="1" dirty="0">
+                <a:solidFill>
+                  <a:srgbClr val="660033"/>
                 </a:solidFill>
                 <a:latin typeface="Microsoft JhengHei" panose="020B0604030504040204" pitchFamily="34" charset="-120"/>
                 <a:ea typeface="Microsoft JhengHei" panose="020B0604030504040204" pitchFamily="34" charset="-120"/>
@@ -4081,286 +5230,87 @@
               <a:t>在主裏喜樂</a:t>
             </a:r>
             <a:r>
-              <a:rPr lang="en-US" altLang="zh-CN" sz="4800" b="1" dirty="0">
-                <a:solidFill>
-                  <a:srgbClr val="002060"/>
-                </a:solidFill>
-                <a:latin typeface="Microsoft JhengHei" panose="020B0604030504040204" pitchFamily="34" charset="-120"/>
-                <a:ea typeface="Microsoft JhengHei" panose="020B0604030504040204" pitchFamily="34" charset="-120"/>
-              </a:rPr>
-              <a:t>】</a:t>
-            </a:r>
-          </a:p>
-        </p:txBody>
-      </p:sp>
-      <p:sp>
-        <p:nvSpPr>
-          <p:cNvPr id="5" name="Content Placeholder 4"/>
-          <p:cNvSpPr>
-            <a:spLocks noGrp="1"/>
-          </p:cNvSpPr>
-          <p:nvPr>
-            <p:ph idx="1"/>
-          </p:nvPr>
-        </p:nvSpPr>
-        <p:spPr/>
-        <p:txBody>
-          <a:bodyPr>
-            <a:normAutofit/>
-          </a:bodyPr>
-          <a:lstStyle/>
+              <a:rPr lang="en-US" altLang="zh-CN" sz="6400" b="1" dirty="0">
+                <a:solidFill>
+                  <a:srgbClr val="660033"/>
+                </a:solidFill>
+                <a:latin typeface="Microsoft JhengHei" panose="020B0604030504040204" pitchFamily="34" charset="-120"/>
+                <a:ea typeface="Microsoft JhengHei" panose="020B0604030504040204" pitchFamily="34" charset="-120"/>
+              </a:rPr>
+              <a:t>  </a:t>
+            </a:r>
+            <a:r>
+              <a:rPr lang="zh-CN" altLang="zh-TW" sz="6400" b="1" dirty="0">
+                <a:solidFill>
+                  <a:srgbClr val="660033"/>
+                </a:solidFill>
+                <a:latin typeface="Microsoft JhengHei" panose="020B0604030504040204" pitchFamily="34" charset="-120"/>
+                <a:ea typeface="Microsoft JhengHei" panose="020B0604030504040204" pitchFamily="34" charset="-120"/>
+              </a:rPr>
+              <a:t>因主恩愛歡呼</a:t>
+            </a:r>
+          </a:p>
           <a:p>
             <a:pPr marL="0" indent="0" algn="ctr">
               <a:buNone/>
             </a:pPr>
             <a:r>
-              <a:rPr lang="zh-CN" altLang="zh-TW" sz="5400" b="1" dirty="0">
-                <a:solidFill>
-                  <a:srgbClr val="002060"/>
-                </a:solidFill>
-                <a:latin typeface="Microsoft JhengHei" panose="020B0604030504040204" pitchFamily="34" charset="-120"/>
-                <a:ea typeface="Microsoft JhengHei" panose="020B0604030504040204" pitchFamily="34" charset="-120"/>
-              </a:rPr>
-              <a:t>上主若為</a:t>
-            </a:r>
-            <a:r>
-              <a:rPr lang="zh-CN" altLang="zh-TW" sz="5400" b="1" dirty="0">
-                <a:solidFill>
-                  <a:srgbClr val="002060"/>
-                </a:solidFill>
-                <a:latin typeface="Microsoft JhengHei" panose="020B0604030504040204" pitchFamily="34" charset="-120"/>
-                <a:ea typeface="Microsoft JhengHei" panose="020B0604030504040204" pitchFamily="34" charset="-120"/>
-              </a:rPr>
-              <a:t>我</a:t>
-            </a:r>
-            <a:r>
-              <a:rPr lang="en-US" altLang="zh-CN" sz="5400" b="1" dirty="0">
-                <a:solidFill>
-                  <a:srgbClr val="002060"/>
-                </a:solidFill>
-                <a:latin typeface="Microsoft JhengHei" panose="020B0604030504040204" pitchFamily="34" charset="-120"/>
-                <a:ea typeface="Microsoft JhengHei" panose="020B0604030504040204" pitchFamily="34" charset="-120"/>
-              </a:rPr>
-              <a:t>  </a:t>
-            </a:r>
-            <a:r>
-              <a:rPr lang="zh-CN" altLang="zh-TW" sz="5400" b="1" dirty="0">
-                <a:solidFill>
-                  <a:srgbClr val="002060"/>
-                </a:solidFill>
-                <a:latin typeface="Microsoft JhengHei" panose="020B0604030504040204" pitchFamily="34" charset="-120"/>
-                <a:ea typeface="Microsoft JhengHei" panose="020B0604030504040204" pitchFamily="34" charset="-120"/>
-              </a:rPr>
-              <a:t>上</a:t>
-            </a:r>
-            <a:r>
-              <a:rPr lang="zh-CN" altLang="zh-TW" sz="5400" b="1" dirty="0">
-                <a:solidFill>
-                  <a:srgbClr val="002060"/>
-                </a:solidFill>
-                <a:latin typeface="Microsoft JhengHei" panose="020B0604030504040204" pitchFamily="34" charset="-120"/>
-                <a:ea typeface="Microsoft JhengHei" panose="020B0604030504040204" pitchFamily="34" charset="-120"/>
-              </a:rPr>
-              <a:t>主若為我</a:t>
-            </a:r>
-          </a:p>
-          <a:p>
-            <a:pPr marL="0" indent="0" algn="ctr">
-              <a:buNone/>
-            </a:pPr>
-            <a:r>
-              <a:rPr lang="zh-CN" altLang="zh-TW" sz="5400" b="1" dirty="0">
-                <a:solidFill>
-                  <a:srgbClr val="002060"/>
-                </a:solidFill>
-                <a:latin typeface="Microsoft JhengHei" panose="020B0604030504040204" pitchFamily="34" charset="-120"/>
-                <a:ea typeface="Microsoft JhengHei" panose="020B0604030504040204" pitchFamily="34" charset="-120"/>
-              </a:rPr>
-              <a:t>上主若為</a:t>
-            </a:r>
-            <a:r>
-              <a:rPr lang="zh-CN" altLang="zh-TW" sz="5400" b="1" dirty="0">
-                <a:solidFill>
-                  <a:srgbClr val="002060"/>
-                </a:solidFill>
-                <a:latin typeface="Microsoft JhengHei" panose="020B0604030504040204" pitchFamily="34" charset="-120"/>
-                <a:ea typeface="Microsoft JhengHei" panose="020B0604030504040204" pitchFamily="34" charset="-120"/>
-              </a:rPr>
-              <a:t>我</a:t>
-            </a:r>
-            <a:endParaRPr lang="en-US" altLang="zh-CN" sz="5400" b="1" dirty="0">
+              <a:rPr lang="zh-CN" altLang="zh-TW" sz="6400" b="1" dirty="0">
+                <a:solidFill>
+                  <a:srgbClr val="660033"/>
+                </a:solidFill>
+                <a:latin typeface="Microsoft JhengHei" panose="020B0604030504040204" pitchFamily="34" charset="-120"/>
+                <a:ea typeface="Microsoft JhengHei" panose="020B0604030504040204" pitchFamily="34" charset="-120"/>
+              </a:rPr>
+              <a:t>一切的罪惡主抹塗</a:t>
+            </a:r>
+            <a:endParaRPr lang="en-US" altLang="zh-CN" sz="6400" b="1" dirty="0">
               <a:solidFill>
-                <a:srgbClr val="002060"/>
+                <a:srgbClr val="660033"/>
               </a:solidFill>
               <a:latin typeface="Microsoft JhengHei" panose="020B0604030504040204" pitchFamily="34" charset="-120"/>
               <a:ea typeface="Microsoft JhengHei" panose="020B0604030504040204" pitchFamily="34" charset="-120"/>
             </a:endParaRPr>
           </a:p>
-          <a:p>
-            <a:pPr marL="0" indent="0" algn="ctr">
-              <a:buNone/>
-            </a:pPr>
-            <a:r>
-              <a:rPr lang="zh-CN" altLang="zh-TW" sz="5400" b="1" dirty="0">
-                <a:solidFill>
-                  <a:srgbClr val="002060"/>
-                </a:solidFill>
-                <a:latin typeface="Microsoft JhengHei" panose="020B0604030504040204" pitchFamily="34" charset="-120"/>
-                <a:ea typeface="Microsoft JhengHei" panose="020B0604030504040204" pitchFamily="34" charset="-120"/>
-              </a:rPr>
-              <a:t>有誰能敵擋</a:t>
-            </a:r>
-            <a:r>
-              <a:rPr lang="zh-CN" altLang="zh-TW" sz="5400" b="1" dirty="0">
-                <a:solidFill>
-                  <a:srgbClr val="002060"/>
-                </a:solidFill>
-                <a:latin typeface="Microsoft JhengHei" panose="020B0604030504040204" pitchFamily="34" charset="-120"/>
-                <a:ea typeface="Microsoft JhengHei" panose="020B0604030504040204" pitchFamily="34" charset="-120"/>
-              </a:rPr>
-              <a:t>我</a:t>
-            </a:r>
-            <a:r>
-              <a:rPr lang="en-US" altLang="zh-CN" sz="5400" b="1" dirty="0">
-                <a:solidFill>
-                  <a:srgbClr val="002060"/>
-                </a:solidFill>
-                <a:latin typeface="Microsoft JhengHei" panose="020B0604030504040204" pitchFamily="34" charset="-120"/>
-                <a:ea typeface="Microsoft JhengHei" panose="020B0604030504040204" pitchFamily="34" charset="-120"/>
-              </a:rPr>
-              <a:t>  </a:t>
-            </a:r>
-            <a:r>
-              <a:rPr lang="zh-CN" altLang="zh-TW" sz="5400" b="1" dirty="0">
-                <a:solidFill>
-                  <a:srgbClr val="002060"/>
-                </a:solidFill>
-                <a:latin typeface="Microsoft JhengHei" panose="020B0604030504040204" pitchFamily="34" charset="-120"/>
-                <a:ea typeface="Microsoft JhengHei" panose="020B0604030504040204" pitchFamily="34" charset="-120"/>
-              </a:rPr>
-              <a:t>誰 </a:t>
-            </a:r>
-            <a:r>
-              <a:rPr lang="en-US" altLang="zh-CN" sz="5400" b="1" dirty="0">
-                <a:solidFill>
-                  <a:srgbClr val="002060"/>
-                </a:solidFill>
-                <a:latin typeface="Microsoft JhengHei" panose="020B0604030504040204" pitchFamily="34" charset="-120"/>
-                <a:ea typeface="Microsoft JhengHei" panose="020B0604030504040204" pitchFamily="34" charset="-120"/>
-              </a:rPr>
-              <a:t> </a:t>
-            </a:r>
-            <a:r>
-              <a:rPr lang="zh-CN" altLang="zh-TW" sz="5400" b="1" dirty="0">
-                <a:solidFill>
-                  <a:srgbClr val="002060"/>
-                </a:solidFill>
-                <a:latin typeface="Microsoft JhengHei" panose="020B0604030504040204" pitchFamily="34" charset="-120"/>
-                <a:ea typeface="Microsoft JhengHei" panose="020B0604030504040204" pitchFamily="34" charset="-120"/>
-              </a:rPr>
-              <a:t>誰</a:t>
-            </a:r>
-            <a:r>
-              <a:rPr lang="en-US" altLang="zh-CN" sz="5400" b="1" dirty="0">
-                <a:solidFill>
-                  <a:srgbClr val="002060"/>
-                </a:solidFill>
-                <a:latin typeface="Microsoft JhengHei" panose="020B0604030504040204" pitchFamily="34" charset="-120"/>
-                <a:ea typeface="Microsoft JhengHei" panose="020B0604030504040204" pitchFamily="34" charset="-120"/>
-              </a:rPr>
-              <a:t> </a:t>
-            </a:r>
-            <a:r>
-              <a:rPr lang="zh-CN" altLang="zh-TW" sz="5400" b="1" dirty="0">
-                <a:solidFill>
-                  <a:srgbClr val="002060"/>
-                </a:solidFill>
-                <a:latin typeface="Microsoft JhengHei" panose="020B0604030504040204" pitchFamily="34" charset="-120"/>
-                <a:ea typeface="Microsoft JhengHei" panose="020B0604030504040204" pitchFamily="34" charset="-120"/>
-              </a:rPr>
-              <a:t> </a:t>
-            </a:r>
-            <a:r>
-              <a:rPr lang="zh-CN" altLang="zh-TW" sz="5400" b="1" dirty="0">
-                <a:solidFill>
-                  <a:srgbClr val="002060"/>
-                </a:solidFill>
-                <a:latin typeface="Microsoft JhengHei" panose="020B0604030504040204" pitchFamily="34" charset="-120"/>
-                <a:ea typeface="Microsoft JhengHei" panose="020B0604030504040204" pitchFamily="34" charset="-120"/>
-              </a:rPr>
-              <a:t>誰</a:t>
-            </a:r>
-          </a:p>
-          <a:p>
-            <a:pPr marL="0" indent="0" algn="ctr">
-              <a:buNone/>
-            </a:pPr>
-            <a:r>
-              <a:rPr lang="zh-CN" altLang="zh-TW" sz="5400" b="1" dirty="0">
-                <a:solidFill>
-                  <a:srgbClr val="002060"/>
-                </a:solidFill>
-                <a:latin typeface="Microsoft JhengHei" panose="020B0604030504040204" pitchFamily="34" charset="-120"/>
-                <a:ea typeface="Microsoft JhengHei" panose="020B0604030504040204" pitchFamily="34" charset="-120"/>
-              </a:rPr>
-              <a:t>有誰能敵擋</a:t>
-            </a:r>
-            <a:r>
-              <a:rPr lang="zh-CN" altLang="zh-TW" sz="5400" b="1" dirty="0">
-                <a:solidFill>
-                  <a:srgbClr val="002060"/>
-                </a:solidFill>
-                <a:latin typeface="Microsoft JhengHei" panose="020B0604030504040204" pitchFamily="34" charset="-120"/>
-                <a:ea typeface="Microsoft JhengHei" panose="020B0604030504040204" pitchFamily="34" charset="-120"/>
-              </a:rPr>
-              <a:t>我</a:t>
-            </a:r>
-            <a:r>
-              <a:rPr lang="en-US" altLang="zh-CN" sz="5400" b="1" dirty="0">
-                <a:solidFill>
-                  <a:srgbClr val="002060"/>
-                </a:solidFill>
-                <a:latin typeface="Microsoft JhengHei" panose="020B0604030504040204" pitchFamily="34" charset="-120"/>
-                <a:ea typeface="Microsoft JhengHei" panose="020B0604030504040204" pitchFamily="34" charset="-120"/>
-              </a:rPr>
-              <a:t>  </a:t>
-            </a:r>
-            <a:r>
-              <a:rPr lang="zh-CN" altLang="zh-TW" sz="5400" b="1" dirty="0">
-                <a:solidFill>
-                  <a:srgbClr val="002060"/>
-                </a:solidFill>
-                <a:latin typeface="Microsoft JhengHei" panose="020B0604030504040204" pitchFamily="34" charset="-120"/>
-                <a:ea typeface="Microsoft JhengHei" panose="020B0604030504040204" pitchFamily="34" charset="-120"/>
-              </a:rPr>
-              <a:t>害</a:t>
-            </a:r>
-            <a:r>
-              <a:rPr lang="zh-CN" altLang="zh-TW" sz="5400" b="1" dirty="0">
-                <a:solidFill>
-                  <a:srgbClr val="002060"/>
-                </a:solidFill>
-                <a:latin typeface="Microsoft JhengHei" panose="020B0604030504040204" pitchFamily="34" charset="-120"/>
-                <a:ea typeface="Microsoft JhengHei" panose="020B0604030504040204" pitchFamily="34" charset="-120"/>
-              </a:rPr>
-              <a:t>我</a:t>
-            </a:r>
-            <a:r>
-              <a:rPr lang="zh-CN" altLang="zh-TW" sz="5400" b="1" dirty="0">
-                <a:solidFill>
-                  <a:srgbClr val="002060"/>
-                </a:solidFill>
-                <a:latin typeface="Microsoft JhengHei" panose="020B0604030504040204" pitchFamily="34" charset="-120"/>
-                <a:ea typeface="Microsoft JhengHei" panose="020B0604030504040204" pitchFamily="34" charset="-120"/>
-              </a:rPr>
-              <a:t>哉</a:t>
-            </a:r>
-            <a:endParaRPr lang="zh-CN" altLang="zh-TW" sz="5400" b="1" dirty="0">
+        </p:txBody>
+      </p:sp>
+      <p:sp>
+        <p:nvSpPr>
+          <p:cNvPr id="3" name="TextBox 2"/>
+          <p:cNvSpPr txBox="1"/>
+          <p:nvPr/>
+        </p:nvSpPr>
+        <p:spPr>
+          <a:xfrm>
+            <a:off x="0" y="5061182"/>
+            <a:ext cx="12192000" cy="830997"/>
+          </a:xfrm>
+          <a:prstGeom prst="rect">
+            <a:avLst/>
+          </a:prstGeom>
+          <a:noFill/>
+        </p:spPr>
+        <p:txBody>
+          <a:bodyPr wrap="square" rtlCol="0">
+            <a:spAutoFit/>
+          </a:bodyPr>
+          <a:lstStyle/>
+          <a:p>
+            <a:pPr algn="ctr"/>
+            <a:r>
+              <a:rPr lang="en-US" sz="4800" b="1" dirty="0">
+                <a:solidFill>
+                  <a:srgbClr val="660033"/>
+                </a:solidFill>
+                <a:effectLst/>
+              </a:rPr>
+              <a:t>( 1 )</a:t>
+            </a:r>
+            <a:endParaRPr lang="vi-VN" sz="4800" b="1" dirty="0">
               <a:solidFill>
-                <a:srgbClr val="002060"/>
+                <a:srgbClr val="660033"/>
               </a:solidFill>
-              <a:latin typeface="Microsoft JhengHei" panose="020B0604030504040204" pitchFamily="34" charset="-120"/>
-              <a:ea typeface="Microsoft JhengHei" panose="020B0604030504040204" pitchFamily="34" charset="-120"/>
+              <a:effectLst/>
             </a:endParaRPr>
           </a:p>
         </p:txBody>
@@ -4368,13 +5318,20 @@
     </p:spTree>
     <p:extLst>
       <p:ext uri="{BB962C8B-B14F-4D97-AF65-F5344CB8AC3E}">
-        <p14:creationId xmlns:p14="http://schemas.microsoft.com/office/powerpoint/2010/main" val="4258470012"/>
+        <p14:creationId xmlns:p14="http://schemas.microsoft.com/office/powerpoint/2010/main" val="546089964"/>
       </p:ext>
     </p:extLst>
   </p:cSld>
   <p:clrMapOvr>
     <a:masterClrMapping/>
   </p:clrMapOvr>
+  <p:timing>
+    <p:tnLst>
+      <p:par>
+        <p:cTn id="1" dur="indefinite" restart="never" nodeType="tmRoot"/>
+      </p:par>
+    </p:tnLst>
+  </p:timing>
 </p:sld>
 </file>
 
@@ -4397,98 +5354,54 @@
       </p:grpSpPr>
       <p:sp>
         <p:nvSpPr>
-          <p:cNvPr id="4" name="Title 3"/>
-          <p:cNvSpPr>
-            <a:spLocks noGrp="1"/>
-          </p:cNvSpPr>
-          <p:nvPr>
-            <p:ph type="title"/>
-          </p:nvPr>
-        </p:nvSpPr>
-        <p:spPr/>
-        <p:txBody>
-          <a:bodyPr>
+          <p:cNvPr id="5" name="內容版面配置區 4"/>
+          <p:cNvSpPr>
+            <a:spLocks noGrp="1"/>
+          </p:cNvSpPr>
+          <p:nvPr>
+            <p:ph idx="1"/>
+          </p:nvPr>
+        </p:nvSpPr>
+        <p:spPr>
+          <a:xfrm>
+            <a:off x="0" y="2084851"/>
+            <a:ext cx="12192000" cy="2404863"/>
+          </a:xfrm>
+        </p:spPr>
+        <p:txBody>
+          <a:bodyPr anchor="ctr">
             <a:normAutofit/>
           </a:bodyPr>
           <a:lstStyle/>
           <a:p>
-            <a:r>
-              <a:rPr lang="en-US" altLang="zh-CN" sz="4800" b="1" dirty="0">
-                <a:solidFill>
-                  <a:srgbClr val="002060"/>
-                </a:solidFill>
-                <a:latin typeface="Microsoft JhengHei" panose="020B0604030504040204" pitchFamily="34" charset="-120"/>
-                <a:ea typeface="Microsoft JhengHei" panose="020B0604030504040204" pitchFamily="34" charset="-120"/>
-              </a:rPr>
-              <a:t>【</a:t>
-            </a:r>
-            <a:r>
-              <a:rPr lang="zh-CN" altLang="en-US" sz="4800" b="1" dirty="0">
-                <a:solidFill>
-                  <a:srgbClr val="002060"/>
-                </a:solidFill>
-                <a:latin typeface="Microsoft JhengHei" panose="020B0604030504040204" pitchFamily="34" charset="-120"/>
-                <a:ea typeface="Microsoft JhengHei" panose="020B0604030504040204" pitchFamily="34" charset="-120"/>
-              </a:rPr>
-              <a:t>在主裏喜樂</a:t>
-            </a:r>
-            <a:r>
-              <a:rPr lang="en-US" altLang="zh-CN" sz="4800" b="1" dirty="0">
-                <a:solidFill>
-                  <a:srgbClr val="002060"/>
-                </a:solidFill>
-                <a:latin typeface="Microsoft JhengHei" panose="020B0604030504040204" pitchFamily="34" charset="-120"/>
-                <a:ea typeface="Microsoft JhengHei" panose="020B0604030504040204" pitchFamily="34" charset="-120"/>
-              </a:rPr>
-              <a:t>】</a:t>
-            </a:r>
-          </a:p>
-        </p:txBody>
-      </p:sp>
-      <p:sp>
-        <p:nvSpPr>
-          <p:cNvPr id="5" name="Content Placeholder 4"/>
-          <p:cNvSpPr>
-            <a:spLocks noGrp="1"/>
-          </p:cNvSpPr>
-          <p:nvPr>
-            <p:ph idx="1"/>
-          </p:nvPr>
-        </p:nvSpPr>
-        <p:spPr/>
-        <p:txBody>
-          <a:bodyPr>
-            <a:normAutofit/>
-          </a:bodyPr>
-          <a:lstStyle/>
-          <a:p>
             <a:pPr marL="0" indent="0" algn="ctr">
               <a:buNone/>
             </a:pPr>
             <a:r>
-              <a:rPr lang="zh-CN" altLang="zh-TW" sz="5400" b="1" dirty="0">
-                <a:solidFill>
-                  <a:srgbClr val="002060"/>
-                </a:solidFill>
-                <a:latin typeface="Microsoft JhengHei" panose="020B0604030504040204" pitchFamily="34" charset="-120"/>
-                <a:ea typeface="Microsoft JhengHei" panose="020B0604030504040204" pitchFamily="34" charset="-120"/>
-              </a:rPr>
-              <a:t>在主裏剛</a:t>
-            </a:r>
-            <a:r>
-              <a:rPr lang="zh-CN" altLang="zh-TW" sz="5400" b="1" dirty="0">
-                <a:solidFill>
-                  <a:srgbClr val="002060"/>
-                </a:solidFill>
-                <a:latin typeface="Microsoft JhengHei" panose="020B0604030504040204" pitchFamily="34" charset="-120"/>
-                <a:ea typeface="Microsoft JhengHei" panose="020B0604030504040204" pitchFamily="34" charset="-120"/>
-              </a:rPr>
-              <a:t>强</a:t>
-            </a:r>
-            <a:r>
-              <a:rPr lang="en-US" altLang="zh-CN" sz="5400" b="1" dirty="0">
-                <a:solidFill>
-                  <a:srgbClr val="002060"/>
+              <a:rPr lang="zh-CN" altLang="zh-TW" sz="6400" b="1" dirty="0">
+                <a:solidFill>
+                  <a:srgbClr val="660033"/>
+                </a:solidFill>
+                <a:latin typeface="Microsoft JhengHei" panose="020B0604030504040204" pitchFamily="34" charset="-120"/>
+                <a:ea typeface="Microsoft JhengHei" panose="020B0604030504040204" pitchFamily="34" charset="-120"/>
+                <a:sym typeface="+mn-ea"/>
+              </a:rPr>
+              <a:t>寶血</a:t>
+            </a:r>
+            <a:r>
+              <a:rPr lang="zh-CN" altLang="zh-TW" sz="6400" b="1" dirty="0">
+                <a:solidFill>
+                  <a:srgbClr val="660033"/>
+                </a:solidFill>
+                <a:latin typeface="Microsoft JhengHei" panose="020B0604030504040204" pitchFamily="34" charset="-120"/>
+                <a:ea typeface="Microsoft JhengHei" panose="020B0604030504040204" pitchFamily="34" charset="-120"/>
+              </a:rPr>
+              <a:t>既贖我</a:t>
+            </a:r>
+            <a:r>
+              <a:rPr lang="en-US" altLang="zh-CN" sz="6400" b="1" dirty="0">
+                <a:solidFill>
+                  <a:srgbClr val="660033"/>
                 </a:solidFill>
                 <a:latin typeface="Microsoft JhengHei" panose="020B0604030504040204" pitchFamily="34" charset="-120"/>
                 <a:ea typeface="Microsoft JhengHei" panose="020B0604030504040204" pitchFamily="34" charset="-120"/>
@@ -4496,24 +5409,14 @@
               <a:t>  </a:t>
             </a:r>
             <a:r>
-              <a:rPr lang="zh-CN" altLang="zh-TW" sz="5400" b="1" dirty="0">
-                <a:solidFill>
-                  <a:srgbClr val="002060"/>
-                </a:solidFill>
-                <a:latin typeface="Microsoft JhengHei" panose="020B0604030504040204" pitchFamily="34" charset="-120"/>
-                <a:ea typeface="Microsoft JhengHei" panose="020B0604030504040204" pitchFamily="34" charset="-120"/>
-              </a:rPr>
-              <a:t>以</a:t>
-            </a:r>
-            <a:r>
-              <a:rPr lang="zh-CN" altLang="zh-TW" sz="5400" b="1" dirty="0">
-                <a:solidFill>
-                  <a:srgbClr val="002060"/>
-                </a:solidFill>
-                <a:latin typeface="Microsoft JhengHei" panose="020B0604030504040204" pitchFamily="34" charset="-120"/>
-                <a:ea typeface="Microsoft JhengHei" panose="020B0604030504040204" pitchFamily="34" charset="-120"/>
-              </a:rPr>
-              <a:t>喜樂為力量</a:t>
+              <a:rPr lang="zh-CN" altLang="zh-TW" sz="6400" b="1" dirty="0">
+                <a:solidFill>
+                  <a:srgbClr val="660033"/>
+                </a:solidFill>
+                <a:latin typeface="Microsoft JhengHei" panose="020B0604030504040204" pitchFamily="34" charset="-120"/>
+                <a:ea typeface="Microsoft JhengHei" panose="020B0604030504040204" pitchFamily="34" charset="-120"/>
+              </a:rPr>
+              <a:t>有何憂懼歎吁</a:t>
             </a:r>
           </a:p>
           <a:p>
@@ -4521,164 +5424,62 @@
               <a:buNone/>
             </a:pPr>
             <a:r>
-              <a:rPr lang="zh-CN" altLang="zh-TW" sz="5400" b="1" dirty="0">
-                <a:solidFill>
-                  <a:srgbClr val="002060"/>
-                </a:solidFill>
-                <a:latin typeface="Microsoft JhengHei" panose="020B0604030504040204" pitchFamily="34" charset="-120"/>
-                <a:ea typeface="Microsoft JhengHei" panose="020B0604030504040204" pitchFamily="34" charset="-120"/>
-              </a:rPr>
-              <a:t>穿戴神所賜的軍</a:t>
-            </a:r>
-            <a:r>
-              <a:rPr lang="zh-CN" altLang="zh-TW" sz="5400" b="1" dirty="0">
-                <a:solidFill>
-                  <a:srgbClr val="002060"/>
-                </a:solidFill>
-                <a:latin typeface="Microsoft JhengHei" panose="020B0604030504040204" pitchFamily="34" charset="-120"/>
-                <a:ea typeface="Microsoft JhengHei" panose="020B0604030504040204" pitchFamily="34" charset="-120"/>
-              </a:rPr>
-              <a:t>裝</a:t>
-            </a:r>
-            <a:endParaRPr lang="en-US" altLang="zh-CN" sz="5400" b="1" dirty="0">
+              <a:rPr lang="zh-CN" altLang="zh-TW" sz="6400" b="1" dirty="0">
+                <a:solidFill>
+                  <a:srgbClr val="660033"/>
+                </a:solidFill>
+                <a:latin typeface="Microsoft JhengHei" panose="020B0604030504040204" pitchFamily="34" charset="-120"/>
+                <a:ea typeface="Microsoft JhengHei" panose="020B0604030504040204" pitchFamily="34" charset="-120"/>
+              </a:rPr>
+              <a:t>况基督為萬有主乎</a:t>
+            </a:r>
+            <a:endParaRPr lang="zh-CN" altLang="zh-TW" sz="6400" b="1" dirty="0">
               <a:solidFill>
-                <a:srgbClr val="002060"/>
+                <a:srgbClr val="660033"/>
               </a:solidFill>
               <a:latin typeface="Microsoft JhengHei" panose="020B0604030504040204" pitchFamily="34" charset="-120"/>
               <a:ea typeface="Microsoft JhengHei" panose="020B0604030504040204" pitchFamily="34" charset="-120"/>
             </a:endParaRPr>
           </a:p>
-          <a:p>
-            <a:pPr marL="0" indent="0" algn="ctr">
-              <a:buNone/>
-            </a:pPr>
-            <a:r>
-              <a:rPr lang="zh-CN" altLang="zh-TW" sz="5400" b="1" dirty="0">
-                <a:solidFill>
-                  <a:srgbClr val="002060"/>
-                </a:solidFill>
-                <a:latin typeface="Microsoft JhengHei" panose="020B0604030504040204" pitchFamily="34" charset="-120"/>
-                <a:ea typeface="Microsoft JhengHei" panose="020B0604030504040204" pitchFamily="34" charset="-120"/>
-                <a:sym typeface="+mn-ea"/>
-              </a:rPr>
-              <a:t>仇敵來攻</a:t>
-            </a:r>
-            <a:r>
-              <a:rPr lang="zh-CN" altLang="zh-TW" sz="5400" b="1" dirty="0">
-                <a:solidFill>
-                  <a:srgbClr val="002060"/>
-                </a:solidFill>
-                <a:latin typeface="Microsoft JhengHei" panose="020B0604030504040204" pitchFamily="34" charset="-120"/>
-                <a:ea typeface="Microsoft JhengHei" panose="020B0604030504040204" pitchFamily="34" charset="-120"/>
-                <a:sym typeface="+mn-ea"/>
-              </a:rPr>
-              <a:t>擊</a:t>
-            </a:r>
-            <a:r>
-              <a:rPr lang="en-US" altLang="zh-CN" sz="5400" b="1" dirty="0">
-                <a:solidFill>
-                  <a:srgbClr val="002060"/>
-                </a:solidFill>
-                <a:latin typeface="Microsoft JhengHei" panose="020B0604030504040204" pitchFamily="34" charset="-120"/>
-                <a:ea typeface="Microsoft JhengHei" panose="020B0604030504040204" pitchFamily="34" charset="-120"/>
-                <a:sym typeface="+mn-ea"/>
-              </a:rPr>
-              <a:t>  </a:t>
-            </a:r>
-            <a:r>
-              <a:rPr lang="zh-CN" altLang="zh-TW" sz="5400" b="1" dirty="0">
-                <a:solidFill>
-                  <a:srgbClr val="002060"/>
-                </a:solidFill>
-                <a:latin typeface="Microsoft JhengHei" panose="020B0604030504040204" pitchFamily="34" charset="-120"/>
-                <a:ea typeface="Microsoft JhengHei" panose="020B0604030504040204" pitchFamily="34" charset="-120"/>
-              </a:rPr>
-              <a:t>主</a:t>
-            </a:r>
-            <a:r>
-              <a:rPr lang="zh-CN" altLang="zh-TW" sz="5400" b="1" dirty="0">
-                <a:solidFill>
-                  <a:srgbClr val="002060"/>
-                </a:solidFill>
-                <a:latin typeface="Microsoft JhengHei" panose="020B0604030504040204" pitchFamily="34" charset="-120"/>
-                <a:ea typeface="Microsoft JhengHei" panose="020B0604030504040204" pitchFamily="34" charset="-120"/>
-              </a:rPr>
-              <a:t>能力更顯彰</a:t>
-            </a:r>
-          </a:p>
-          <a:p>
-            <a:pPr marL="0" indent="0" algn="ctr">
-              <a:buNone/>
-            </a:pPr>
-            <a:r>
-              <a:rPr lang="zh-CN" altLang="zh-TW" sz="5400" b="1" dirty="0">
-                <a:solidFill>
-                  <a:srgbClr val="002060"/>
-                </a:solidFill>
-                <a:latin typeface="Microsoft JhengHei" panose="020B0604030504040204" pitchFamily="34" charset="-120"/>
-                <a:ea typeface="Microsoft JhengHei" panose="020B0604030504040204" pitchFamily="34" charset="-120"/>
-              </a:rPr>
-              <a:t>因為主是我的城</a:t>
-            </a:r>
-            <a:r>
-              <a:rPr lang="zh-CN" altLang="zh-TW" sz="5400" b="1" dirty="0">
-                <a:solidFill>
-                  <a:srgbClr val="002060"/>
-                </a:solidFill>
-                <a:latin typeface="Microsoft JhengHei" panose="020B0604030504040204" pitchFamily="34" charset="-120"/>
-                <a:ea typeface="Microsoft JhengHei" panose="020B0604030504040204" pitchFamily="34" charset="-120"/>
-              </a:rPr>
-              <a:t>牆</a:t>
-            </a:r>
-            <a:endParaRPr lang="zh-CN" altLang="zh-TW" sz="5400" b="1" dirty="0">
-              <a:solidFill>
-                <a:srgbClr val="002060"/>
-              </a:solidFill>
-              <a:latin typeface="Microsoft JhengHei" panose="020B0604030504040204" pitchFamily="34" charset="-120"/>
-              <a:ea typeface="Microsoft JhengHei" panose="020B0604030504040204" pitchFamily="34" charset="-120"/>
-            </a:endParaRPr>
-          </a:p>
-        </p:txBody>
-      </p:sp>
-      <p:sp>
-        <p:nvSpPr>
-          <p:cNvPr id="6" name="Text Box 1"/>
+        </p:txBody>
+      </p:sp>
+      <p:sp>
+        <p:nvSpPr>
+          <p:cNvPr id="3" name="TextBox 2"/>
           <p:cNvSpPr txBox="1"/>
           <p:nvPr/>
         </p:nvSpPr>
         <p:spPr>
           <a:xfrm>
-            <a:off x="551384" y="1772816"/>
-            <a:ext cx="1380490" cy="769441"/>
+            <a:off x="0" y="5061182"/>
+            <a:ext cx="12192000" cy="830997"/>
           </a:xfrm>
           <a:prstGeom prst="rect">
             <a:avLst/>
           </a:prstGeom>
           <a:noFill/>
-          <a:ln w="9525">
-            <a:noFill/>
-            <a:miter lim="800000"/>
-          </a:ln>
         </p:spPr>
         <p:txBody>
-          <a:bodyPr wrap="square">
+          <a:bodyPr wrap="square" rtlCol="0">
             <a:spAutoFit/>
           </a:bodyPr>
           <a:lstStyle/>
           <a:p>
             <a:pPr algn="ctr"/>
             <a:r>
-              <a:rPr lang="en-US" sz="4400" b="1" dirty="0" smtClean="0">
-                <a:solidFill>
-                  <a:srgbClr val="002060"/>
-                </a:solidFill>
-              </a:rPr>
-              <a:t>2.</a:t>
-            </a:r>
-            <a:endParaRPr lang="en-US" sz="4400" b="1" dirty="0">
+              <a:rPr lang="en-US" sz="4800" b="1" dirty="0">
+                <a:solidFill>
+                  <a:srgbClr val="660033"/>
+                </a:solidFill>
+                <a:effectLst/>
+              </a:rPr>
+              <a:t>( 1 )</a:t>
+            </a:r>
+            <a:endParaRPr lang="vi-VN" sz="4800" b="1" dirty="0">
               <a:solidFill>
-                <a:srgbClr val="002060"/>
+                <a:srgbClr val="660033"/>
               </a:solidFill>
+              <a:effectLst/>
             </a:endParaRPr>
           </a:p>
         </p:txBody>
@@ -4686,13 +5487,20 @@
     </p:spTree>
     <p:extLst>
       <p:ext uri="{BB962C8B-B14F-4D97-AF65-F5344CB8AC3E}">
-        <p14:creationId xmlns:p14="http://schemas.microsoft.com/office/powerpoint/2010/main" val="4038138340"/>
+        <p14:creationId xmlns:p14="http://schemas.microsoft.com/office/powerpoint/2010/main" val="3089869058"/>
       </p:ext>
     </p:extLst>
   </p:cSld>
   <p:clrMapOvr>
     <a:masterClrMapping/>
   </p:clrMapOvr>
+  <p:timing>
+    <p:tnLst>
+      <p:par>
+        <p:cTn id="1" dur="indefinite" restart="never" nodeType="tmRoot"/>
+      </p:par>
+    </p:tnLst>
+  </p:timing>
 </p:sld>
 </file>
 
@@ -4715,98 +5523,43 @@
       </p:grpSpPr>
       <p:sp>
         <p:nvSpPr>
-          <p:cNvPr id="4" name="Title 3"/>
-          <p:cNvSpPr>
-            <a:spLocks noGrp="1"/>
-          </p:cNvSpPr>
-          <p:nvPr>
-            <p:ph type="title"/>
-          </p:nvPr>
-        </p:nvSpPr>
-        <p:spPr/>
-        <p:txBody>
-          <a:bodyPr>
+          <p:cNvPr id="5" name="內容版面配置區 4"/>
+          <p:cNvSpPr>
+            <a:spLocks noGrp="1"/>
+          </p:cNvSpPr>
+          <p:nvPr>
+            <p:ph idx="1"/>
+          </p:nvPr>
+        </p:nvSpPr>
+        <p:spPr>
+          <a:xfrm>
+            <a:off x="0" y="2084851"/>
+            <a:ext cx="12192000" cy="2404863"/>
+          </a:xfrm>
+        </p:spPr>
+        <p:txBody>
+          <a:bodyPr anchor="ctr">
             <a:normAutofit/>
           </a:bodyPr>
           <a:lstStyle/>
           <a:p>
-            <a:r>
-              <a:rPr lang="en-US" altLang="zh-CN" sz="4800" b="1" dirty="0">
-                <a:solidFill>
-                  <a:srgbClr val="002060"/>
-                </a:solidFill>
-                <a:latin typeface="Microsoft JhengHei" panose="020B0604030504040204" pitchFamily="34" charset="-120"/>
-                <a:ea typeface="Microsoft JhengHei" panose="020B0604030504040204" pitchFamily="34" charset="-120"/>
-              </a:rPr>
-              <a:t>【</a:t>
-            </a:r>
-            <a:r>
-              <a:rPr lang="zh-CN" altLang="en-US" sz="4800" b="1" dirty="0">
-                <a:solidFill>
-                  <a:srgbClr val="002060"/>
-                </a:solidFill>
-                <a:latin typeface="Microsoft JhengHei" panose="020B0604030504040204" pitchFamily="34" charset="-120"/>
-                <a:ea typeface="Microsoft JhengHei" panose="020B0604030504040204" pitchFamily="34" charset="-120"/>
-              </a:rPr>
-              <a:t>在主裏喜樂</a:t>
-            </a:r>
-            <a:r>
-              <a:rPr lang="en-US" altLang="zh-CN" sz="4800" b="1" dirty="0">
-                <a:solidFill>
-                  <a:srgbClr val="002060"/>
-                </a:solidFill>
-                <a:latin typeface="Microsoft JhengHei" panose="020B0604030504040204" pitchFamily="34" charset="-120"/>
-                <a:ea typeface="Microsoft JhengHei" panose="020B0604030504040204" pitchFamily="34" charset="-120"/>
-              </a:rPr>
-              <a:t>】</a:t>
-            </a:r>
-          </a:p>
-        </p:txBody>
-      </p:sp>
-      <p:sp>
-        <p:nvSpPr>
-          <p:cNvPr id="5" name="Content Placeholder 4"/>
-          <p:cNvSpPr>
-            <a:spLocks noGrp="1"/>
-          </p:cNvSpPr>
-          <p:nvPr>
-            <p:ph idx="1"/>
-          </p:nvPr>
-        </p:nvSpPr>
-        <p:spPr/>
-        <p:txBody>
-          <a:bodyPr>
-            <a:normAutofit/>
-          </a:bodyPr>
-          <a:lstStyle/>
-          <a:p>
             <a:pPr marL="0" indent="0" algn="ctr">
               <a:buNone/>
             </a:pPr>
             <a:r>
-              <a:rPr lang="zh-CN" altLang="zh-TW" sz="5400" b="1" dirty="0">
-                <a:solidFill>
-                  <a:srgbClr val="002060"/>
-                </a:solidFill>
-                <a:latin typeface="Microsoft JhengHei" panose="020B0604030504040204" pitchFamily="34" charset="-120"/>
-                <a:ea typeface="Microsoft JhengHei" panose="020B0604030504040204" pitchFamily="34" charset="-120"/>
-              </a:rPr>
-              <a:t>上主若為</a:t>
-            </a:r>
-            <a:r>
-              <a:rPr lang="zh-CN" altLang="zh-TW" sz="5400" b="1" dirty="0">
-                <a:solidFill>
-                  <a:srgbClr val="002060"/>
-                </a:solidFill>
-                <a:latin typeface="Microsoft JhengHei" panose="020B0604030504040204" pitchFamily="34" charset="-120"/>
-                <a:ea typeface="Microsoft JhengHei" panose="020B0604030504040204" pitchFamily="34" charset="-120"/>
-              </a:rPr>
-              <a:t>我</a:t>
-            </a:r>
-            <a:r>
-              <a:rPr lang="en-US" altLang="zh-CN" sz="5400" b="1" dirty="0">
-                <a:solidFill>
-                  <a:srgbClr val="002060"/>
+              <a:rPr lang="zh-CN" altLang="zh-TW" sz="6400" b="1" dirty="0">
+                <a:solidFill>
+                  <a:srgbClr val="660033"/>
+                </a:solidFill>
+                <a:latin typeface="Microsoft JhengHei" panose="020B0604030504040204" pitchFamily="34" charset="-120"/>
+                <a:ea typeface="Microsoft JhengHei" panose="020B0604030504040204" pitchFamily="34" charset="-120"/>
+              </a:rPr>
+              <a:t>上主若為我</a:t>
+            </a:r>
+            <a:r>
+              <a:rPr lang="en-US" altLang="zh-CN" sz="6400" b="1" dirty="0">
+                <a:solidFill>
+                  <a:srgbClr val="660033"/>
                 </a:solidFill>
                 <a:latin typeface="Microsoft JhengHei" panose="020B0604030504040204" pitchFamily="34" charset="-120"/>
                 <a:ea typeface="Microsoft JhengHei" panose="020B0604030504040204" pitchFamily="34" charset="-120"/>
@@ -4814,24 +5567,14 @@
               <a:t>  </a:t>
             </a:r>
             <a:r>
-              <a:rPr lang="zh-CN" altLang="zh-TW" sz="5400" b="1" dirty="0">
-                <a:solidFill>
-                  <a:srgbClr val="002060"/>
-                </a:solidFill>
-                <a:latin typeface="Microsoft JhengHei" panose="020B0604030504040204" pitchFamily="34" charset="-120"/>
-                <a:ea typeface="Microsoft JhengHei" panose="020B0604030504040204" pitchFamily="34" charset="-120"/>
-              </a:rPr>
-              <a:t>上</a:t>
-            </a:r>
-            <a:r>
-              <a:rPr lang="zh-CN" altLang="zh-TW" sz="5400" b="1" dirty="0">
-                <a:solidFill>
-                  <a:srgbClr val="002060"/>
-                </a:solidFill>
-                <a:latin typeface="Microsoft JhengHei" panose="020B0604030504040204" pitchFamily="34" charset="-120"/>
-                <a:ea typeface="Microsoft JhengHei" panose="020B0604030504040204" pitchFamily="34" charset="-120"/>
-              </a:rPr>
-              <a:t>主若為我</a:t>
+              <a:rPr lang="zh-CN" altLang="zh-TW" sz="6400" b="1" dirty="0">
+                <a:solidFill>
+                  <a:srgbClr val="660033"/>
+                </a:solidFill>
+                <a:latin typeface="Microsoft JhengHei" panose="020B0604030504040204" pitchFamily="34" charset="-120"/>
+                <a:ea typeface="Microsoft JhengHei" panose="020B0604030504040204" pitchFamily="34" charset="-120"/>
+              </a:rPr>
+              <a:t>上主若為我</a:t>
             </a:r>
           </a:p>
           <a:p>
@@ -4839,212 +5582,42 @@
               <a:buNone/>
             </a:pPr>
             <a:r>
-              <a:rPr lang="zh-CN" altLang="zh-TW" sz="5400" b="1" dirty="0">
-                <a:solidFill>
-                  <a:srgbClr val="002060"/>
-                </a:solidFill>
-                <a:latin typeface="Microsoft JhengHei" panose="020B0604030504040204" pitchFamily="34" charset="-120"/>
-                <a:ea typeface="Microsoft JhengHei" panose="020B0604030504040204" pitchFamily="34" charset="-120"/>
-              </a:rPr>
-              <a:t>上主若為</a:t>
-            </a:r>
-            <a:r>
-              <a:rPr lang="zh-CN" altLang="zh-TW" sz="5400" b="1" dirty="0">
-                <a:solidFill>
-                  <a:srgbClr val="002060"/>
-                </a:solidFill>
-                <a:latin typeface="Microsoft JhengHei" panose="020B0604030504040204" pitchFamily="34" charset="-120"/>
-                <a:ea typeface="Microsoft JhengHei" panose="020B0604030504040204" pitchFamily="34" charset="-120"/>
-              </a:rPr>
-              <a:t>我</a:t>
-            </a:r>
-            <a:endParaRPr lang="en-US" altLang="zh-CN" sz="5400" b="1" dirty="0">
+              <a:rPr lang="zh-CN" altLang="zh-TW" sz="6400" b="1" dirty="0">
+                <a:solidFill>
+                  <a:srgbClr val="660033"/>
+                </a:solidFill>
+                <a:latin typeface="Microsoft JhengHei" panose="020B0604030504040204" pitchFamily="34" charset="-120"/>
+                <a:ea typeface="Microsoft JhengHei" panose="020B0604030504040204" pitchFamily="34" charset="-120"/>
+              </a:rPr>
+              <a:t>上主若為我</a:t>
+            </a:r>
+            <a:endParaRPr lang="en-US" altLang="zh-CN" sz="6400" b="1" dirty="0">
               <a:solidFill>
-                <a:srgbClr val="002060"/>
+                <a:srgbClr val="660033"/>
               </a:solidFill>
               <a:latin typeface="Microsoft JhengHei" panose="020B0604030504040204" pitchFamily="34" charset="-120"/>
               <a:ea typeface="Microsoft JhengHei" panose="020B0604030504040204" pitchFamily="34" charset="-120"/>
             </a:endParaRPr>
           </a:p>
-          <a:p>
-            <a:pPr marL="0" indent="0" algn="ctr">
-              <a:buNone/>
-            </a:pPr>
-            <a:r>
-              <a:rPr lang="zh-CN" altLang="zh-TW" sz="5400" b="1" dirty="0">
-                <a:solidFill>
-                  <a:srgbClr val="002060"/>
-                </a:solidFill>
-                <a:latin typeface="Microsoft JhengHei" panose="020B0604030504040204" pitchFamily="34" charset="-120"/>
-                <a:ea typeface="Microsoft JhengHei" panose="020B0604030504040204" pitchFamily="34" charset="-120"/>
-              </a:rPr>
-              <a:t>有誰能敵擋</a:t>
-            </a:r>
-            <a:r>
-              <a:rPr lang="zh-CN" altLang="zh-TW" sz="5400" b="1" dirty="0">
-                <a:solidFill>
-                  <a:srgbClr val="002060"/>
-                </a:solidFill>
-                <a:latin typeface="Microsoft JhengHei" panose="020B0604030504040204" pitchFamily="34" charset="-120"/>
-                <a:ea typeface="Microsoft JhengHei" panose="020B0604030504040204" pitchFamily="34" charset="-120"/>
-              </a:rPr>
-              <a:t>我</a:t>
-            </a:r>
-            <a:r>
-              <a:rPr lang="en-US" altLang="zh-CN" sz="5400" b="1" dirty="0">
-                <a:solidFill>
-                  <a:srgbClr val="002060"/>
-                </a:solidFill>
-                <a:latin typeface="Microsoft JhengHei" panose="020B0604030504040204" pitchFamily="34" charset="-120"/>
-                <a:ea typeface="Microsoft JhengHei" panose="020B0604030504040204" pitchFamily="34" charset="-120"/>
-              </a:rPr>
-              <a:t>  </a:t>
-            </a:r>
-            <a:r>
-              <a:rPr lang="zh-CN" altLang="zh-TW" sz="5400" b="1" dirty="0">
-                <a:solidFill>
-                  <a:srgbClr val="002060"/>
-                </a:solidFill>
-                <a:latin typeface="Microsoft JhengHei" panose="020B0604030504040204" pitchFamily="34" charset="-120"/>
-                <a:ea typeface="Microsoft JhengHei" panose="020B0604030504040204" pitchFamily="34" charset="-120"/>
-              </a:rPr>
-              <a:t>誰 </a:t>
-            </a:r>
-            <a:r>
-              <a:rPr lang="en-US" altLang="zh-CN" sz="5400" b="1" dirty="0">
-                <a:solidFill>
-                  <a:srgbClr val="002060"/>
-                </a:solidFill>
-                <a:latin typeface="Microsoft JhengHei" panose="020B0604030504040204" pitchFamily="34" charset="-120"/>
-                <a:ea typeface="Microsoft JhengHei" panose="020B0604030504040204" pitchFamily="34" charset="-120"/>
-              </a:rPr>
-              <a:t> </a:t>
-            </a:r>
-            <a:r>
-              <a:rPr lang="zh-CN" altLang="zh-TW" sz="5400" b="1" dirty="0">
-                <a:solidFill>
-                  <a:srgbClr val="002060"/>
-                </a:solidFill>
-                <a:latin typeface="Microsoft JhengHei" panose="020B0604030504040204" pitchFamily="34" charset="-120"/>
-                <a:ea typeface="Microsoft JhengHei" panose="020B0604030504040204" pitchFamily="34" charset="-120"/>
-              </a:rPr>
-              <a:t>誰</a:t>
-            </a:r>
-            <a:r>
-              <a:rPr lang="en-US" altLang="zh-CN" sz="5400" b="1" dirty="0">
-                <a:solidFill>
-                  <a:srgbClr val="002060"/>
-                </a:solidFill>
-                <a:latin typeface="Microsoft JhengHei" panose="020B0604030504040204" pitchFamily="34" charset="-120"/>
-                <a:ea typeface="Microsoft JhengHei" panose="020B0604030504040204" pitchFamily="34" charset="-120"/>
-              </a:rPr>
-              <a:t> </a:t>
-            </a:r>
-            <a:r>
-              <a:rPr lang="zh-CN" altLang="zh-TW" sz="5400" b="1" dirty="0">
-                <a:solidFill>
-                  <a:srgbClr val="002060"/>
-                </a:solidFill>
-                <a:latin typeface="Microsoft JhengHei" panose="020B0604030504040204" pitchFamily="34" charset="-120"/>
-                <a:ea typeface="Microsoft JhengHei" panose="020B0604030504040204" pitchFamily="34" charset="-120"/>
-              </a:rPr>
-              <a:t> </a:t>
-            </a:r>
-            <a:r>
-              <a:rPr lang="zh-CN" altLang="zh-TW" sz="5400" b="1" dirty="0">
-                <a:solidFill>
-                  <a:srgbClr val="002060"/>
-                </a:solidFill>
-                <a:latin typeface="Microsoft JhengHei" panose="020B0604030504040204" pitchFamily="34" charset="-120"/>
-                <a:ea typeface="Microsoft JhengHei" panose="020B0604030504040204" pitchFamily="34" charset="-120"/>
-              </a:rPr>
-              <a:t>誰</a:t>
-            </a:r>
-          </a:p>
-          <a:p>
-            <a:pPr marL="0" indent="0" algn="ctr">
-              <a:buNone/>
-            </a:pPr>
-            <a:r>
-              <a:rPr lang="zh-CN" altLang="zh-TW" sz="5400" b="1" dirty="0">
-                <a:solidFill>
-                  <a:srgbClr val="002060"/>
-                </a:solidFill>
-                <a:latin typeface="Microsoft JhengHei" panose="020B0604030504040204" pitchFamily="34" charset="-120"/>
-                <a:ea typeface="Microsoft JhengHei" panose="020B0604030504040204" pitchFamily="34" charset="-120"/>
-              </a:rPr>
-              <a:t>有誰能敵擋</a:t>
-            </a:r>
-            <a:r>
-              <a:rPr lang="zh-CN" altLang="zh-TW" sz="5400" b="1" dirty="0">
-                <a:solidFill>
-                  <a:srgbClr val="002060"/>
-                </a:solidFill>
-                <a:latin typeface="Microsoft JhengHei" panose="020B0604030504040204" pitchFamily="34" charset="-120"/>
-                <a:ea typeface="Microsoft JhengHei" panose="020B0604030504040204" pitchFamily="34" charset="-120"/>
-              </a:rPr>
-              <a:t>我</a:t>
-            </a:r>
-            <a:r>
-              <a:rPr lang="en-US" altLang="zh-CN" sz="5400" b="1" dirty="0">
-                <a:solidFill>
-                  <a:srgbClr val="002060"/>
-                </a:solidFill>
-                <a:latin typeface="Microsoft JhengHei" panose="020B0604030504040204" pitchFamily="34" charset="-120"/>
-                <a:ea typeface="Microsoft JhengHei" panose="020B0604030504040204" pitchFamily="34" charset="-120"/>
-              </a:rPr>
-              <a:t>  </a:t>
-            </a:r>
-            <a:r>
-              <a:rPr lang="zh-CN" altLang="zh-TW" sz="5400" b="1" dirty="0">
-                <a:solidFill>
-                  <a:srgbClr val="002060"/>
-                </a:solidFill>
-                <a:latin typeface="Microsoft JhengHei" panose="020B0604030504040204" pitchFamily="34" charset="-120"/>
-                <a:ea typeface="Microsoft JhengHei" panose="020B0604030504040204" pitchFamily="34" charset="-120"/>
-              </a:rPr>
-              <a:t>害</a:t>
-            </a:r>
-            <a:r>
-              <a:rPr lang="zh-CN" altLang="zh-TW" sz="5400" b="1" dirty="0">
-                <a:solidFill>
-                  <a:srgbClr val="002060"/>
-                </a:solidFill>
-                <a:latin typeface="Microsoft JhengHei" panose="020B0604030504040204" pitchFamily="34" charset="-120"/>
-                <a:ea typeface="Microsoft JhengHei" panose="020B0604030504040204" pitchFamily="34" charset="-120"/>
-              </a:rPr>
-              <a:t>我</a:t>
-            </a:r>
-            <a:r>
-              <a:rPr lang="zh-CN" altLang="zh-TW" sz="5400" b="1" dirty="0">
-                <a:solidFill>
-                  <a:srgbClr val="002060"/>
-                </a:solidFill>
-                <a:latin typeface="Microsoft JhengHei" panose="020B0604030504040204" pitchFamily="34" charset="-120"/>
-                <a:ea typeface="Microsoft JhengHei" panose="020B0604030504040204" pitchFamily="34" charset="-120"/>
-              </a:rPr>
-              <a:t>哉</a:t>
-            </a:r>
-            <a:endParaRPr lang="zh-CN" altLang="zh-TW" sz="5400" b="1" dirty="0">
-              <a:solidFill>
-                <a:srgbClr val="002060"/>
-              </a:solidFill>
-              <a:latin typeface="Microsoft JhengHei" panose="020B0604030504040204" pitchFamily="34" charset="-120"/>
-              <a:ea typeface="Microsoft JhengHei" panose="020B0604030504040204" pitchFamily="34" charset="-120"/>
-            </a:endParaRPr>
-          </a:p>
         </p:txBody>
       </p:sp>
     </p:spTree>
     <p:extLst>
       <p:ext uri="{BB962C8B-B14F-4D97-AF65-F5344CB8AC3E}">
-        <p14:creationId xmlns:p14="http://schemas.microsoft.com/office/powerpoint/2010/main" val="3921842563"/>
+        <p14:creationId xmlns:p14="http://schemas.microsoft.com/office/powerpoint/2010/main" val="3973709557"/>
       </p:ext>
     </p:extLst>
   </p:cSld>
   <p:clrMapOvr>
     <a:masterClrMapping/>
   </p:clrMapOvr>
+  <p:timing>
+    <p:tnLst>
+      <p:par>
+        <p:cTn id="1" dur="indefinite" restart="never" nodeType="tmRoot"/>
+      </p:par>
+    </p:tnLst>
+  </p:timing>
 </p:sld>
 </file>
 
@@ -5067,98 +5640,43 @@
       </p:grpSpPr>
       <p:sp>
         <p:nvSpPr>
-          <p:cNvPr id="4" name="Title 3"/>
-          <p:cNvSpPr>
-            <a:spLocks noGrp="1"/>
-          </p:cNvSpPr>
-          <p:nvPr>
-            <p:ph type="title"/>
-          </p:nvPr>
-        </p:nvSpPr>
-        <p:spPr/>
-        <p:txBody>
-          <a:bodyPr>
+          <p:cNvPr id="5" name="內容版面配置區 4"/>
+          <p:cNvSpPr>
+            <a:spLocks noGrp="1"/>
+          </p:cNvSpPr>
+          <p:nvPr>
+            <p:ph idx="1"/>
+          </p:nvPr>
+        </p:nvSpPr>
+        <p:spPr>
+          <a:xfrm>
+            <a:off x="0" y="2084851"/>
+            <a:ext cx="12192000" cy="2404863"/>
+          </a:xfrm>
+        </p:spPr>
+        <p:txBody>
+          <a:bodyPr anchor="ctr">
             <a:normAutofit/>
           </a:bodyPr>
           <a:lstStyle/>
           <a:p>
-            <a:r>
-              <a:rPr lang="en-US" altLang="zh-CN" sz="4800" b="1" dirty="0">
-                <a:solidFill>
-                  <a:srgbClr val="002060"/>
-                </a:solidFill>
-                <a:latin typeface="Microsoft JhengHei" panose="020B0604030504040204" pitchFamily="34" charset="-120"/>
-                <a:ea typeface="Microsoft JhengHei" panose="020B0604030504040204" pitchFamily="34" charset="-120"/>
-              </a:rPr>
-              <a:t>【</a:t>
-            </a:r>
-            <a:r>
-              <a:rPr lang="zh-CN" altLang="en-US" sz="4800" b="1" dirty="0">
-                <a:solidFill>
-                  <a:srgbClr val="002060"/>
-                </a:solidFill>
-                <a:latin typeface="Microsoft JhengHei" panose="020B0604030504040204" pitchFamily="34" charset="-120"/>
-                <a:ea typeface="Microsoft JhengHei" panose="020B0604030504040204" pitchFamily="34" charset="-120"/>
-              </a:rPr>
-              <a:t>在主裏喜樂</a:t>
-            </a:r>
-            <a:r>
-              <a:rPr lang="en-US" altLang="zh-CN" sz="4800" b="1" dirty="0">
-                <a:solidFill>
-                  <a:srgbClr val="002060"/>
-                </a:solidFill>
-                <a:latin typeface="Microsoft JhengHei" panose="020B0604030504040204" pitchFamily="34" charset="-120"/>
-                <a:ea typeface="Microsoft JhengHei" panose="020B0604030504040204" pitchFamily="34" charset="-120"/>
-              </a:rPr>
-              <a:t>】</a:t>
-            </a:r>
-          </a:p>
-        </p:txBody>
-      </p:sp>
-      <p:sp>
-        <p:nvSpPr>
-          <p:cNvPr id="5" name="Content Placeholder 4"/>
-          <p:cNvSpPr>
-            <a:spLocks noGrp="1"/>
-          </p:cNvSpPr>
-          <p:nvPr>
-            <p:ph idx="1"/>
-          </p:nvPr>
-        </p:nvSpPr>
-        <p:spPr/>
-        <p:txBody>
-          <a:bodyPr>
-            <a:normAutofit/>
-          </a:bodyPr>
-          <a:lstStyle/>
-          <a:p>
             <a:pPr marL="0" indent="0" algn="ctr">
               <a:buNone/>
             </a:pPr>
             <a:r>
-              <a:rPr lang="zh-CN" altLang="zh-TW" sz="5400" b="1" dirty="0">
-                <a:solidFill>
-                  <a:srgbClr val="002060"/>
-                </a:solidFill>
-                <a:latin typeface="Microsoft JhengHei" panose="020B0604030504040204" pitchFamily="34" charset="-120"/>
-                <a:ea typeface="Microsoft JhengHei" panose="020B0604030504040204" pitchFamily="34" charset="-120"/>
-              </a:rPr>
-              <a:t>要信靠主</a:t>
-            </a:r>
-            <a:r>
-              <a:rPr lang="zh-CN" altLang="zh-TW" sz="5400" b="1" dirty="0">
-                <a:solidFill>
-                  <a:srgbClr val="002060"/>
-                </a:solidFill>
-                <a:latin typeface="Microsoft JhengHei" panose="020B0604030504040204" pitchFamily="34" charset="-120"/>
-                <a:ea typeface="Microsoft JhengHei" panose="020B0604030504040204" pitchFamily="34" charset="-120"/>
-              </a:rPr>
-              <a:t>話</a:t>
-            </a:r>
-            <a:r>
-              <a:rPr lang="en-US" altLang="zh-CN" sz="5400" b="1" dirty="0">
-                <a:solidFill>
-                  <a:srgbClr val="002060"/>
+              <a:rPr lang="zh-CN" altLang="zh-TW" sz="6400" b="1" dirty="0">
+                <a:solidFill>
+                  <a:srgbClr val="660033"/>
+                </a:solidFill>
+                <a:latin typeface="Microsoft JhengHei" panose="020B0604030504040204" pitchFamily="34" charset="-120"/>
+                <a:ea typeface="Microsoft JhengHei" panose="020B0604030504040204" pitchFamily="34" charset="-120"/>
+              </a:rPr>
+              <a:t>有誰能敵擋我</a:t>
+            </a:r>
+            <a:r>
+              <a:rPr lang="en-US" altLang="zh-CN" sz="6400" b="1" dirty="0">
+                <a:solidFill>
+                  <a:srgbClr val="660033"/>
                 </a:solidFill>
                 <a:latin typeface="Microsoft JhengHei" panose="020B0604030504040204" pitchFamily="34" charset="-120"/>
                 <a:ea typeface="Microsoft JhengHei" panose="020B0604030504040204" pitchFamily="34" charset="-120"/>
@@ -5166,24 +5684,54 @@
               <a:t>  </a:t>
             </a:r>
             <a:r>
-              <a:rPr lang="zh-CN" altLang="zh-TW" sz="5400" b="1" dirty="0">
-                <a:solidFill>
-                  <a:srgbClr val="002060"/>
-                </a:solidFill>
-                <a:latin typeface="Microsoft JhengHei" panose="020B0604030504040204" pitchFamily="34" charset="-120"/>
-                <a:ea typeface="Microsoft JhengHei" panose="020B0604030504040204" pitchFamily="34" charset="-120"/>
-              </a:rPr>
-              <a:t>他</a:t>
-            </a:r>
-            <a:r>
-              <a:rPr lang="zh-CN" altLang="zh-TW" sz="5400" b="1" dirty="0">
-                <a:solidFill>
-                  <a:srgbClr val="002060"/>
-                </a:solidFill>
-                <a:latin typeface="Microsoft JhengHei" panose="020B0604030504040204" pitchFamily="34" charset="-120"/>
-                <a:ea typeface="Microsoft JhengHei" panose="020B0604030504040204" pitchFamily="34" charset="-120"/>
-              </a:rPr>
-              <a:t>應許最誠實</a:t>
+              <a:rPr lang="zh-CN" altLang="zh-TW" sz="6400" b="1" dirty="0">
+                <a:solidFill>
+                  <a:srgbClr val="660033"/>
+                </a:solidFill>
+                <a:latin typeface="Microsoft JhengHei" panose="020B0604030504040204" pitchFamily="34" charset="-120"/>
+                <a:ea typeface="Microsoft JhengHei" panose="020B0604030504040204" pitchFamily="34" charset="-120"/>
+              </a:rPr>
+              <a:t>誰 </a:t>
+            </a:r>
+            <a:r>
+              <a:rPr lang="en-US" altLang="zh-CN" sz="6400" b="1" dirty="0">
+                <a:solidFill>
+                  <a:srgbClr val="660033"/>
+                </a:solidFill>
+                <a:latin typeface="Microsoft JhengHei" panose="020B0604030504040204" pitchFamily="34" charset="-120"/>
+                <a:ea typeface="Microsoft JhengHei" panose="020B0604030504040204" pitchFamily="34" charset="-120"/>
+              </a:rPr>
+              <a:t> </a:t>
+            </a:r>
+            <a:r>
+              <a:rPr lang="zh-CN" altLang="zh-TW" sz="6400" b="1" dirty="0">
+                <a:solidFill>
+                  <a:srgbClr val="660033"/>
+                </a:solidFill>
+                <a:latin typeface="Microsoft JhengHei" panose="020B0604030504040204" pitchFamily="34" charset="-120"/>
+                <a:ea typeface="Microsoft JhengHei" panose="020B0604030504040204" pitchFamily="34" charset="-120"/>
+              </a:rPr>
+              <a:t>誰</a:t>
+            </a:r>
+            <a:r>
+              <a:rPr lang="en-US" altLang="zh-CN" sz="6400" b="1" dirty="0">
+                <a:solidFill>
+                  <a:srgbClr val="660033"/>
+                </a:solidFill>
+                <a:latin typeface="Microsoft JhengHei" panose="020B0604030504040204" pitchFamily="34" charset="-120"/>
+                <a:ea typeface="Microsoft JhengHei" panose="020B0604030504040204" pitchFamily="34" charset="-120"/>
+              </a:rPr>
+              <a:t> </a:t>
+            </a:r>
+            <a:r>
+              <a:rPr lang="zh-CN" altLang="zh-TW" sz="6400" b="1" dirty="0">
+                <a:solidFill>
+                  <a:srgbClr val="660033"/>
+                </a:solidFill>
+                <a:latin typeface="Microsoft JhengHei" panose="020B0604030504040204" pitchFamily="34" charset="-120"/>
+                <a:ea typeface="Microsoft JhengHei" panose="020B0604030504040204" pitchFamily="34" charset="-120"/>
+              </a:rPr>
+              <a:t> 誰</a:t>
             </a:r>
           </a:p>
           <a:p>
@@ -5191,191 +5739,62 @@
               <a:buNone/>
             </a:pPr>
             <a:r>
-              <a:rPr lang="zh-CN" altLang="zh-TW" sz="5400" b="1" dirty="0">
-                <a:solidFill>
-                  <a:srgbClr val="002060"/>
-                </a:solidFill>
-                <a:latin typeface="Microsoft JhengHei" panose="020B0604030504040204" pitchFamily="34" charset="-120"/>
-                <a:ea typeface="Microsoft JhengHei" panose="020B0604030504040204" pitchFamily="34" charset="-120"/>
-              </a:rPr>
-              <a:t>仗著聖靈劍勝仇</a:t>
-            </a:r>
-            <a:r>
-              <a:rPr lang="zh-CN" altLang="zh-TW" sz="5400" b="1" dirty="0">
-                <a:solidFill>
-                  <a:srgbClr val="002060"/>
-                </a:solidFill>
-                <a:latin typeface="Microsoft JhengHei" panose="020B0604030504040204" pitchFamily="34" charset="-120"/>
-                <a:ea typeface="Microsoft JhengHei" panose="020B0604030504040204" pitchFamily="34" charset="-120"/>
-              </a:rPr>
-              <a:t>敵</a:t>
-            </a:r>
-            <a:endParaRPr lang="en-US" altLang="zh-CN" sz="5400" b="1" dirty="0">
+              <a:rPr lang="zh-CN" altLang="zh-TW" sz="6400" b="1" dirty="0">
+                <a:solidFill>
+                  <a:srgbClr val="660033"/>
+                </a:solidFill>
+                <a:latin typeface="Microsoft JhengHei" panose="020B0604030504040204" pitchFamily="34" charset="-120"/>
+                <a:ea typeface="Microsoft JhengHei" panose="020B0604030504040204" pitchFamily="34" charset="-120"/>
+              </a:rPr>
+              <a:t>有誰能敵擋我</a:t>
+            </a:r>
+            <a:r>
+              <a:rPr lang="en-US" altLang="zh-CN" sz="6400" b="1" dirty="0">
+                <a:solidFill>
+                  <a:srgbClr val="660033"/>
+                </a:solidFill>
+                <a:latin typeface="Microsoft JhengHei" panose="020B0604030504040204" pitchFamily="34" charset="-120"/>
+                <a:ea typeface="Microsoft JhengHei" panose="020B0604030504040204" pitchFamily="34" charset="-120"/>
+              </a:rPr>
+              <a:t>  </a:t>
+            </a:r>
+            <a:r>
+              <a:rPr lang="zh-CN" altLang="zh-TW" sz="6400" b="1" dirty="0">
+                <a:solidFill>
+                  <a:srgbClr val="660033"/>
+                </a:solidFill>
+                <a:latin typeface="Microsoft JhengHei" panose="020B0604030504040204" pitchFamily="34" charset="-120"/>
+                <a:ea typeface="Microsoft JhengHei" panose="020B0604030504040204" pitchFamily="34" charset="-120"/>
+              </a:rPr>
+              <a:t>害我哉</a:t>
+            </a:r>
+            <a:endParaRPr lang="zh-CN" altLang="zh-TW" sz="6400" b="1" dirty="0">
               <a:solidFill>
-                <a:srgbClr val="002060"/>
+                <a:srgbClr val="660033"/>
               </a:solidFill>
               <a:latin typeface="Microsoft JhengHei" panose="020B0604030504040204" pitchFamily="34" charset="-120"/>
               <a:ea typeface="Microsoft JhengHei" panose="020B0604030504040204" pitchFamily="34" charset="-120"/>
             </a:endParaRPr>
           </a:p>
-          <a:p>
-            <a:pPr marL="0" indent="0" algn="ctr">
-              <a:buNone/>
-            </a:pPr>
-            <a:r>
-              <a:rPr lang="zh-CN" altLang="zh-TW" sz="5400" b="1" dirty="0">
-                <a:solidFill>
-                  <a:srgbClr val="002060"/>
-                </a:solidFill>
-                <a:latin typeface="Microsoft JhengHei" panose="020B0604030504040204" pitchFamily="34" charset="-120"/>
-                <a:ea typeface="Microsoft JhengHei" panose="020B0604030504040204" pitchFamily="34" charset="-120"/>
-                <a:sym typeface="+mn-ea"/>
-              </a:rPr>
-              <a:t>天地要廢</a:t>
-            </a:r>
-            <a:r>
-              <a:rPr lang="zh-CN" altLang="zh-TW" sz="5400" b="1" dirty="0">
-                <a:solidFill>
-                  <a:srgbClr val="002060"/>
-                </a:solidFill>
-                <a:latin typeface="Microsoft JhengHei" panose="020B0604030504040204" pitchFamily="34" charset="-120"/>
-                <a:ea typeface="Microsoft JhengHei" panose="020B0604030504040204" pitchFamily="34" charset="-120"/>
-                <a:sym typeface="+mn-ea"/>
-              </a:rPr>
-              <a:t>去</a:t>
-            </a:r>
-            <a:r>
-              <a:rPr lang="en-US" altLang="zh-CN" sz="5400" b="1" dirty="0">
-                <a:solidFill>
-                  <a:srgbClr val="002060"/>
-                </a:solidFill>
-                <a:latin typeface="Microsoft JhengHei" panose="020B0604030504040204" pitchFamily="34" charset="-120"/>
-                <a:ea typeface="Microsoft JhengHei" panose="020B0604030504040204" pitchFamily="34" charset="-120"/>
-                <a:sym typeface="+mn-ea"/>
-              </a:rPr>
-              <a:t>  </a:t>
-            </a:r>
-            <a:r>
-              <a:rPr lang="zh-CN" altLang="zh-TW" sz="5400" b="1" dirty="0">
-                <a:solidFill>
-                  <a:srgbClr val="002060"/>
-                </a:solidFill>
-                <a:latin typeface="Microsoft JhengHei" panose="020B0604030504040204" pitchFamily="34" charset="-120"/>
-                <a:ea typeface="Microsoft JhengHei" panose="020B0604030504040204" pitchFamily="34" charset="-120"/>
-                <a:sym typeface="+mn-ea"/>
-              </a:rPr>
-              <a:t>山</a:t>
-            </a:r>
-            <a:r>
-              <a:rPr lang="zh-CN" altLang="zh-TW" sz="5400" b="1" dirty="0">
-                <a:solidFill>
-                  <a:srgbClr val="002060"/>
-                </a:solidFill>
-                <a:latin typeface="Microsoft JhengHei" panose="020B0604030504040204" pitchFamily="34" charset="-120"/>
-                <a:ea typeface="Microsoft JhengHei" panose="020B0604030504040204" pitchFamily="34" charset="-120"/>
-                <a:sym typeface="+mn-ea"/>
-              </a:rPr>
-              <a:t>嶺也要遷移</a:t>
-            </a:r>
-          </a:p>
-          <a:p>
-            <a:pPr marL="0" indent="0" algn="ctr">
-              <a:buNone/>
-            </a:pPr>
-            <a:r>
-              <a:rPr lang="zh-CN" altLang="zh-TW" sz="5400" b="1" dirty="0">
-                <a:solidFill>
-                  <a:srgbClr val="002060"/>
-                </a:solidFill>
-                <a:latin typeface="Microsoft JhengHei" panose="020B0604030504040204" pitchFamily="34" charset="-120"/>
-                <a:ea typeface="Microsoft JhengHei" panose="020B0604030504040204" pitchFamily="34" charset="-120"/>
-                <a:sym typeface="+mn-ea"/>
-              </a:rPr>
-              <a:t>主言語卻永無更</a:t>
-            </a:r>
-            <a:r>
-              <a:rPr lang="zh-CN" altLang="zh-TW" sz="5400" b="1" dirty="0">
-                <a:solidFill>
-                  <a:srgbClr val="002060"/>
-                </a:solidFill>
-                <a:latin typeface="Microsoft JhengHei" panose="020B0604030504040204" pitchFamily="34" charset="-120"/>
-                <a:ea typeface="Microsoft JhengHei" panose="020B0604030504040204" pitchFamily="34" charset="-120"/>
-                <a:sym typeface="+mn-ea"/>
-              </a:rPr>
-              <a:t>易</a:t>
-            </a:r>
-            <a:endParaRPr lang="zh-CN" altLang="zh-TW" sz="5400" b="1" dirty="0">
-              <a:solidFill>
-                <a:srgbClr val="002060"/>
-              </a:solidFill>
-              <a:latin typeface="Microsoft JhengHei" panose="020B0604030504040204" pitchFamily="34" charset="-120"/>
-              <a:ea typeface="Microsoft JhengHei" panose="020B0604030504040204" pitchFamily="34" charset="-120"/>
-              <a:sym typeface="+mn-ea"/>
-            </a:endParaRPr>
-          </a:p>
-        </p:txBody>
-      </p:sp>
-      <p:sp>
-        <p:nvSpPr>
-          <p:cNvPr id="6" name="Text Box 1"/>
-          <p:cNvSpPr txBox="1"/>
-          <p:nvPr/>
-        </p:nvSpPr>
-        <p:spPr>
-          <a:xfrm>
-            <a:off x="551384" y="1772816"/>
-            <a:ext cx="1380490" cy="769441"/>
-          </a:xfrm>
-          <a:prstGeom prst="rect">
-            <a:avLst/>
-          </a:prstGeom>
-          <a:noFill/>
-          <a:ln w="9525">
-            <a:noFill/>
-            <a:miter lim="800000"/>
-          </a:ln>
-        </p:spPr>
-        <p:txBody>
-          <a:bodyPr wrap="square">
-            <a:spAutoFit/>
-          </a:bodyPr>
-          <a:lstStyle/>
-          <a:p>
-            <a:pPr algn="ctr"/>
-            <a:r>
-              <a:rPr lang="en-US" sz="4400" b="1" dirty="0">
-                <a:solidFill>
-                  <a:srgbClr val="002060"/>
-                </a:solidFill>
-              </a:rPr>
-              <a:t>3</a:t>
-            </a:r>
-            <a:r>
-              <a:rPr lang="en-US" sz="4400" b="1" dirty="0" smtClean="0">
-                <a:solidFill>
-                  <a:srgbClr val="002060"/>
-                </a:solidFill>
-              </a:rPr>
-              <a:t>.</a:t>
-            </a:r>
-            <a:endParaRPr lang="en-US" sz="4400" b="1" dirty="0">
-              <a:solidFill>
-                <a:srgbClr val="002060"/>
-              </a:solidFill>
-            </a:endParaRPr>
-          </a:p>
         </p:txBody>
       </p:sp>
     </p:spTree>
     <p:extLst>
       <p:ext uri="{BB962C8B-B14F-4D97-AF65-F5344CB8AC3E}">
-        <p14:creationId xmlns:p14="http://schemas.microsoft.com/office/powerpoint/2010/main" val="1746630659"/>
+        <p14:creationId xmlns:p14="http://schemas.microsoft.com/office/powerpoint/2010/main" val="840409574"/>
       </p:ext>
     </p:extLst>
   </p:cSld>
   <p:clrMapOvr>
     <a:masterClrMapping/>
   </p:clrMapOvr>
+  <p:timing>
+    <p:tnLst>
+      <p:par>
+        <p:cTn id="1" dur="indefinite" restart="never" nodeType="tmRoot"/>
+      </p:par>
+    </p:tnLst>
+  </p:timing>
 </p:sld>
 </file>
 
@@ -5398,98 +5817,43 @@
       </p:grpSpPr>
       <p:sp>
         <p:nvSpPr>
-          <p:cNvPr id="4" name="Title 3"/>
-          <p:cNvSpPr>
-            <a:spLocks noGrp="1"/>
-          </p:cNvSpPr>
-          <p:nvPr>
-            <p:ph type="title"/>
-          </p:nvPr>
-        </p:nvSpPr>
-        <p:spPr/>
-        <p:txBody>
-          <a:bodyPr>
+          <p:cNvPr id="5" name="內容版面配置區 4"/>
+          <p:cNvSpPr>
+            <a:spLocks noGrp="1"/>
+          </p:cNvSpPr>
+          <p:nvPr>
+            <p:ph idx="1"/>
+          </p:nvPr>
+        </p:nvSpPr>
+        <p:spPr>
+          <a:xfrm>
+            <a:off x="0" y="2084851"/>
+            <a:ext cx="12192000" cy="2404863"/>
+          </a:xfrm>
+        </p:spPr>
+        <p:txBody>
+          <a:bodyPr anchor="ctr">
             <a:normAutofit/>
           </a:bodyPr>
           <a:lstStyle/>
           <a:p>
-            <a:r>
-              <a:rPr lang="en-US" altLang="zh-CN" sz="4800" b="1" dirty="0">
-                <a:solidFill>
-                  <a:srgbClr val="002060"/>
-                </a:solidFill>
-                <a:latin typeface="Microsoft JhengHei" panose="020B0604030504040204" pitchFamily="34" charset="-120"/>
-                <a:ea typeface="Microsoft JhengHei" panose="020B0604030504040204" pitchFamily="34" charset="-120"/>
-              </a:rPr>
-              <a:t>【</a:t>
-            </a:r>
-            <a:r>
-              <a:rPr lang="zh-CN" altLang="en-US" sz="4800" b="1" dirty="0">
-                <a:solidFill>
-                  <a:srgbClr val="002060"/>
-                </a:solidFill>
-                <a:latin typeface="Microsoft JhengHei" panose="020B0604030504040204" pitchFamily="34" charset="-120"/>
-                <a:ea typeface="Microsoft JhengHei" panose="020B0604030504040204" pitchFamily="34" charset="-120"/>
-              </a:rPr>
-              <a:t>在主裏喜樂</a:t>
-            </a:r>
-            <a:r>
-              <a:rPr lang="en-US" altLang="zh-CN" sz="4800" b="1" dirty="0">
-                <a:solidFill>
-                  <a:srgbClr val="002060"/>
-                </a:solidFill>
-                <a:latin typeface="Microsoft JhengHei" panose="020B0604030504040204" pitchFamily="34" charset="-120"/>
-                <a:ea typeface="Microsoft JhengHei" panose="020B0604030504040204" pitchFamily="34" charset="-120"/>
-              </a:rPr>
-              <a:t>】</a:t>
-            </a:r>
-          </a:p>
-        </p:txBody>
-      </p:sp>
-      <p:sp>
-        <p:nvSpPr>
-          <p:cNvPr id="5" name="Content Placeholder 4"/>
-          <p:cNvSpPr>
-            <a:spLocks noGrp="1"/>
-          </p:cNvSpPr>
-          <p:nvPr>
-            <p:ph idx="1"/>
-          </p:nvPr>
-        </p:nvSpPr>
-        <p:spPr/>
-        <p:txBody>
-          <a:bodyPr>
-            <a:normAutofit/>
-          </a:bodyPr>
-          <a:lstStyle/>
-          <a:p>
             <a:pPr marL="0" indent="0" algn="ctr">
               <a:buNone/>
             </a:pPr>
             <a:r>
-              <a:rPr lang="zh-CN" altLang="zh-TW" sz="5400" b="1" dirty="0">
-                <a:solidFill>
-                  <a:srgbClr val="002060"/>
-                </a:solidFill>
-                <a:latin typeface="Microsoft JhengHei" panose="020B0604030504040204" pitchFamily="34" charset="-120"/>
-                <a:ea typeface="Microsoft JhengHei" panose="020B0604030504040204" pitchFamily="34" charset="-120"/>
-              </a:rPr>
-              <a:t>上主若為</a:t>
-            </a:r>
-            <a:r>
-              <a:rPr lang="zh-CN" altLang="zh-TW" sz="5400" b="1" dirty="0">
-                <a:solidFill>
-                  <a:srgbClr val="002060"/>
-                </a:solidFill>
-                <a:latin typeface="Microsoft JhengHei" panose="020B0604030504040204" pitchFamily="34" charset="-120"/>
-                <a:ea typeface="Microsoft JhengHei" panose="020B0604030504040204" pitchFamily="34" charset="-120"/>
-              </a:rPr>
-              <a:t>我</a:t>
-            </a:r>
-            <a:r>
-              <a:rPr lang="en-US" altLang="zh-CN" sz="5400" b="1" dirty="0">
-                <a:solidFill>
-                  <a:srgbClr val="002060"/>
+              <a:rPr lang="zh-CN" altLang="zh-TW" sz="6400" b="1" dirty="0">
+                <a:solidFill>
+                  <a:srgbClr val="660033"/>
+                </a:solidFill>
+                <a:latin typeface="Microsoft JhengHei" panose="020B0604030504040204" pitchFamily="34" charset="-120"/>
+                <a:ea typeface="Microsoft JhengHei" panose="020B0604030504040204" pitchFamily="34" charset="-120"/>
+              </a:rPr>
+              <a:t>在主裏剛强</a:t>
+            </a:r>
+            <a:r>
+              <a:rPr lang="en-US" altLang="zh-CN" sz="6400" b="1" dirty="0">
+                <a:solidFill>
+                  <a:srgbClr val="660033"/>
                 </a:solidFill>
                 <a:latin typeface="Microsoft JhengHei" panose="020B0604030504040204" pitchFamily="34" charset="-120"/>
                 <a:ea typeface="Microsoft JhengHei" panose="020B0604030504040204" pitchFamily="34" charset="-120"/>
@@ -5497,24 +5861,14 @@
               <a:t>  </a:t>
             </a:r>
             <a:r>
-              <a:rPr lang="zh-CN" altLang="zh-TW" sz="5400" b="1" dirty="0">
-                <a:solidFill>
-                  <a:srgbClr val="002060"/>
-                </a:solidFill>
-                <a:latin typeface="Microsoft JhengHei" panose="020B0604030504040204" pitchFamily="34" charset="-120"/>
-                <a:ea typeface="Microsoft JhengHei" panose="020B0604030504040204" pitchFamily="34" charset="-120"/>
-              </a:rPr>
-              <a:t>上</a:t>
-            </a:r>
-            <a:r>
-              <a:rPr lang="zh-CN" altLang="zh-TW" sz="5400" b="1" dirty="0">
-                <a:solidFill>
-                  <a:srgbClr val="002060"/>
-                </a:solidFill>
-                <a:latin typeface="Microsoft JhengHei" panose="020B0604030504040204" pitchFamily="34" charset="-120"/>
-                <a:ea typeface="Microsoft JhengHei" panose="020B0604030504040204" pitchFamily="34" charset="-120"/>
-              </a:rPr>
-              <a:t>主若為我</a:t>
+              <a:rPr lang="zh-CN" altLang="zh-TW" sz="6400" b="1" dirty="0">
+                <a:solidFill>
+                  <a:srgbClr val="660033"/>
+                </a:solidFill>
+                <a:latin typeface="Microsoft JhengHei" panose="020B0604030504040204" pitchFamily="34" charset="-120"/>
+                <a:ea typeface="Microsoft JhengHei" panose="020B0604030504040204" pitchFamily="34" charset="-120"/>
+              </a:rPr>
+              <a:t>以喜樂為力量</a:t>
             </a:r>
           </a:p>
           <a:p>
@@ -5522,198 +5876,80 @@
               <a:buNone/>
             </a:pPr>
             <a:r>
-              <a:rPr lang="zh-CN" altLang="zh-TW" sz="5400" b="1" dirty="0">
-                <a:solidFill>
-                  <a:srgbClr val="002060"/>
-                </a:solidFill>
-                <a:latin typeface="Microsoft JhengHei" panose="020B0604030504040204" pitchFamily="34" charset="-120"/>
-                <a:ea typeface="Microsoft JhengHei" panose="020B0604030504040204" pitchFamily="34" charset="-120"/>
-              </a:rPr>
-              <a:t>上主若為</a:t>
-            </a:r>
-            <a:r>
-              <a:rPr lang="zh-CN" altLang="zh-TW" sz="5400" b="1" dirty="0">
-                <a:solidFill>
-                  <a:srgbClr val="002060"/>
-                </a:solidFill>
-                <a:latin typeface="Microsoft JhengHei" panose="020B0604030504040204" pitchFamily="34" charset="-120"/>
-                <a:ea typeface="Microsoft JhengHei" panose="020B0604030504040204" pitchFamily="34" charset="-120"/>
-              </a:rPr>
-              <a:t>我</a:t>
-            </a:r>
-            <a:endParaRPr lang="en-US" altLang="zh-CN" sz="5400" b="1" dirty="0">
+              <a:rPr lang="zh-CN" altLang="zh-TW" sz="6400" b="1" dirty="0">
+                <a:solidFill>
+                  <a:srgbClr val="660033"/>
+                </a:solidFill>
+                <a:latin typeface="Microsoft JhengHei" panose="020B0604030504040204" pitchFamily="34" charset="-120"/>
+                <a:ea typeface="Microsoft JhengHei" panose="020B0604030504040204" pitchFamily="34" charset="-120"/>
+              </a:rPr>
+              <a:t>穿戴神所賜的軍裝</a:t>
+            </a:r>
+            <a:endParaRPr lang="en-US" altLang="zh-CN" sz="6400" b="1" dirty="0">
               <a:solidFill>
-                <a:srgbClr val="002060"/>
+                <a:srgbClr val="660033"/>
               </a:solidFill>
               <a:latin typeface="Microsoft JhengHei" panose="020B0604030504040204" pitchFamily="34" charset="-120"/>
               <a:ea typeface="Microsoft JhengHei" panose="020B0604030504040204" pitchFamily="34" charset="-120"/>
             </a:endParaRPr>
           </a:p>
-          <a:p>
-            <a:pPr marL="0" indent="0" algn="ctr">
-              <a:buNone/>
-            </a:pPr>
-            <a:r>
-              <a:rPr lang="zh-CN" altLang="zh-TW" sz="5400" b="1" dirty="0">
-                <a:solidFill>
-                  <a:srgbClr val="002060"/>
-                </a:solidFill>
-                <a:latin typeface="Microsoft JhengHei" panose="020B0604030504040204" pitchFamily="34" charset="-120"/>
-                <a:ea typeface="Microsoft JhengHei" panose="020B0604030504040204" pitchFamily="34" charset="-120"/>
-              </a:rPr>
-              <a:t>有誰能敵擋</a:t>
-            </a:r>
-            <a:r>
-              <a:rPr lang="zh-CN" altLang="zh-TW" sz="5400" b="1" dirty="0">
-                <a:solidFill>
-                  <a:srgbClr val="002060"/>
-                </a:solidFill>
-                <a:latin typeface="Microsoft JhengHei" panose="020B0604030504040204" pitchFamily="34" charset="-120"/>
-                <a:ea typeface="Microsoft JhengHei" panose="020B0604030504040204" pitchFamily="34" charset="-120"/>
-              </a:rPr>
-              <a:t>我</a:t>
-            </a:r>
-            <a:r>
-              <a:rPr lang="en-US" altLang="zh-CN" sz="5400" b="1" dirty="0">
-                <a:solidFill>
-                  <a:srgbClr val="002060"/>
-                </a:solidFill>
-                <a:latin typeface="Microsoft JhengHei" panose="020B0604030504040204" pitchFamily="34" charset="-120"/>
-                <a:ea typeface="Microsoft JhengHei" panose="020B0604030504040204" pitchFamily="34" charset="-120"/>
-              </a:rPr>
-              <a:t>  </a:t>
-            </a:r>
-            <a:r>
-              <a:rPr lang="zh-CN" altLang="zh-TW" sz="5400" b="1" dirty="0">
-                <a:solidFill>
-                  <a:srgbClr val="002060"/>
-                </a:solidFill>
-                <a:latin typeface="Microsoft JhengHei" panose="020B0604030504040204" pitchFamily="34" charset="-120"/>
-                <a:ea typeface="Microsoft JhengHei" panose="020B0604030504040204" pitchFamily="34" charset="-120"/>
-              </a:rPr>
-              <a:t>誰 </a:t>
-            </a:r>
-            <a:r>
-              <a:rPr lang="en-US" altLang="zh-CN" sz="5400" b="1" dirty="0">
-                <a:solidFill>
-                  <a:srgbClr val="002060"/>
-                </a:solidFill>
-                <a:latin typeface="Microsoft JhengHei" panose="020B0604030504040204" pitchFamily="34" charset="-120"/>
-                <a:ea typeface="Microsoft JhengHei" panose="020B0604030504040204" pitchFamily="34" charset="-120"/>
-              </a:rPr>
-              <a:t> </a:t>
-            </a:r>
-            <a:r>
-              <a:rPr lang="zh-CN" altLang="zh-TW" sz="5400" b="1" dirty="0">
-                <a:solidFill>
-                  <a:srgbClr val="002060"/>
-                </a:solidFill>
-                <a:latin typeface="Microsoft JhengHei" panose="020B0604030504040204" pitchFamily="34" charset="-120"/>
-                <a:ea typeface="Microsoft JhengHei" panose="020B0604030504040204" pitchFamily="34" charset="-120"/>
-              </a:rPr>
-              <a:t>誰</a:t>
-            </a:r>
-            <a:r>
-              <a:rPr lang="en-US" altLang="zh-CN" sz="5400" b="1" dirty="0">
-                <a:solidFill>
-                  <a:srgbClr val="002060"/>
-                </a:solidFill>
-                <a:latin typeface="Microsoft JhengHei" panose="020B0604030504040204" pitchFamily="34" charset="-120"/>
-                <a:ea typeface="Microsoft JhengHei" panose="020B0604030504040204" pitchFamily="34" charset="-120"/>
-              </a:rPr>
-              <a:t> </a:t>
-            </a:r>
-            <a:r>
-              <a:rPr lang="zh-CN" altLang="zh-TW" sz="5400" b="1" dirty="0">
-                <a:solidFill>
-                  <a:srgbClr val="002060"/>
-                </a:solidFill>
-                <a:latin typeface="Microsoft JhengHei" panose="020B0604030504040204" pitchFamily="34" charset="-120"/>
-                <a:ea typeface="Microsoft JhengHei" panose="020B0604030504040204" pitchFamily="34" charset="-120"/>
-              </a:rPr>
-              <a:t> </a:t>
-            </a:r>
-            <a:r>
-              <a:rPr lang="zh-CN" altLang="zh-TW" sz="5400" b="1" dirty="0">
-                <a:solidFill>
-                  <a:srgbClr val="002060"/>
-                </a:solidFill>
-                <a:latin typeface="Microsoft JhengHei" panose="020B0604030504040204" pitchFamily="34" charset="-120"/>
-                <a:ea typeface="Microsoft JhengHei" panose="020B0604030504040204" pitchFamily="34" charset="-120"/>
-              </a:rPr>
-              <a:t>誰</a:t>
-            </a:r>
-          </a:p>
-          <a:p>
-            <a:pPr marL="0" indent="0" algn="ctr">
-              <a:buNone/>
-            </a:pPr>
-            <a:r>
-              <a:rPr lang="zh-CN" altLang="zh-TW" sz="5400" b="1" dirty="0">
-                <a:solidFill>
-                  <a:srgbClr val="002060"/>
-                </a:solidFill>
-                <a:latin typeface="Microsoft JhengHei" panose="020B0604030504040204" pitchFamily="34" charset="-120"/>
-                <a:ea typeface="Microsoft JhengHei" panose="020B0604030504040204" pitchFamily="34" charset="-120"/>
-              </a:rPr>
-              <a:t>有誰能敵擋</a:t>
-            </a:r>
-            <a:r>
-              <a:rPr lang="zh-CN" altLang="zh-TW" sz="5400" b="1" dirty="0">
-                <a:solidFill>
-                  <a:srgbClr val="002060"/>
-                </a:solidFill>
-                <a:latin typeface="Microsoft JhengHei" panose="020B0604030504040204" pitchFamily="34" charset="-120"/>
-                <a:ea typeface="Microsoft JhengHei" panose="020B0604030504040204" pitchFamily="34" charset="-120"/>
-              </a:rPr>
-              <a:t>我</a:t>
-            </a:r>
-            <a:r>
-              <a:rPr lang="en-US" altLang="zh-CN" sz="5400" b="1" dirty="0">
-                <a:solidFill>
-                  <a:srgbClr val="002060"/>
-                </a:solidFill>
-                <a:latin typeface="Microsoft JhengHei" panose="020B0604030504040204" pitchFamily="34" charset="-120"/>
-                <a:ea typeface="Microsoft JhengHei" panose="020B0604030504040204" pitchFamily="34" charset="-120"/>
-              </a:rPr>
-              <a:t>  </a:t>
-            </a:r>
-            <a:r>
-              <a:rPr lang="zh-CN" altLang="zh-TW" sz="5400" b="1" dirty="0">
-                <a:solidFill>
-                  <a:srgbClr val="002060"/>
-                </a:solidFill>
-                <a:latin typeface="Microsoft JhengHei" panose="020B0604030504040204" pitchFamily="34" charset="-120"/>
-                <a:ea typeface="Microsoft JhengHei" panose="020B0604030504040204" pitchFamily="34" charset="-120"/>
-              </a:rPr>
-              <a:t>害</a:t>
-            </a:r>
-            <a:r>
-              <a:rPr lang="zh-CN" altLang="zh-TW" sz="5400" b="1" dirty="0">
-                <a:solidFill>
-                  <a:srgbClr val="002060"/>
-                </a:solidFill>
-                <a:latin typeface="Microsoft JhengHei" panose="020B0604030504040204" pitchFamily="34" charset="-120"/>
-                <a:ea typeface="Microsoft JhengHei" panose="020B0604030504040204" pitchFamily="34" charset="-120"/>
-              </a:rPr>
-              <a:t>我</a:t>
-            </a:r>
-            <a:r>
-              <a:rPr lang="zh-CN" altLang="zh-TW" sz="5400" b="1" dirty="0">
-                <a:solidFill>
-                  <a:srgbClr val="002060"/>
-                </a:solidFill>
-                <a:latin typeface="Microsoft JhengHei" panose="020B0604030504040204" pitchFamily="34" charset="-120"/>
-                <a:ea typeface="Microsoft JhengHei" panose="020B0604030504040204" pitchFamily="34" charset="-120"/>
-              </a:rPr>
-              <a:t>哉</a:t>
-            </a:r>
-            <a:endParaRPr lang="zh-CN" altLang="zh-TW" sz="5400" b="1" dirty="0">
+        </p:txBody>
+      </p:sp>
+      <p:sp>
+        <p:nvSpPr>
+          <p:cNvPr id="3" name="TextBox 2"/>
+          <p:cNvSpPr txBox="1"/>
+          <p:nvPr/>
+        </p:nvSpPr>
+        <p:spPr>
+          <a:xfrm>
+            <a:off x="0" y="5061182"/>
+            <a:ext cx="12192000" cy="830997"/>
+          </a:xfrm>
+          <a:prstGeom prst="rect">
+            <a:avLst/>
+          </a:prstGeom>
+          <a:noFill/>
+        </p:spPr>
+        <p:txBody>
+          <a:bodyPr wrap="square" rtlCol="0">
+            <a:spAutoFit/>
+          </a:bodyPr>
+          <a:lstStyle/>
+          <a:p>
+            <a:pPr algn="ctr"/>
+            <a:r>
+              <a:rPr lang="en-US" sz="4800" b="1" dirty="0">
+                <a:solidFill>
+                  <a:srgbClr val="660033"/>
+                </a:solidFill>
+                <a:effectLst/>
+              </a:rPr>
+              <a:t>( </a:t>
+            </a:r>
+            <a:r>
+              <a:rPr lang="en-US" sz="4800" b="1" dirty="0">
+                <a:solidFill>
+                  <a:srgbClr val="660033"/>
+                </a:solidFill>
+                <a:effectLst/>
+              </a:rPr>
+              <a:t>2 </a:t>
+            </a:r>
+            <a:r>
+              <a:rPr lang="en-US" sz="4800" b="1" dirty="0">
+                <a:solidFill>
+                  <a:srgbClr val="660033"/>
+                </a:solidFill>
+                <a:effectLst/>
+              </a:rPr>
+              <a:t>)</a:t>
+            </a:r>
+            <a:endParaRPr lang="vi-VN" sz="4800" b="1" dirty="0">
               <a:solidFill>
-                <a:srgbClr val="002060"/>
+                <a:srgbClr val="660033"/>
               </a:solidFill>
-              <a:latin typeface="Microsoft JhengHei" panose="020B0604030504040204" pitchFamily="34" charset="-120"/>
-              <a:ea typeface="Microsoft JhengHei" panose="020B0604030504040204" pitchFamily="34" charset="-120"/>
+              <a:effectLst/>
             </a:endParaRPr>
           </a:p>
         </p:txBody>
@@ -5721,13 +5957,20 @@
     </p:spTree>
     <p:extLst>
       <p:ext uri="{BB962C8B-B14F-4D97-AF65-F5344CB8AC3E}">
-        <p14:creationId xmlns:p14="http://schemas.microsoft.com/office/powerpoint/2010/main" val="4192287923"/>
+        <p14:creationId xmlns:p14="http://schemas.microsoft.com/office/powerpoint/2010/main" val="2073799430"/>
       </p:ext>
     </p:extLst>
   </p:cSld>
   <p:clrMapOvr>
     <a:masterClrMapping/>
   </p:clrMapOvr>
+  <p:timing>
+    <p:tnLst>
+      <p:par>
+        <p:cTn id="1" dur="indefinite" restart="never" nodeType="tmRoot"/>
+      </p:par>
+    </p:tnLst>
+  </p:timing>
 </p:sld>
 </file>
 
@@ -5750,123 +5993,60 @@
       </p:grpSpPr>
       <p:sp>
         <p:nvSpPr>
-          <p:cNvPr id="4" name="Title 3"/>
-          <p:cNvSpPr>
-            <a:spLocks noGrp="1"/>
-          </p:cNvSpPr>
-          <p:nvPr>
-            <p:ph type="title"/>
-          </p:nvPr>
-        </p:nvSpPr>
-        <p:spPr/>
-        <p:txBody>
-          <a:bodyPr>
+          <p:cNvPr id="5" name="內容版面配置區 4"/>
+          <p:cNvSpPr>
+            <a:spLocks noGrp="1"/>
+          </p:cNvSpPr>
+          <p:nvPr>
+            <p:ph idx="1"/>
+          </p:nvPr>
+        </p:nvSpPr>
+        <p:spPr>
+          <a:xfrm>
+            <a:off x="0" y="2084851"/>
+            <a:ext cx="12192000" cy="2404863"/>
+          </a:xfrm>
+        </p:spPr>
+        <p:txBody>
+          <a:bodyPr anchor="ctr">
             <a:normAutofit/>
           </a:bodyPr>
           <a:lstStyle/>
           <a:p>
-            <a:r>
-              <a:rPr lang="en-US" altLang="zh-CN" sz="4800" b="1" dirty="0">
-                <a:solidFill>
-                  <a:srgbClr val="002060"/>
-                </a:solidFill>
-                <a:latin typeface="Microsoft JhengHei" panose="020B0604030504040204" pitchFamily="34" charset="-120"/>
-                <a:ea typeface="Microsoft JhengHei" panose="020B0604030504040204" pitchFamily="34" charset="-120"/>
-              </a:rPr>
-              <a:t>【</a:t>
-            </a:r>
-            <a:r>
-              <a:rPr lang="zh-CN" altLang="en-US" sz="4800" b="1" dirty="0">
-                <a:solidFill>
-                  <a:srgbClr val="002060"/>
-                </a:solidFill>
-                <a:latin typeface="Microsoft JhengHei" panose="020B0604030504040204" pitchFamily="34" charset="-120"/>
-                <a:ea typeface="Microsoft JhengHei" panose="020B0604030504040204" pitchFamily="34" charset="-120"/>
-              </a:rPr>
-              <a:t>在主裏喜樂</a:t>
-            </a:r>
-            <a:r>
-              <a:rPr lang="en-US" altLang="zh-CN" sz="4800" b="1" dirty="0">
-                <a:solidFill>
-                  <a:srgbClr val="002060"/>
-                </a:solidFill>
-                <a:latin typeface="Microsoft JhengHei" panose="020B0604030504040204" pitchFamily="34" charset="-120"/>
-                <a:ea typeface="Microsoft JhengHei" panose="020B0604030504040204" pitchFamily="34" charset="-120"/>
-              </a:rPr>
-              <a:t>】</a:t>
-            </a:r>
-          </a:p>
-        </p:txBody>
-      </p:sp>
-      <p:sp>
-        <p:nvSpPr>
-          <p:cNvPr id="5" name="Content Placeholder 4"/>
-          <p:cNvSpPr>
-            <a:spLocks noGrp="1"/>
-          </p:cNvSpPr>
-          <p:nvPr>
-            <p:ph idx="1"/>
-          </p:nvPr>
-        </p:nvSpPr>
-        <p:spPr/>
-        <p:txBody>
-          <a:bodyPr>
-            <a:normAutofit/>
-          </a:bodyPr>
-          <a:lstStyle/>
-          <a:p>
             <a:pPr marL="0" indent="0" algn="ctr">
               <a:buNone/>
             </a:pPr>
             <a:r>
-              <a:rPr lang="zh-CN" altLang="zh-TW" sz="5400" b="1" dirty="0">
-                <a:solidFill>
-                  <a:srgbClr val="002060"/>
-                </a:solidFill>
-                <a:latin typeface="Microsoft JhengHei" panose="020B0604030504040204" pitchFamily="34" charset="-120"/>
-                <a:ea typeface="Microsoft JhengHei" panose="020B0604030504040204" pitchFamily="34" charset="-120"/>
-              </a:rPr>
-              <a:t>常住在主</a:t>
-            </a:r>
-            <a:r>
-              <a:rPr lang="zh-CN" altLang="zh-TW" sz="5400" b="1" dirty="0">
-                <a:solidFill>
-                  <a:srgbClr val="002060"/>
-                </a:solidFill>
-                <a:latin typeface="Microsoft JhengHei" panose="020B0604030504040204" pitchFamily="34" charset="-120"/>
-                <a:ea typeface="Microsoft JhengHei" panose="020B0604030504040204" pitchFamily="34" charset="-120"/>
-              </a:rPr>
-              <a:t>内</a:t>
-            </a:r>
-            <a:r>
-              <a:rPr lang="en-US" altLang="zh-CN" sz="5400" b="1" dirty="0">
-                <a:solidFill>
-                  <a:srgbClr val="002060"/>
-                </a:solidFill>
-                <a:latin typeface="Microsoft JhengHei" panose="020B0604030504040204" pitchFamily="34" charset="-120"/>
-                <a:ea typeface="Microsoft JhengHei" panose="020B0604030504040204" pitchFamily="34" charset="-120"/>
+              <a:rPr lang="zh-CN" altLang="zh-TW" sz="6400" b="1" dirty="0">
+                <a:solidFill>
+                  <a:srgbClr val="660033"/>
+                </a:solidFill>
+                <a:latin typeface="Microsoft JhengHei" panose="020B0604030504040204" pitchFamily="34" charset="-120"/>
+                <a:ea typeface="Microsoft JhengHei" panose="020B0604030504040204" pitchFamily="34" charset="-120"/>
+                <a:sym typeface="+mn-ea"/>
+              </a:rPr>
+              <a:t>仇敵來攻擊</a:t>
+            </a:r>
+            <a:r>
+              <a:rPr lang="en-US" altLang="zh-CN" sz="6400" b="1" dirty="0">
+                <a:solidFill>
+                  <a:srgbClr val="660033"/>
+                </a:solidFill>
+                <a:latin typeface="Microsoft JhengHei" panose="020B0604030504040204" pitchFamily="34" charset="-120"/>
+                <a:ea typeface="Microsoft JhengHei" panose="020B0604030504040204" pitchFamily="34" charset="-120"/>
+                <a:sym typeface="+mn-ea"/>
               </a:rPr>
               <a:t>  </a:t>
             </a:r>
             <a:r>
-              <a:rPr lang="zh-CN" altLang="zh-TW" sz="5400" b="1" dirty="0">
-                <a:solidFill>
-                  <a:srgbClr val="002060"/>
-                </a:solidFill>
-                <a:latin typeface="Microsoft JhengHei" panose="020B0604030504040204" pitchFamily="34" charset="-120"/>
-                <a:ea typeface="Microsoft JhengHei" panose="020B0604030504040204" pitchFamily="34" charset="-120"/>
-              </a:rPr>
-              <a:t>心</a:t>
-            </a:r>
-            <a:r>
-              <a:rPr lang="zh-CN" altLang="zh-TW" sz="5400" b="1" dirty="0">
-                <a:solidFill>
-                  <a:srgbClr val="002060"/>
-                </a:solidFill>
-                <a:latin typeface="Microsoft JhengHei" panose="020B0604030504040204" pitchFamily="34" charset="-120"/>
-                <a:ea typeface="Microsoft JhengHei" panose="020B0604030504040204" pitchFamily="34" charset="-120"/>
-              </a:rPr>
-              <a:t>中滿有平安</a:t>
+              <a:rPr lang="zh-CN" altLang="zh-TW" sz="6400" b="1" dirty="0">
+                <a:solidFill>
+                  <a:srgbClr val="660033"/>
+                </a:solidFill>
+                <a:latin typeface="Microsoft JhengHei" panose="020B0604030504040204" pitchFamily="34" charset="-120"/>
+                <a:ea typeface="Microsoft JhengHei" panose="020B0604030504040204" pitchFamily="34" charset="-120"/>
+              </a:rPr>
+              <a:t>主能力更顯彰</a:t>
             </a:r>
           </a:p>
           <a:p>
@@ -5874,169 +6054,73 @@
               <a:buNone/>
             </a:pPr>
             <a:r>
-              <a:rPr lang="zh-CN" altLang="zh-TW" sz="5400" b="1" dirty="0">
-                <a:solidFill>
-                  <a:srgbClr val="002060"/>
-                </a:solidFill>
-                <a:latin typeface="Microsoft JhengHei" panose="020B0604030504040204" pitchFamily="34" charset="-120"/>
-                <a:ea typeface="Microsoft JhengHei" panose="020B0604030504040204" pitchFamily="34" charset="-120"/>
-              </a:rPr>
-              <a:t>不怕諸仇敵及苦</a:t>
-            </a:r>
-            <a:r>
-              <a:rPr lang="zh-CN" altLang="zh-TW" sz="5400" b="1" dirty="0">
-                <a:solidFill>
-                  <a:srgbClr val="002060"/>
-                </a:solidFill>
-                <a:latin typeface="Microsoft JhengHei" panose="020B0604030504040204" pitchFamily="34" charset="-120"/>
-                <a:ea typeface="Microsoft JhengHei" panose="020B0604030504040204" pitchFamily="34" charset="-120"/>
-              </a:rPr>
-              <a:t>難</a:t>
-            </a:r>
-            <a:endParaRPr lang="en-US" altLang="zh-CN" sz="5400" b="1" dirty="0">
-              <a:solidFill>
-                <a:srgbClr val="002060"/>
-              </a:solidFill>
-              <a:latin typeface="Microsoft JhengHei" panose="020B0604030504040204" pitchFamily="34" charset="-120"/>
-              <a:ea typeface="Microsoft JhengHei" panose="020B0604030504040204" pitchFamily="34" charset="-120"/>
-            </a:endParaRPr>
-          </a:p>
-          <a:p>
-            <a:pPr marL="0" indent="0" algn="ctr">
-              <a:buNone/>
-            </a:pPr>
-            <a:r>
-              <a:rPr lang="zh-CN" altLang="zh-TW" sz="5400" b="1" dirty="0">
-                <a:solidFill>
-                  <a:srgbClr val="002060"/>
-                </a:solidFill>
-                <a:latin typeface="Microsoft JhengHei" panose="020B0604030504040204" pitchFamily="34" charset="-120"/>
-                <a:ea typeface="Microsoft JhengHei" panose="020B0604030504040204" pitchFamily="34" charset="-120"/>
-                <a:sym typeface="+mn-ea"/>
-              </a:rPr>
-              <a:t>誰也永不</a:t>
-            </a:r>
-            <a:r>
-              <a:rPr lang="zh-CN" altLang="zh-TW" sz="5400" b="1" dirty="0">
-                <a:solidFill>
-                  <a:srgbClr val="002060"/>
-                </a:solidFill>
-                <a:latin typeface="Microsoft JhengHei" panose="020B0604030504040204" pitchFamily="34" charset="-120"/>
-                <a:ea typeface="Microsoft JhengHei" panose="020B0604030504040204" pitchFamily="34" charset="-120"/>
-                <a:sym typeface="+mn-ea"/>
-              </a:rPr>
-              <a:t>能</a:t>
-            </a:r>
-            <a:r>
-              <a:rPr lang="en-US" altLang="zh-CN" sz="5400" b="1" dirty="0">
-                <a:solidFill>
-                  <a:srgbClr val="002060"/>
-                </a:solidFill>
-                <a:latin typeface="Microsoft JhengHei" panose="020B0604030504040204" pitchFamily="34" charset="-120"/>
-                <a:ea typeface="Microsoft JhengHei" panose="020B0604030504040204" pitchFamily="34" charset="-120"/>
-                <a:sym typeface="+mn-ea"/>
-              </a:rPr>
-              <a:t>  </a:t>
-            </a:r>
-            <a:r>
-              <a:rPr lang="zh-CN" altLang="zh-TW" sz="5400" b="1" dirty="0">
-                <a:solidFill>
-                  <a:srgbClr val="002060"/>
-                </a:solidFill>
-                <a:latin typeface="Microsoft JhengHei" panose="020B0604030504040204" pitchFamily="34" charset="-120"/>
-                <a:ea typeface="Microsoft JhengHei" panose="020B0604030504040204" pitchFamily="34" charset="-120"/>
-                <a:sym typeface="+mn-ea"/>
-              </a:rPr>
-              <a:t>將</a:t>
-            </a:r>
-            <a:r>
-              <a:rPr lang="zh-CN" altLang="zh-TW" sz="5400" b="1" dirty="0">
-                <a:solidFill>
-                  <a:srgbClr val="002060"/>
-                </a:solidFill>
-                <a:latin typeface="Microsoft JhengHei" panose="020B0604030504040204" pitchFamily="34" charset="-120"/>
-                <a:ea typeface="Microsoft JhengHei" panose="020B0604030504040204" pitchFamily="34" charset="-120"/>
-                <a:sym typeface="+mn-ea"/>
-              </a:rPr>
-              <a:t>最軟弱小羊</a:t>
-            </a:r>
-          </a:p>
-          <a:p>
-            <a:pPr marL="0" indent="0" algn="ctr">
-              <a:buNone/>
-            </a:pPr>
-            <a:r>
-              <a:rPr lang="zh-CN" altLang="zh-TW" sz="5400" b="1" dirty="0">
-                <a:solidFill>
-                  <a:srgbClr val="002060"/>
-                </a:solidFill>
-                <a:latin typeface="Microsoft JhengHei" panose="020B0604030504040204" pitchFamily="34" charset="-120"/>
-                <a:ea typeface="Microsoft JhengHei" panose="020B0604030504040204" pitchFamily="34" charset="-120"/>
-                <a:sym typeface="+mn-ea"/>
-              </a:rPr>
-              <a:t>從主手裏奪出羊</a:t>
-            </a:r>
-            <a:r>
-              <a:rPr lang="zh-CN" altLang="zh-TW" sz="5400" b="1" dirty="0">
-                <a:solidFill>
-                  <a:srgbClr val="002060"/>
-                </a:solidFill>
-                <a:latin typeface="Microsoft JhengHei" panose="020B0604030504040204" pitchFamily="34" charset="-120"/>
-                <a:ea typeface="Microsoft JhengHei" panose="020B0604030504040204" pitchFamily="34" charset="-120"/>
-                <a:sym typeface="+mn-ea"/>
-              </a:rPr>
-              <a:t>欄</a:t>
-            </a:r>
-            <a:endParaRPr lang="zh-CN" altLang="zh-TW" sz="5400" b="1" dirty="0">
-              <a:solidFill>
-                <a:srgbClr val="002060"/>
-              </a:solidFill>
-              <a:latin typeface="Microsoft JhengHei" panose="020B0604030504040204" pitchFamily="34" charset="-120"/>
-              <a:ea typeface="Microsoft JhengHei" panose="020B0604030504040204" pitchFamily="34" charset="-120"/>
-              <a:sym typeface="+mn-ea"/>
-            </a:endParaRPr>
-          </a:p>
-        </p:txBody>
-      </p:sp>
-      <p:sp>
-        <p:nvSpPr>
-          <p:cNvPr id="6" name="Text Box 1"/>
+              <a:rPr lang="zh-CN" altLang="zh-TW" sz="6400" b="1" dirty="0">
+                <a:solidFill>
+                  <a:srgbClr val="660033"/>
+                </a:solidFill>
+                <a:latin typeface="Microsoft JhengHei" panose="020B0604030504040204" pitchFamily="34" charset="-120"/>
+                <a:ea typeface="Microsoft JhengHei" panose="020B0604030504040204" pitchFamily="34" charset="-120"/>
+              </a:rPr>
+              <a:t>因為主是我的城牆</a:t>
+            </a:r>
+          </a:p>
+        </p:txBody>
+      </p:sp>
+      <p:sp>
+        <p:nvSpPr>
+          <p:cNvPr id="3" name="TextBox 2"/>
           <p:cNvSpPr txBox="1"/>
           <p:nvPr/>
         </p:nvSpPr>
         <p:spPr>
           <a:xfrm>
-            <a:off x="551384" y="1772816"/>
-            <a:ext cx="1380490" cy="769441"/>
+            <a:off x="0" y="5061182"/>
+            <a:ext cx="12192000" cy="830997"/>
           </a:xfrm>
           <a:prstGeom prst="rect">
             <a:avLst/>
           </a:prstGeom>
           <a:noFill/>
-          <a:ln w="9525">
-            <a:noFill/>
-            <a:miter lim="800000"/>
-          </a:ln>
         </p:spPr>
         <p:txBody>
-          <a:bodyPr wrap="square">
+          <a:bodyPr wrap="square" rtlCol="0">
             <a:spAutoFit/>
           </a:bodyPr>
           <a:lstStyle/>
           <a:p>
             <a:pPr algn="ctr"/>
             <a:r>
-              <a:rPr lang="en-US" sz="4400" b="1" dirty="0" smtClean="0">
-                <a:solidFill>
-                  <a:srgbClr val="002060"/>
-                </a:solidFill>
-              </a:rPr>
-              <a:t>4.</a:t>
-            </a:r>
-            <a:endParaRPr lang="en-US" sz="4400" b="1" dirty="0">
+              <a:rPr lang="en-US" sz="4800" b="1" dirty="0">
+                <a:solidFill>
+                  <a:srgbClr val="660033"/>
+                </a:solidFill>
+                <a:effectLst/>
+              </a:rPr>
+              <a:t>( </a:t>
+            </a:r>
+            <a:r>
+              <a:rPr lang="en-US" sz="4800" b="1" dirty="0">
+                <a:solidFill>
+                  <a:srgbClr val="660033"/>
+                </a:solidFill>
+                <a:effectLst/>
+              </a:rPr>
+              <a:t>2 </a:t>
+            </a:r>
+            <a:r>
+              <a:rPr lang="en-US" sz="4800" b="1" dirty="0">
+                <a:solidFill>
+                  <a:srgbClr val="660033"/>
+                </a:solidFill>
+                <a:effectLst/>
+              </a:rPr>
+              <a:t>)</a:t>
+            </a:r>
+            <a:endParaRPr lang="vi-VN" sz="4800" b="1" dirty="0">
               <a:solidFill>
-                <a:srgbClr val="002060"/>
+                <a:srgbClr val="660033"/>
               </a:solidFill>
+              <a:effectLst/>
             </a:endParaRPr>
           </a:p>
         </p:txBody>
@@ -6044,13 +6128,20 @@
     </p:spTree>
     <p:extLst>
       <p:ext uri="{BB962C8B-B14F-4D97-AF65-F5344CB8AC3E}">
-        <p14:creationId xmlns:p14="http://schemas.microsoft.com/office/powerpoint/2010/main" val="2020129061"/>
+        <p14:creationId xmlns:p14="http://schemas.microsoft.com/office/powerpoint/2010/main" val="1410810640"/>
       </p:ext>
     </p:extLst>
   </p:cSld>
   <p:clrMapOvr>
     <a:masterClrMapping/>
   </p:clrMapOvr>
+  <p:timing>
+    <p:tnLst>
+      <p:par>
+        <p:cTn id="1" dur="indefinite" restart="never" nodeType="tmRoot"/>
+      </p:par>
+    </p:tnLst>
+  </p:timing>
 </p:sld>
 </file>
 
@@ -6073,98 +6164,43 @@
       </p:grpSpPr>
       <p:sp>
         <p:nvSpPr>
-          <p:cNvPr id="4" name="Title 3"/>
-          <p:cNvSpPr>
-            <a:spLocks noGrp="1"/>
-          </p:cNvSpPr>
-          <p:nvPr>
-            <p:ph type="title"/>
-          </p:nvPr>
-        </p:nvSpPr>
-        <p:spPr/>
-        <p:txBody>
-          <a:bodyPr>
+          <p:cNvPr id="5" name="內容版面配置區 4"/>
+          <p:cNvSpPr>
+            <a:spLocks noGrp="1"/>
+          </p:cNvSpPr>
+          <p:nvPr>
+            <p:ph idx="1"/>
+          </p:nvPr>
+        </p:nvSpPr>
+        <p:spPr>
+          <a:xfrm>
+            <a:off x="0" y="2084851"/>
+            <a:ext cx="12192000" cy="2404863"/>
+          </a:xfrm>
+        </p:spPr>
+        <p:txBody>
+          <a:bodyPr anchor="ctr">
             <a:normAutofit/>
           </a:bodyPr>
           <a:lstStyle/>
           <a:p>
-            <a:r>
-              <a:rPr lang="en-US" altLang="zh-CN" sz="4800" b="1" dirty="0">
-                <a:solidFill>
-                  <a:srgbClr val="002060"/>
-                </a:solidFill>
-                <a:latin typeface="Microsoft JhengHei" panose="020B0604030504040204" pitchFamily="34" charset="-120"/>
-                <a:ea typeface="Microsoft JhengHei" panose="020B0604030504040204" pitchFamily="34" charset="-120"/>
-              </a:rPr>
-              <a:t>【</a:t>
-            </a:r>
-            <a:r>
-              <a:rPr lang="zh-CN" altLang="en-US" sz="4800" b="1" dirty="0">
-                <a:solidFill>
-                  <a:srgbClr val="002060"/>
-                </a:solidFill>
-                <a:latin typeface="Microsoft JhengHei" panose="020B0604030504040204" pitchFamily="34" charset="-120"/>
-                <a:ea typeface="Microsoft JhengHei" panose="020B0604030504040204" pitchFamily="34" charset="-120"/>
-              </a:rPr>
-              <a:t>在主裏喜樂</a:t>
-            </a:r>
-            <a:r>
-              <a:rPr lang="en-US" altLang="zh-CN" sz="4800" b="1" dirty="0">
-                <a:solidFill>
-                  <a:srgbClr val="002060"/>
-                </a:solidFill>
-                <a:latin typeface="Microsoft JhengHei" panose="020B0604030504040204" pitchFamily="34" charset="-120"/>
-                <a:ea typeface="Microsoft JhengHei" panose="020B0604030504040204" pitchFamily="34" charset="-120"/>
-              </a:rPr>
-              <a:t>】</a:t>
-            </a:r>
-          </a:p>
-        </p:txBody>
-      </p:sp>
-      <p:sp>
-        <p:nvSpPr>
-          <p:cNvPr id="5" name="Content Placeholder 4"/>
-          <p:cNvSpPr>
-            <a:spLocks noGrp="1"/>
-          </p:cNvSpPr>
-          <p:nvPr>
-            <p:ph idx="1"/>
-          </p:nvPr>
-        </p:nvSpPr>
-        <p:spPr/>
-        <p:txBody>
-          <a:bodyPr>
-            <a:normAutofit/>
-          </a:bodyPr>
-          <a:lstStyle/>
-          <a:p>
             <a:pPr marL="0" indent="0" algn="ctr">
               <a:buNone/>
             </a:pPr>
             <a:r>
-              <a:rPr lang="zh-CN" altLang="zh-TW" sz="5400" b="1" dirty="0">
-                <a:solidFill>
-                  <a:srgbClr val="002060"/>
-                </a:solidFill>
-                <a:latin typeface="Microsoft JhengHei" panose="020B0604030504040204" pitchFamily="34" charset="-120"/>
-                <a:ea typeface="Microsoft JhengHei" panose="020B0604030504040204" pitchFamily="34" charset="-120"/>
-              </a:rPr>
-              <a:t>上主若為</a:t>
-            </a:r>
-            <a:r>
-              <a:rPr lang="zh-CN" altLang="zh-TW" sz="5400" b="1" dirty="0">
-                <a:solidFill>
-                  <a:srgbClr val="002060"/>
-                </a:solidFill>
-                <a:latin typeface="Microsoft JhengHei" panose="020B0604030504040204" pitchFamily="34" charset="-120"/>
-                <a:ea typeface="Microsoft JhengHei" panose="020B0604030504040204" pitchFamily="34" charset="-120"/>
-              </a:rPr>
-              <a:t>我</a:t>
-            </a:r>
-            <a:r>
-              <a:rPr lang="en-US" altLang="zh-CN" sz="5400" b="1" dirty="0">
-                <a:solidFill>
-                  <a:srgbClr val="002060"/>
+              <a:rPr lang="zh-CN" altLang="zh-TW" sz="6400" b="1" dirty="0">
+                <a:solidFill>
+                  <a:srgbClr val="660033"/>
+                </a:solidFill>
+                <a:latin typeface="Microsoft JhengHei" panose="020B0604030504040204" pitchFamily="34" charset="-120"/>
+                <a:ea typeface="Microsoft JhengHei" panose="020B0604030504040204" pitchFamily="34" charset="-120"/>
+              </a:rPr>
+              <a:t>上主若為我</a:t>
+            </a:r>
+            <a:r>
+              <a:rPr lang="en-US" altLang="zh-CN" sz="6400" b="1" dirty="0">
+                <a:solidFill>
+                  <a:srgbClr val="660033"/>
                 </a:solidFill>
                 <a:latin typeface="Microsoft JhengHei" panose="020B0604030504040204" pitchFamily="34" charset="-120"/>
                 <a:ea typeface="Microsoft JhengHei" panose="020B0604030504040204" pitchFamily="34" charset="-120"/>
@@ -6172,24 +6208,14 @@
               <a:t>  </a:t>
             </a:r>
             <a:r>
-              <a:rPr lang="zh-CN" altLang="zh-TW" sz="5400" b="1" dirty="0">
-                <a:solidFill>
-                  <a:srgbClr val="002060"/>
-                </a:solidFill>
-                <a:latin typeface="Microsoft JhengHei" panose="020B0604030504040204" pitchFamily="34" charset="-120"/>
-                <a:ea typeface="Microsoft JhengHei" panose="020B0604030504040204" pitchFamily="34" charset="-120"/>
-              </a:rPr>
-              <a:t>上</a:t>
-            </a:r>
-            <a:r>
-              <a:rPr lang="zh-CN" altLang="zh-TW" sz="5400" b="1" dirty="0">
-                <a:solidFill>
-                  <a:srgbClr val="002060"/>
-                </a:solidFill>
-                <a:latin typeface="Microsoft JhengHei" panose="020B0604030504040204" pitchFamily="34" charset="-120"/>
-                <a:ea typeface="Microsoft JhengHei" panose="020B0604030504040204" pitchFamily="34" charset="-120"/>
-              </a:rPr>
-              <a:t>主若為我</a:t>
+              <a:rPr lang="zh-CN" altLang="zh-TW" sz="6400" b="1" dirty="0">
+                <a:solidFill>
+                  <a:srgbClr val="660033"/>
+                </a:solidFill>
+                <a:latin typeface="Microsoft JhengHei" panose="020B0604030504040204" pitchFamily="34" charset="-120"/>
+                <a:ea typeface="Microsoft JhengHei" panose="020B0604030504040204" pitchFamily="34" charset="-120"/>
+              </a:rPr>
+              <a:t>上主若為我</a:t>
             </a:r>
           </a:p>
           <a:p>
@@ -6197,212 +6223,219 @@
               <a:buNone/>
             </a:pPr>
             <a:r>
-              <a:rPr lang="zh-CN" altLang="zh-TW" sz="5400" b="1" dirty="0">
-                <a:solidFill>
-                  <a:srgbClr val="002060"/>
-                </a:solidFill>
-                <a:latin typeface="Microsoft JhengHei" panose="020B0604030504040204" pitchFamily="34" charset="-120"/>
-                <a:ea typeface="Microsoft JhengHei" panose="020B0604030504040204" pitchFamily="34" charset="-120"/>
-              </a:rPr>
-              <a:t>上主若為</a:t>
-            </a:r>
-            <a:r>
-              <a:rPr lang="zh-CN" altLang="zh-TW" sz="5400" b="1" dirty="0">
-                <a:solidFill>
-                  <a:srgbClr val="002060"/>
-                </a:solidFill>
-                <a:latin typeface="Microsoft JhengHei" panose="020B0604030504040204" pitchFamily="34" charset="-120"/>
-                <a:ea typeface="Microsoft JhengHei" panose="020B0604030504040204" pitchFamily="34" charset="-120"/>
-              </a:rPr>
-              <a:t>我</a:t>
-            </a:r>
-            <a:endParaRPr lang="en-US" altLang="zh-CN" sz="5400" b="1" dirty="0">
+              <a:rPr lang="zh-CN" altLang="zh-TW" sz="6400" b="1" dirty="0">
+                <a:solidFill>
+                  <a:srgbClr val="660033"/>
+                </a:solidFill>
+                <a:latin typeface="Microsoft JhengHei" panose="020B0604030504040204" pitchFamily="34" charset="-120"/>
+                <a:ea typeface="Microsoft JhengHei" panose="020B0604030504040204" pitchFamily="34" charset="-120"/>
+              </a:rPr>
+              <a:t>上主若為我</a:t>
+            </a:r>
+            <a:endParaRPr lang="en-US" altLang="zh-CN" sz="6400" b="1" dirty="0">
               <a:solidFill>
-                <a:srgbClr val="002060"/>
+                <a:srgbClr val="660033"/>
               </a:solidFill>
               <a:latin typeface="Microsoft JhengHei" panose="020B0604030504040204" pitchFamily="34" charset="-120"/>
               <a:ea typeface="Microsoft JhengHei" panose="020B0604030504040204" pitchFamily="34" charset="-120"/>
             </a:endParaRPr>
           </a:p>
-          <a:p>
-            <a:pPr marL="0" indent="0" algn="ctr">
-              <a:buNone/>
-            </a:pPr>
-            <a:r>
-              <a:rPr lang="zh-CN" altLang="zh-TW" sz="5400" b="1" dirty="0">
-                <a:solidFill>
-                  <a:srgbClr val="002060"/>
-                </a:solidFill>
-                <a:latin typeface="Microsoft JhengHei" panose="020B0604030504040204" pitchFamily="34" charset="-120"/>
-                <a:ea typeface="Microsoft JhengHei" panose="020B0604030504040204" pitchFamily="34" charset="-120"/>
-              </a:rPr>
-              <a:t>有誰能敵擋</a:t>
-            </a:r>
-            <a:r>
-              <a:rPr lang="zh-CN" altLang="zh-TW" sz="5400" b="1" dirty="0">
-                <a:solidFill>
-                  <a:srgbClr val="002060"/>
-                </a:solidFill>
-                <a:latin typeface="Microsoft JhengHei" panose="020B0604030504040204" pitchFamily="34" charset="-120"/>
-                <a:ea typeface="Microsoft JhengHei" panose="020B0604030504040204" pitchFamily="34" charset="-120"/>
-              </a:rPr>
-              <a:t>我</a:t>
-            </a:r>
-            <a:r>
-              <a:rPr lang="en-US" altLang="zh-CN" sz="5400" b="1" dirty="0">
-                <a:solidFill>
-                  <a:srgbClr val="002060"/>
-                </a:solidFill>
-                <a:latin typeface="Microsoft JhengHei" panose="020B0604030504040204" pitchFamily="34" charset="-120"/>
-                <a:ea typeface="Microsoft JhengHei" panose="020B0604030504040204" pitchFamily="34" charset="-120"/>
-              </a:rPr>
-              <a:t>  </a:t>
-            </a:r>
-            <a:r>
-              <a:rPr lang="zh-CN" altLang="zh-TW" sz="5400" b="1" dirty="0">
-                <a:solidFill>
-                  <a:srgbClr val="002060"/>
-                </a:solidFill>
-                <a:latin typeface="Microsoft JhengHei" panose="020B0604030504040204" pitchFamily="34" charset="-120"/>
-                <a:ea typeface="Microsoft JhengHei" panose="020B0604030504040204" pitchFamily="34" charset="-120"/>
-              </a:rPr>
-              <a:t>誰 </a:t>
-            </a:r>
-            <a:r>
-              <a:rPr lang="en-US" altLang="zh-CN" sz="5400" b="1" dirty="0">
-                <a:solidFill>
-                  <a:srgbClr val="002060"/>
-                </a:solidFill>
-                <a:latin typeface="Microsoft JhengHei" panose="020B0604030504040204" pitchFamily="34" charset="-120"/>
-                <a:ea typeface="Microsoft JhengHei" panose="020B0604030504040204" pitchFamily="34" charset="-120"/>
-              </a:rPr>
-              <a:t> </a:t>
-            </a:r>
-            <a:r>
-              <a:rPr lang="zh-CN" altLang="zh-TW" sz="5400" b="1" dirty="0">
-                <a:solidFill>
-                  <a:srgbClr val="002060"/>
-                </a:solidFill>
-                <a:latin typeface="Microsoft JhengHei" panose="020B0604030504040204" pitchFamily="34" charset="-120"/>
-                <a:ea typeface="Microsoft JhengHei" panose="020B0604030504040204" pitchFamily="34" charset="-120"/>
-              </a:rPr>
-              <a:t>誰</a:t>
-            </a:r>
-            <a:r>
-              <a:rPr lang="en-US" altLang="zh-CN" sz="5400" b="1" dirty="0">
-                <a:solidFill>
-                  <a:srgbClr val="002060"/>
-                </a:solidFill>
-                <a:latin typeface="Microsoft JhengHei" panose="020B0604030504040204" pitchFamily="34" charset="-120"/>
-                <a:ea typeface="Microsoft JhengHei" panose="020B0604030504040204" pitchFamily="34" charset="-120"/>
-              </a:rPr>
-              <a:t> </a:t>
-            </a:r>
-            <a:r>
-              <a:rPr lang="zh-CN" altLang="zh-TW" sz="5400" b="1" dirty="0">
-                <a:solidFill>
-                  <a:srgbClr val="002060"/>
-                </a:solidFill>
-                <a:latin typeface="Microsoft JhengHei" panose="020B0604030504040204" pitchFamily="34" charset="-120"/>
-                <a:ea typeface="Microsoft JhengHei" panose="020B0604030504040204" pitchFamily="34" charset="-120"/>
-              </a:rPr>
-              <a:t> </a:t>
-            </a:r>
-            <a:r>
-              <a:rPr lang="zh-CN" altLang="zh-TW" sz="5400" b="1" dirty="0">
-                <a:solidFill>
-                  <a:srgbClr val="002060"/>
-                </a:solidFill>
-                <a:latin typeface="Microsoft JhengHei" panose="020B0604030504040204" pitchFamily="34" charset="-120"/>
-                <a:ea typeface="Microsoft JhengHei" panose="020B0604030504040204" pitchFamily="34" charset="-120"/>
-              </a:rPr>
-              <a:t>誰</a:t>
-            </a:r>
-          </a:p>
-          <a:p>
-            <a:pPr marL="0" indent="0" algn="ctr">
-              <a:buNone/>
-            </a:pPr>
-            <a:r>
-              <a:rPr lang="zh-CN" altLang="zh-TW" sz="5400" b="1" dirty="0">
-                <a:solidFill>
-                  <a:srgbClr val="002060"/>
-                </a:solidFill>
-                <a:latin typeface="Microsoft JhengHei" panose="020B0604030504040204" pitchFamily="34" charset="-120"/>
-                <a:ea typeface="Microsoft JhengHei" panose="020B0604030504040204" pitchFamily="34" charset="-120"/>
-              </a:rPr>
-              <a:t>有誰能敵擋</a:t>
-            </a:r>
-            <a:r>
-              <a:rPr lang="zh-CN" altLang="zh-TW" sz="5400" b="1" dirty="0">
-                <a:solidFill>
-                  <a:srgbClr val="002060"/>
-                </a:solidFill>
-                <a:latin typeface="Microsoft JhengHei" panose="020B0604030504040204" pitchFamily="34" charset="-120"/>
-                <a:ea typeface="Microsoft JhengHei" panose="020B0604030504040204" pitchFamily="34" charset="-120"/>
-              </a:rPr>
-              <a:t>我</a:t>
-            </a:r>
-            <a:r>
-              <a:rPr lang="en-US" altLang="zh-CN" sz="5400" b="1" dirty="0">
-                <a:solidFill>
-                  <a:srgbClr val="002060"/>
-                </a:solidFill>
-                <a:latin typeface="Microsoft JhengHei" panose="020B0604030504040204" pitchFamily="34" charset="-120"/>
-                <a:ea typeface="Microsoft JhengHei" panose="020B0604030504040204" pitchFamily="34" charset="-120"/>
-              </a:rPr>
-              <a:t>  </a:t>
-            </a:r>
-            <a:r>
-              <a:rPr lang="zh-CN" altLang="zh-TW" sz="5400" b="1" dirty="0">
-                <a:solidFill>
-                  <a:srgbClr val="002060"/>
-                </a:solidFill>
-                <a:latin typeface="Microsoft JhengHei" panose="020B0604030504040204" pitchFamily="34" charset="-120"/>
-                <a:ea typeface="Microsoft JhengHei" panose="020B0604030504040204" pitchFamily="34" charset="-120"/>
-              </a:rPr>
-              <a:t>害</a:t>
-            </a:r>
-            <a:r>
-              <a:rPr lang="zh-CN" altLang="zh-TW" sz="5400" b="1" dirty="0">
-                <a:solidFill>
-                  <a:srgbClr val="002060"/>
-                </a:solidFill>
-                <a:latin typeface="Microsoft JhengHei" panose="020B0604030504040204" pitchFamily="34" charset="-120"/>
-                <a:ea typeface="Microsoft JhengHei" panose="020B0604030504040204" pitchFamily="34" charset="-120"/>
-              </a:rPr>
-              <a:t>我</a:t>
-            </a:r>
-            <a:r>
-              <a:rPr lang="zh-CN" altLang="zh-TW" sz="5400" b="1" dirty="0">
-                <a:solidFill>
-                  <a:srgbClr val="002060"/>
-                </a:solidFill>
-                <a:latin typeface="Microsoft JhengHei" panose="020B0604030504040204" pitchFamily="34" charset="-120"/>
-                <a:ea typeface="Microsoft JhengHei" panose="020B0604030504040204" pitchFamily="34" charset="-120"/>
-              </a:rPr>
-              <a:t>哉</a:t>
-            </a:r>
-            <a:endParaRPr lang="zh-CN" altLang="zh-TW" sz="5400" b="1" dirty="0">
-              <a:solidFill>
-                <a:srgbClr val="002060"/>
-              </a:solidFill>
-              <a:latin typeface="Microsoft JhengHei" panose="020B0604030504040204" pitchFamily="34" charset="-120"/>
-              <a:ea typeface="Microsoft JhengHei" panose="020B0604030504040204" pitchFamily="34" charset="-120"/>
-            </a:endParaRPr>
-          </a:p>
         </p:txBody>
       </p:sp>
     </p:spTree>
     <p:extLst>
       <p:ext uri="{BB962C8B-B14F-4D97-AF65-F5344CB8AC3E}">
-        <p14:creationId xmlns:p14="http://schemas.microsoft.com/office/powerpoint/2010/main" val="3766808051"/>
+        <p14:creationId xmlns:p14="http://schemas.microsoft.com/office/powerpoint/2010/main" val="3902970419"/>
       </p:ext>
     </p:extLst>
   </p:cSld>
   <p:clrMapOvr>
     <a:masterClrMapping/>
   </p:clrMapOvr>
+  <p:timing>
+    <p:tnLst>
+      <p:par>
+        <p:cTn id="1" dur="indefinite" restart="never" nodeType="tmRoot"/>
+      </p:par>
+    </p:tnLst>
+  </p:timing>
+</p:sld>
+</file>
+
+<file path=ppt/slides/slide9.xml><?xml version="1.0" encoding="utf-8"?>
+<p:sld xmlns:a="http://schemas.openxmlformats.org/drawingml/2006/main" xmlns:r="http://schemas.openxmlformats.org/officeDocument/2006/relationships" xmlns:p="http://schemas.openxmlformats.org/presentationml/2006/main">
+  <p:cSld>
+    <p:spTree>
+      <p:nvGrpSpPr>
+        <p:cNvPr id="1" name=""/>
+        <p:cNvGrpSpPr/>
+        <p:nvPr/>
+      </p:nvGrpSpPr>
+      <p:grpSpPr>
+        <a:xfrm>
+          <a:off x="0" y="0"/>
+          <a:ext cx="0" cy="0"/>
+          <a:chOff x="0" y="0"/>
+          <a:chExt cx="0" cy="0"/>
+        </a:xfrm>
+      </p:grpSpPr>
+      <p:sp>
+        <p:nvSpPr>
+          <p:cNvPr id="5" name="內容版面配置區 4"/>
+          <p:cNvSpPr>
+            <a:spLocks noGrp="1"/>
+          </p:cNvSpPr>
+          <p:nvPr>
+            <p:ph idx="1"/>
+          </p:nvPr>
+        </p:nvSpPr>
+        <p:spPr>
+          <a:xfrm>
+            <a:off x="0" y="2084851"/>
+            <a:ext cx="12192000" cy="2404863"/>
+          </a:xfrm>
+        </p:spPr>
+        <p:txBody>
+          <a:bodyPr anchor="ctr">
+            <a:normAutofit/>
+          </a:bodyPr>
+          <a:lstStyle/>
+          <a:p>
+            <a:pPr marL="0" indent="0" algn="ctr">
+              <a:buNone/>
+            </a:pPr>
+            <a:r>
+              <a:rPr lang="zh-CN" altLang="zh-TW" sz="6400" b="1" dirty="0">
+                <a:solidFill>
+                  <a:srgbClr val="660033"/>
+                </a:solidFill>
+                <a:latin typeface="Microsoft JhengHei" panose="020B0604030504040204" pitchFamily="34" charset="-120"/>
+                <a:ea typeface="Microsoft JhengHei" panose="020B0604030504040204" pitchFamily="34" charset="-120"/>
+              </a:rPr>
+              <a:t>有誰能敵擋我</a:t>
+            </a:r>
+            <a:r>
+              <a:rPr lang="en-US" altLang="zh-CN" sz="6400" b="1" dirty="0">
+                <a:solidFill>
+                  <a:srgbClr val="660033"/>
+                </a:solidFill>
+                <a:latin typeface="Microsoft JhengHei" panose="020B0604030504040204" pitchFamily="34" charset="-120"/>
+                <a:ea typeface="Microsoft JhengHei" panose="020B0604030504040204" pitchFamily="34" charset="-120"/>
+              </a:rPr>
+              <a:t>  </a:t>
+            </a:r>
+            <a:r>
+              <a:rPr lang="zh-CN" altLang="zh-TW" sz="6400" b="1" dirty="0">
+                <a:solidFill>
+                  <a:srgbClr val="660033"/>
+                </a:solidFill>
+                <a:latin typeface="Microsoft JhengHei" panose="020B0604030504040204" pitchFamily="34" charset="-120"/>
+                <a:ea typeface="Microsoft JhengHei" panose="020B0604030504040204" pitchFamily="34" charset="-120"/>
+              </a:rPr>
+              <a:t>誰 </a:t>
+            </a:r>
+            <a:r>
+              <a:rPr lang="en-US" altLang="zh-CN" sz="6400" b="1" dirty="0">
+                <a:solidFill>
+                  <a:srgbClr val="660033"/>
+                </a:solidFill>
+                <a:latin typeface="Microsoft JhengHei" panose="020B0604030504040204" pitchFamily="34" charset="-120"/>
+                <a:ea typeface="Microsoft JhengHei" panose="020B0604030504040204" pitchFamily="34" charset="-120"/>
+              </a:rPr>
+              <a:t> </a:t>
+            </a:r>
+            <a:r>
+              <a:rPr lang="zh-CN" altLang="zh-TW" sz="6400" b="1" dirty="0">
+                <a:solidFill>
+                  <a:srgbClr val="660033"/>
+                </a:solidFill>
+                <a:latin typeface="Microsoft JhengHei" panose="020B0604030504040204" pitchFamily="34" charset="-120"/>
+                <a:ea typeface="Microsoft JhengHei" panose="020B0604030504040204" pitchFamily="34" charset="-120"/>
+              </a:rPr>
+              <a:t>誰</a:t>
+            </a:r>
+            <a:r>
+              <a:rPr lang="en-US" altLang="zh-CN" sz="6400" b="1" dirty="0">
+                <a:solidFill>
+                  <a:srgbClr val="660033"/>
+                </a:solidFill>
+                <a:latin typeface="Microsoft JhengHei" panose="020B0604030504040204" pitchFamily="34" charset="-120"/>
+                <a:ea typeface="Microsoft JhengHei" panose="020B0604030504040204" pitchFamily="34" charset="-120"/>
+              </a:rPr>
+              <a:t> </a:t>
+            </a:r>
+            <a:r>
+              <a:rPr lang="zh-CN" altLang="zh-TW" sz="6400" b="1" dirty="0">
+                <a:solidFill>
+                  <a:srgbClr val="660033"/>
+                </a:solidFill>
+                <a:latin typeface="Microsoft JhengHei" panose="020B0604030504040204" pitchFamily="34" charset="-120"/>
+                <a:ea typeface="Microsoft JhengHei" panose="020B0604030504040204" pitchFamily="34" charset="-120"/>
+              </a:rPr>
+              <a:t> 誰</a:t>
+            </a:r>
+          </a:p>
+          <a:p>
+            <a:pPr marL="0" indent="0" algn="ctr">
+              <a:buNone/>
+            </a:pPr>
+            <a:r>
+              <a:rPr lang="zh-CN" altLang="zh-TW" sz="6400" b="1" dirty="0">
+                <a:solidFill>
+                  <a:srgbClr val="660033"/>
+                </a:solidFill>
+                <a:latin typeface="Microsoft JhengHei" panose="020B0604030504040204" pitchFamily="34" charset="-120"/>
+                <a:ea typeface="Microsoft JhengHei" panose="020B0604030504040204" pitchFamily="34" charset="-120"/>
+              </a:rPr>
+              <a:t>有誰能敵擋我</a:t>
+            </a:r>
+            <a:r>
+              <a:rPr lang="en-US" altLang="zh-CN" sz="6400" b="1" dirty="0">
+                <a:solidFill>
+                  <a:srgbClr val="660033"/>
+                </a:solidFill>
+                <a:latin typeface="Microsoft JhengHei" panose="020B0604030504040204" pitchFamily="34" charset="-120"/>
+                <a:ea typeface="Microsoft JhengHei" panose="020B0604030504040204" pitchFamily="34" charset="-120"/>
+              </a:rPr>
+              <a:t>  </a:t>
+            </a:r>
+            <a:r>
+              <a:rPr lang="zh-CN" altLang="zh-TW" sz="6400" b="1" dirty="0">
+                <a:solidFill>
+                  <a:srgbClr val="660033"/>
+                </a:solidFill>
+                <a:latin typeface="Microsoft JhengHei" panose="020B0604030504040204" pitchFamily="34" charset="-120"/>
+                <a:ea typeface="Microsoft JhengHei" panose="020B0604030504040204" pitchFamily="34" charset="-120"/>
+              </a:rPr>
+              <a:t>害我哉</a:t>
+            </a:r>
+            <a:endParaRPr lang="zh-CN" altLang="zh-TW" sz="6400" b="1" dirty="0">
+              <a:solidFill>
+                <a:srgbClr val="660033"/>
+              </a:solidFill>
+              <a:latin typeface="Microsoft JhengHei" panose="020B0604030504040204" pitchFamily="34" charset="-120"/>
+              <a:ea typeface="Microsoft JhengHei" panose="020B0604030504040204" pitchFamily="34" charset="-120"/>
+            </a:endParaRPr>
+          </a:p>
+        </p:txBody>
+      </p:sp>
+    </p:spTree>
+    <p:extLst>
+      <p:ext uri="{BB962C8B-B14F-4D97-AF65-F5344CB8AC3E}">
+        <p14:creationId xmlns:p14="http://schemas.microsoft.com/office/powerpoint/2010/main" val="3782690788"/>
+      </p:ext>
+    </p:extLst>
+  </p:cSld>
+  <p:clrMapOvr>
+    <a:masterClrMapping/>
+  </p:clrMapOvr>
+  <p:timing>
+    <p:tnLst>
+      <p:par>
+        <p:cTn id="1" dur="indefinite" restart="never" nodeType="tmRoot"/>
+      </p:par>
+    </p:tnLst>
+  </p:timing>
 </p:sld>
 </file>
 
